--- a/Grafiken.pptx
+++ b/Grafiken.pptx
@@ -261,7 +261,7 @@
           <a:p>
             <a:fld id="{42FAA010-A1FB-4218-B9CD-4D5AF1434370}" type="datetimeFigureOut">
               <a:rPr lang="de-DE" smtClean="0"/>
-              <a:t>29.10.2021</a:t>
+              <a:t>04.11.2021</a:t>
             </a:fld>
             <a:endParaRPr lang="de-DE"/>
           </a:p>
@@ -459,7 +459,7 @@
           <a:p>
             <a:fld id="{42FAA010-A1FB-4218-B9CD-4D5AF1434370}" type="datetimeFigureOut">
               <a:rPr lang="de-DE" smtClean="0"/>
-              <a:t>29.10.2021</a:t>
+              <a:t>04.11.2021</a:t>
             </a:fld>
             <a:endParaRPr lang="de-DE"/>
           </a:p>
@@ -667,7 +667,7 @@
           <a:p>
             <a:fld id="{42FAA010-A1FB-4218-B9CD-4D5AF1434370}" type="datetimeFigureOut">
               <a:rPr lang="de-DE" smtClean="0"/>
-              <a:t>29.10.2021</a:t>
+              <a:t>04.11.2021</a:t>
             </a:fld>
             <a:endParaRPr lang="de-DE"/>
           </a:p>
@@ -865,7 +865,7 @@
           <a:p>
             <a:fld id="{42FAA010-A1FB-4218-B9CD-4D5AF1434370}" type="datetimeFigureOut">
               <a:rPr lang="de-DE" smtClean="0"/>
-              <a:t>29.10.2021</a:t>
+              <a:t>04.11.2021</a:t>
             </a:fld>
             <a:endParaRPr lang="de-DE"/>
           </a:p>
@@ -1140,7 +1140,7 @@
           <a:p>
             <a:fld id="{42FAA010-A1FB-4218-B9CD-4D5AF1434370}" type="datetimeFigureOut">
               <a:rPr lang="de-DE" smtClean="0"/>
-              <a:t>29.10.2021</a:t>
+              <a:t>04.11.2021</a:t>
             </a:fld>
             <a:endParaRPr lang="de-DE"/>
           </a:p>
@@ -1405,7 +1405,7 @@
           <a:p>
             <a:fld id="{42FAA010-A1FB-4218-B9CD-4D5AF1434370}" type="datetimeFigureOut">
               <a:rPr lang="de-DE" smtClean="0"/>
-              <a:t>29.10.2021</a:t>
+              <a:t>04.11.2021</a:t>
             </a:fld>
             <a:endParaRPr lang="de-DE"/>
           </a:p>
@@ -1817,7 +1817,7 @@
           <a:p>
             <a:fld id="{42FAA010-A1FB-4218-B9CD-4D5AF1434370}" type="datetimeFigureOut">
               <a:rPr lang="de-DE" smtClean="0"/>
-              <a:t>29.10.2021</a:t>
+              <a:t>04.11.2021</a:t>
             </a:fld>
             <a:endParaRPr lang="de-DE"/>
           </a:p>
@@ -1958,7 +1958,7 @@
           <a:p>
             <a:fld id="{42FAA010-A1FB-4218-B9CD-4D5AF1434370}" type="datetimeFigureOut">
               <a:rPr lang="de-DE" smtClean="0"/>
-              <a:t>29.10.2021</a:t>
+              <a:t>04.11.2021</a:t>
             </a:fld>
             <a:endParaRPr lang="de-DE"/>
           </a:p>
@@ -2071,7 +2071,7 @@
           <a:p>
             <a:fld id="{42FAA010-A1FB-4218-B9CD-4D5AF1434370}" type="datetimeFigureOut">
               <a:rPr lang="de-DE" smtClean="0"/>
-              <a:t>29.10.2021</a:t>
+              <a:t>04.11.2021</a:t>
             </a:fld>
             <a:endParaRPr lang="de-DE"/>
           </a:p>
@@ -2382,7 +2382,7 @@
           <a:p>
             <a:fld id="{42FAA010-A1FB-4218-B9CD-4D5AF1434370}" type="datetimeFigureOut">
               <a:rPr lang="de-DE" smtClean="0"/>
-              <a:t>29.10.2021</a:t>
+              <a:t>04.11.2021</a:t>
             </a:fld>
             <a:endParaRPr lang="de-DE"/>
           </a:p>
@@ -2670,7 +2670,7 @@
           <a:p>
             <a:fld id="{42FAA010-A1FB-4218-B9CD-4D5AF1434370}" type="datetimeFigureOut">
               <a:rPr lang="de-DE" smtClean="0"/>
-              <a:t>29.10.2021</a:t>
+              <a:t>04.11.2021</a:t>
             </a:fld>
             <a:endParaRPr lang="de-DE"/>
           </a:p>
@@ -2911,7 +2911,7 @@
           <a:p>
             <a:fld id="{42FAA010-A1FB-4218-B9CD-4D5AF1434370}" type="datetimeFigureOut">
               <a:rPr lang="de-DE" smtClean="0"/>
-              <a:t>29.10.2021</a:t>
+              <a:t>04.11.2021</a:t>
             </a:fld>
             <a:endParaRPr lang="de-DE"/>
           </a:p>
@@ -3328,1008 +3328,1029 @@
           <a:chExt cx="0" cy="0"/>
         </a:xfrm>
       </p:grpSpPr>
-      <p:sp>
-        <p:nvSpPr>
-          <p:cNvPr id="6" name="Rechteck 5">
+      <p:grpSp>
+        <p:nvGrpSpPr>
+          <p:cNvPr id="2" name="Gruppieren 1">
             <a:extLst>
               <a:ext uri="{FF2B5EF4-FFF2-40B4-BE49-F238E27FC236}">
-                <a16:creationId xmlns:a16="http://schemas.microsoft.com/office/drawing/2014/main" id="{EBAA3BB2-35E8-4FE4-BF0E-3F09395DAFA9}"/>
+                <a16:creationId xmlns:a16="http://schemas.microsoft.com/office/drawing/2014/main" id="{5108A081-E099-4AB5-B5F7-DF367885DFD6}"/>
               </a:ext>
             </a:extLst>
           </p:cNvPr>
-          <p:cNvSpPr/>
+          <p:cNvGrpSpPr/>
           <p:nvPr/>
-        </p:nvSpPr>
-        <p:spPr>
+        </p:nvGrpSpPr>
+        <p:grpSpPr>
           <a:xfrm>
-            <a:off x="2656517" y="1641233"/>
-            <a:ext cx="2147144" cy="669954"/>
+            <a:off x="2656517" y="191675"/>
+            <a:ext cx="7214094" cy="5284474"/>
+            <a:chOff x="2656517" y="191675"/>
+            <a:chExt cx="7214094" cy="5284474"/>
           </a:xfrm>
-          <a:prstGeom prst="rect">
-            <a:avLst/>
-          </a:prstGeom>
-          <a:solidFill>
-            <a:srgbClr val="A32638"/>
-          </a:solidFill>
-          <a:ln>
-            <a:noFill/>
-          </a:ln>
-        </p:spPr>
-        <p:style>
-          <a:lnRef idx="1">
-            <a:schemeClr val="accent1"/>
-          </a:lnRef>
-          <a:fillRef idx="3">
-            <a:schemeClr val="accent1"/>
-          </a:fillRef>
-          <a:effectRef idx="2">
-            <a:schemeClr val="accent1"/>
-          </a:effectRef>
-          <a:fontRef idx="minor">
-            <a:schemeClr val="lt1"/>
-          </a:fontRef>
-        </p:style>
-        <p:txBody>
-          <a:bodyPr rtlCol="0" anchor="ctr"/>
-          <a:lstStyle/>
-          <a:p>
-            <a:pPr algn="ctr"/>
-            <a:r>
-              <a:rPr lang="de-DE" sz="1600" dirty="0"/>
-              <a:t>konstruktiv</a:t>
-            </a:r>
-          </a:p>
-        </p:txBody>
-      </p:sp>
-      <p:sp>
-        <p:nvSpPr>
-          <p:cNvPr id="7" name="Textfeld 6">
-            <a:extLst>
-              <a:ext uri="{FF2B5EF4-FFF2-40B4-BE49-F238E27FC236}">
-                <a16:creationId xmlns:a16="http://schemas.microsoft.com/office/drawing/2014/main" id="{7EC0E298-C74A-4E1A-96A2-591B0E05E966}"/>
-              </a:ext>
-            </a:extLst>
-          </p:cNvPr>
-          <p:cNvSpPr txBox="1"/>
-          <p:nvPr/>
-        </p:nvSpPr>
-        <p:spPr>
-          <a:xfrm>
-            <a:off x="4577377" y="191675"/>
-            <a:ext cx="3372374" cy="585885"/>
-          </a:xfrm>
-          <a:prstGeom prst="rect">
-            <a:avLst/>
-          </a:prstGeom>
-          <a:solidFill>
-            <a:schemeClr val="bg2">
-              <a:lumMod val="40000"/>
-              <a:lumOff val="60000"/>
-            </a:schemeClr>
-          </a:solidFill>
-          <a:ln w="34925">
+        </p:grpSpPr>
+        <p:sp>
+          <p:nvSpPr>
+            <p:cNvPr id="6" name="Rechteck 5">
+              <a:extLst>
+                <a:ext uri="{FF2B5EF4-FFF2-40B4-BE49-F238E27FC236}">
+                  <a16:creationId xmlns:a16="http://schemas.microsoft.com/office/drawing/2014/main" id="{EBAA3BB2-35E8-4FE4-BF0E-3F09395DAFA9}"/>
+                </a:ext>
+              </a:extLst>
+            </p:cNvPr>
+            <p:cNvSpPr/>
+            <p:nvPr/>
+          </p:nvSpPr>
+          <p:spPr>
+            <a:xfrm>
+              <a:off x="2656517" y="1641233"/>
+              <a:ext cx="2147144" cy="669954"/>
+            </a:xfrm>
+            <a:prstGeom prst="rect">
+              <a:avLst/>
+            </a:prstGeom>
             <a:solidFill>
               <a:srgbClr val="A32638"/>
             </a:solidFill>
-          </a:ln>
-          <a:effectLst/>
-        </p:spPr>
-        <p:style>
-          <a:lnRef idx="1">
-            <a:schemeClr val="accent1"/>
-          </a:lnRef>
-          <a:fillRef idx="3">
-            <a:schemeClr val="accent1"/>
-          </a:fillRef>
-          <a:effectRef idx="2">
-            <a:schemeClr val="accent1"/>
-          </a:effectRef>
-          <a:fontRef idx="minor">
-            <a:schemeClr val="lt1"/>
-          </a:fontRef>
-        </p:style>
-        <p:txBody>
-          <a:bodyPr rtlCol="0" anchor="ctr"/>
-          <a:lstStyle>
-            <a:defPPr>
-              <a:defRPr lang="de-DE"/>
-            </a:defPPr>
-            <a:lvl1pPr algn="ctr">
-              <a:defRPr sz="1400" b="1"/>
-            </a:lvl1pPr>
-            <a:lvl2pPr>
-              <a:defRPr>
-                <a:solidFill>
-                  <a:schemeClr val="lt1"/>
-                </a:solidFill>
-              </a:defRPr>
-            </a:lvl2pPr>
-            <a:lvl3pPr>
-              <a:defRPr>
-                <a:solidFill>
-                  <a:schemeClr val="lt1"/>
-                </a:solidFill>
-              </a:defRPr>
-            </a:lvl3pPr>
-            <a:lvl4pPr>
-              <a:defRPr>
-                <a:solidFill>
-                  <a:schemeClr val="lt1"/>
-                </a:solidFill>
-              </a:defRPr>
-            </a:lvl4pPr>
-            <a:lvl5pPr>
-              <a:defRPr>
-                <a:solidFill>
-                  <a:schemeClr val="lt1"/>
-                </a:solidFill>
-              </a:defRPr>
-            </a:lvl5pPr>
-            <a:lvl6pPr>
-              <a:defRPr>
-                <a:solidFill>
-                  <a:schemeClr val="lt1"/>
-                </a:solidFill>
-              </a:defRPr>
-            </a:lvl6pPr>
-            <a:lvl7pPr>
-              <a:defRPr>
-                <a:solidFill>
-                  <a:schemeClr val="lt1"/>
-                </a:solidFill>
-              </a:defRPr>
-            </a:lvl7pPr>
-            <a:lvl8pPr>
-              <a:defRPr>
-                <a:solidFill>
-                  <a:schemeClr val="lt1"/>
-                </a:solidFill>
-              </a:defRPr>
-            </a:lvl8pPr>
-            <a:lvl9pPr>
-              <a:defRPr>
-                <a:solidFill>
-                  <a:schemeClr val="lt1"/>
-                </a:solidFill>
-              </a:defRPr>
-            </a:lvl9pPr>
-          </a:lstStyle>
-          <a:p>
-            <a:r>
-              <a:rPr lang="de-DE" sz="1800" dirty="0">
-                <a:solidFill>
-                  <a:schemeClr val="tx1"/>
-                </a:solidFill>
-              </a:rPr>
-              <a:t>Software-Qualitätssicherung</a:t>
-            </a:r>
-          </a:p>
-        </p:txBody>
-      </p:sp>
-      <p:sp>
-        <p:nvSpPr>
-          <p:cNvPr id="8" name="Rechteck 7">
-            <a:extLst>
-              <a:ext uri="{FF2B5EF4-FFF2-40B4-BE49-F238E27FC236}">
-                <a16:creationId xmlns:a16="http://schemas.microsoft.com/office/drawing/2014/main" id="{7B8787DE-FAC7-4A7C-B3E6-FFDC03DBB8B2}"/>
-              </a:ext>
-            </a:extLst>
-          </p:cNvPr>
-          <p:cNvSpPr/>
-          <p:nvPr/>
-        </p:nvSpPr>
-        <p:spPr>
-          <a:xfrm>
-            <a:off x="5189992" y="1641233"/>
-            <a:ext cx="2147144" cy="669954"/>
-          </a:xfrm>
-          <a:prstGeom prst="rect">
-            <a:avLst/>
-          </a:prstGeom>
-          <a:solidFill>
-            <a:srgbClr val="A32638"/>
-          </a:solidFill>
-          <a:ln>
-            <a:noFill/>
-          </a:ln>
-        </p:spPr>
-        <p:style>
-          <a:lnRef idx="1">
-            <a:schemeClr val="accent1"/>
-          </a:lnRef>
-          <a:fillRef idx="3">
-            <a:schemeClr val="accent1"/>
-          </a:fillRef>
-          <a:effectRef idx="2">
-            <a:schemeClr val="accent1"/>
-          </a:effectRef>
-          <a:fontRef idx="minor">
-            <a:schemeClr val="lt1"/>
-          </a:fontRef>
-        </p:style>
-        <p:txBody>
-          <a:bodyPr rtlCol="0" anchor="ctr"/>
-          <a:lstStyle/>
-          <a:p>
-            <a:pPr algn="ctr"/>
-            <a:r>
-              <a:rPr lang="de-DE" sz="1600" dirty="0"/>
-              <a:t>analytisch</a:t>
-            </a:r>
-          </a:p>
-        </p:txBody>
-      </p:sp>
-      <p:sp>
-        <p:nvSpPr>
-          <p:cNvPr id="9" name="Rechteck 8">
-            <a:extLst>
-              <a:ext uri="{FF2B5EF4-FFF2-40B4-BE49-F238E27FC236}">
-                <a16:creationId xmlns:a16="http://schemas.microsoft.com/office/drawing/2014/main" id="{CC105768-1A17-445C-84EC-E94E0DC7C951}"/>
-              </a:ext>
-            </a:extLst>
-          </p:cNvPr>
-          <p:cNvSpPr/>
-          <p:nvPr/>
-        </p:nvSpPr>
-        <p:spPr>
-          <a:xfrm>
-            <a:off x="7723467" y="1641233"/>
-            <a:ext cx="2147144" cy="669954"/>
-          </a:xfrm>
-          <a:prstGeom prst="rect">
-            <a:avLst/>
-          </a:prstGeom>
-          <a:solidFill>
-            <a:srgbClr val="A32638"/>
-          </a:solidFill>
-          <a:ln>
-            <a:noFill/>
-          </a:ln>
-        </p:spPr>
-        <p:style>
-          <a:lnRef idx="1">
-            <a:schemeClr val="accent1"/>
-          </a:lnRef>
-          <a:fillRef idx="3">
-            <a:schemeClr val="accent1"/>
-          </a:fillRef>
-          <a:effectRef idx="2">
-            <a:schemeClr val="accent1"/>
-          </a:effectRef>
-          <a:fontRef idx="minor">
-            <a:schemeClr val="lt1"/>
-          </a:fontRef>
-        </p:style>
-        <p:txBody>
-          <a:bodyPr rtlCol="0" anchor="ctr"/>
-          <a:lstStyle/>
-          <a:p>
-            <a:pPr algn="ctr"/>
-            <a:r>
-              <a:rPr lang="de-DE" sz="1600" dirty="0"/>
-              <a:t>organisatorisch</a:t>
-            </a:r>
-          </a:p>
-        </p:txBody>
-      </p:sp>
-      <p:cxnSp>
-        <p:nvCxnSpPr>
-          <p:cNvPr id="10" name="Gerade Verbindung mit Pfeil 9">
-            <a:extLst>
-              <a:ext uri="{FF2B5EF4-FFF2-40B4-BE49-F238E27FC236}">
-                <a16:creationId xmlns:a16="http://schemas.microsoft.com/office/drawing/2014/main" id="{17012F56-EAFE-416A-82D2-62522FC9F326}"/>
-              </a:ext>
-            </a:extLst>
-          </p:cNvPr>
-          <p:cNvCxnSpPr>
-            <a:cxnSpLocks/>
-          </p:cNvCxnSpPr>
-          <p:nvPr/>
-        </p:nvCxnSpPr>
-        <p:spPr>
-          <a:xfrm>
-            <a:off x="7465175" y="906011"/>
-            <a:ext cx="1238558" cy="612396"/>
-          </a:xfrm>
-          <a:prstGeom prst="straightConnector1">
-            <a:avLst/>
-          </a:prstGeom>
-          <a:ln w="44450">
+            <a:ln>
+              <a:noFill/>
+            </a:ln>
+          </p:spPr>
+          <p:style>
+            <a:lnRef idx="1">
+              <a:schemeClr val="accent1"/>
+            </a:lnRef>
+            <a:fillRef idx="3">
+              <a:schemeClr val="accent1"/>
+            </a:fillRef>
+            <a:effectRef idx="2">
+              <a:schemeClr val="accent1"/>
+            </a:effectRef>
+            <a:fontRef idx="minor">
+              <a:schemeClr val="lt1"/>
+            </a:fontRef>
+          </p:style>
+          <p:txBody>
+            <a:bodyPr rtlCol="0" anchor="ctr"/>
+            <a:lstStyle/>
+            <a:p>
+              <a:pPr algn="ctr"/>
+              <a:r>
+                <a:rPr lang="de-DE" sz="1600" dirty="0"/>
+                <a:t>konstruktiv</a:t>
+              </a:r>
+            </a:p>
+          </p:txBody>
+        </p:sp>
+        <p:sp>
+          <p:nvSpPr>
+            <p:cNvPr id="7" name="Textfeld 6">
+              <a:extLst>
+                <a:ext uri="{FF2B5EF4-FFF2-40B4-BE49-F238E27FC236}">
+                  <a16:creationId xmlns:a16="http://schemas.microsoft.com/office/drawing/2014/main" id="{7EC0E298-C74A-4E1A-96A2-591B0E05E966}"/>
+                </a:ext>
+              </a:extLst>
+            </p:cNvPr>
+            <p:cNvSpPr txBox="1"/>
+            <p:nvPr/>
+          </p:nvSpPr>
+          <p:spPr>
+            <a:xfrm>
+              <a:off x="4577377" y="191675"/>
+              <a:ext cx="3372374" cy="585885"/>
+            </a:xfrm>
+            <a:prstGeom prst="rect">
+              <a:avLst/>
+            </a:prstGeom>
+            <a:solidFill>
+              <a:schemeClr val="bg2">
+                <a:lumMod val="40000"/>
+                <a:lumOff val="60000"/>
+              </a:schemeClr>
+            </a:solidFill>
+            <a:ln w="34925">
+              <a:solidFill>
+                <a:srgbClr val="A32638"/>
+              </a:solidFill>
+            </a:ln>
+            <a:effectLst/>
+          </p:spPr>
+          <p:style>
+            <a:lnRef idx="1">
+              <a:schemeClr val="accent1"/>
+            </a:lnRef>
+            <a:fillRef idx="3">
+              <a:schemeClr val="accent1"/>
+            </a:fillRef>
+            <a:effectRef idx="2">
+              <a:schemeClr val="accent1"/>
+            </a:effectRef>
+            <a:fontRef idx="minor">
+              <a:schemeClr val="lt1"/>
+            </a:fontRef>
+          </p:style>
+          <p:txBody>
+            <a:bodyPr rtlCol="0" anchor="ctr"/>
+            <a:lstStyle>
+              <a:defPPr>
+                <a:defRPr lang="de-DE"/>
+              </a:defPPr>
+              <a:lvl1pPr algn="ctr">
+                <a:defRPr sz="1400" b="1"/>
+              </a:lvl1pPr>
+              <a:lvl2pPr>
+                <a:defRPr>
+                  <a:solidFill>
+                    <a:schemeClr val="lt1"/>
+                  </a:solidFill>
+                </a:defRPr>
+              </a:lvl2pPr>
+              <a:lvl3pPr>
+                <a:defRPr>
+                  <a:solidFill>
+                    <a:schemeClr val="lt1"/>
+                  </a:solidFill>
+                </a:defRPr>
+              </a:lvl3pPr>
+              <a:lvl4pPr>
+                <a:defRPr>
+                  <a:solidFill>
+                    <a:schemeClr val="lt1"/>
+                  </a:solidFill>
+                </a:defRPr>
+              </a:lvl4pPr>
+              <a:lvl5pPr>
+                <a:defRPr>
+                  <a:solidFill>
+                    <a:schemeClr val="lt1"/>
+                  </a:solidFill>
+                </a:defRPr>
+              </a:lvl5pPr>
+              <a:lvl6pPr>
+                <a:defRPr>
+                  <a:solidFill>
+                    <a:schemeClr val="lt1"/>
+                  </a:solidFill>
+                </a:defRPr>
+              </a:lvl6pPr>
+              <a:lvl7pPr>
+                <a:defRPr>
+                  <a:solidFill>
+                    <a:schemeClr val="lt1"/>
+                  </a:solidFill>
+                </a:defRPr>
+              </a:lvl7pPr>
+              <a:lvl8pPr>
+                <a:defRPr>
+                  <a:solidFill>
+                    <a:schemeClr val="lt1"/>
+                  </a:solidFill>
+                </a:defRPr>
+              </a:lvl8pPr>
+              <a:lvl9pPr>
+                <a:defRPr>
+                  <a:solidFill>
+                    <a:schemeClr val="lt1"/>
+                  </a:solidFill>
+                </a:defRPr>
+              </a:lvl9pPr>
+            </a:lstStyle>
+            <a:p>
+              <a:r>
+                <a:rPr lang="de-DE" sz="1800" dirty="0">
+                  <a:solidFill>
+                    <a:schemeClr val="tx1"/>
+                  </a:solidFill>
+                </a:rPr>
+                <a:t>Software-Qualitätssicherung</a:t>
+              </a:r>
+            </a:p>
+          </p:txBody>
+        </p:sp>
+        <p:sp>
+          <p:nvSpPr>
+            <p:cNvPr id="8" name="Rechteck 7">
+              <a:extLst>
+                <a:ext uri="{FF2B5EF4-FFF2-40B4-BE49-F238E27FC236}">
+                  <a16:creationId xmlns:a16="http://schemas.microsoft.com/office/drawing/2014/main" id="{7B8787DE-FAC7-4A7C-B3E6-FFDC03DBB8B2}"/>
+                </a:ext>
+              </a:extLst>
+            </p:cNvPr>
+            <p:cNvSpPr/>
+            <p:nvPr/>
+          </p:nvSpPr>
+          <p:spPr>
+            <a:xfrm>
+              <a:off x="5189992" y="1641233"/>
+              <a:ext cx="2147144" cy="669954"/>
+            </a:xfrm>
+            <a:prstGeom prst="rect">
+              <a:avLst/>
+            </a:prstGeom>
             <a:solidFill>
               <a:srgbClr val="A32638"/>
             </a:solidFill>
-            <a:tailEnd type="triangle"/>
-          </a:ln>
-        </p:spPr>
-        <p:style>
-          <a:lnRef idx="1">
-            <a:schemeClr val="accent1"/>
-          </a:lnRef>
-          <a:fillRef idx="0">
-            <a:schemeClr val="accent1"/>
-          </a:fillRef>
-          <a:effectRef idx="0">
-            <a:schemeClr val="accent1"/>
-          </a:effectRef>
-          <a:fontRef idx="minor">
-            <a:schemeClr val="tx1"/>
-          </a:fontRef>
-        </p:style>
-      </p:cxnSp>
-      <p:cxnSp>
-        <p:nvCxnSpPr>
-          <p:cNvPr id="13" name="Gerade Verbindung mit Pfeil 12">
-            <a:extLst>
-              <a:ext uri="{FF2B5EF4-FFF2-40B4-BE49-F238E27FC236}">
-                <a16:creationId xmlns:a16="http://schemas.microsoft.com/office/drawing/2014/main" id="{65389031-DFA5-4099-B2F5-9EEB18DA23C2}"/>
-              </a:ext>
-            </a:extLst>
-          </p:cNvPr>
-          <p:cNvCxnSpPr>
-            <a:cxnSpLocks/>
-          </p:cNvCxnSpPr>
-          <p:nvPr/>
-        </p:nvCxnSpPr>
-        <p:spPr>
-          <a:xfrm>
-            <a:off x="6191076" y="906011"/>
-            <a:ext cx="0" cy="612396"/>
-          </a:xfrm>
-          <a:prstGeom prst="straightConnector1">
-            <a:avLst/>
-          </a:prstGeom>
-          <a:ln w="44450">
+            <a:ln>
+              <a:noFill/>
+            </a:ln>
+          </p:spPr>
+          <p:style>
+            <a:lnRef idx="1">
+              <a:schemeClr val="accent1"/>
+            </a:lnRef>
+            <a:fillRef idx="3">
+              <a:schemeClr val="accent1"/>
+            </a:fillRef>
+            <a:effectRef idx="2">
+              <a:schemeClr val="accent1"/>
+            </a:effectRef>
+            <a:fontRef idx="minor">
+              <a:schemeClr val="lt1"/>
+            </a:fontRef>
+          </p:style>
+          <p:txBody>
+            <a:bodyPr rtlCol="0" anchor="ctr"/>
+            <a:lstStyle/>
+            <a:p>
+              <a:pPr algn="ctr"/>
+              <a:r>
+                <a:rPr lang="de-DE" sz="1600" dirty="0"/>
+                <a:t>analytisch</a:t>
+              </a:r>
+            </a:p>
+          </p:txBody>
+        </p:sp>
+        <p:sp>
+          <p:nvSpPr>
+            <p:cNvPr id="9" name="Rechteck 8">
+              <a:extLst>
+                <a:ext uri="{FF2B5EF4-FFF2-40B4-BE49-F238E27FC236}">
+                  <a16:creationId xmlns:a16="http://schemas.microsoft.com/office/drawing/2014/main" id="{CC105768-1A17-445C-84EC-E94E0DC7C951}"/>
+                </a:ext>
+              </a:extLst>
+            </p:cNvPr>
+            <p:cNvSpPr/>
+            <p:nvPr/>
+          </p:nvSpPr>
+          <p:spPr>
+            <a:xfrm>
+              <a:off x="7723467" y="1641233"/>
+              <a:ext cx="2147144" cy="669954"/>
+            </a:xfrm>
+            <a:prstGeom prst="rect">
+              <a:avLst/>
+            </a:prstGeom>
             <a:solidFill>
               <a:srgbClr val="A32638"/>
             </a:solidFill>
-            <a:tailEnd type="triangle"/>
-          </a:ln>
-        </p:spPr>
-        <p:style>
-          <a:lnRef idx="1">
-            <a:schemeClr val="accent1"/>
-          </a:lnRef>
-          <a:fillRef idx="0">
-            <a:schemeClr val="accent1"/>
-          </a:fillRef>
-          <a:effectRef idx="0">
-            <a:schemeClr val="accent1"/>
-          </a:effectRef>
-          <a:fontRef idx="minor">
-            <a:schemeClr val="tx1"/>
-          </a:fontRef>
-        </p:style>
-      </p:cxnSp>
-      <p:cxnSp>
-        <p:nvCxnSpPr>
-          <p:cNvPr id="17" name="Gerade Verbindung mit Pfeil 16">
-            <a:extLst>
-              <a:ext uri="{FF2B5EF4-FFF2-40B4-BE49-F238E27FC236}">
-                <a16:creationId xmlns:a16="http://schemas.microsoft.com/office/drawing/2014/main" id="{8F81E039-573D-4A88-81CC-5A3408CE8938}"/>
-              </a:ext>
-            </a:extLst>
-          </p:cNvPr>
-          <p:cNvCxnSpPr>
-            <a:cxnSpLocks/>
-          </p:cNvCxnSpPr>
-          <p:nvPr/>
-        </p:nvCxnSpPr>
-        <p:spPr>
-          <a:xfrm flipH="1">
-            <a:off x="3806889" y="906011"/>
-            <a:ext cx="1238400" cy="612000"/>
-          </a:xfrm>
-          <a:prstGeom prst="straightConnector1">
-            <a:avLst/>
-          </a:prstGeom>
-          <a:ln w="44450">
-            <a:solidFill>
-              <a:srgbClr val="A32638"/>
-            </a:solidFill>
-            <a:tailEnd type="triangle"/>
-          </a:ln>
-        </p:spPr>
-        <p:style>
-          <a:lnRef idx="1">
-            <a:schemeClr val="accent1"/>
-          </a:lnRef>
-          <a:fillRef idx="0">
-            <a:schemeClr val="accent1"/>
-          </a:fillRef>
-          <a:effectRef idx="0">
-            <a:schemeClr val="accent1"/>
-          </a:effectRef>
-          <a:fontRef idx="minor">
-            <a:schemeClr val="tx1"/>
-          </a:fontRef>
-        </p:style>
-      </p:cxnSp>
-      <p:cxnSp>
-        <p:nvCxnSpPr>
-          <p:cNvPr id="20" name="Gerade Verbindung mit Pfeil 19">
-            <a:extLst>
-              <a:ext uri="{FF2B5EF4-FFF2-40B4-BE49-F238E27FC236}">
-                <a16:creationId xmlns:a16="http://schemas.microsoft.com/office/drawing/2014/main" id="{0CC33C3B-8D99-405C-9750-490463FBC09C}"/>
-              </a:ext>
-            </a:extLst>
-          </p:cNvPr>
-          <p:cNvCxnSpPr>
-            <a:cxnSpLocks/>
-          </p:cNvCxnSpPr>
-          <p:nvPr/>
-        </p:nvCxnSpPr>
-        <p:spPr>
-          <a:xfrm>
-            <a:off x="3655028" y="2429742"/>
-            <a:ext cx="0" cy="322787"/>
-          </a:xfrm>
-          <a:prstGeom prst="straightConnector1">
-            <a:avLst/>
-          </a:prstGeom>
-          <a:ln w="44450">
+            <a:ln>
+              <a:noFill/>
+            </a:ln>
+          </p:spPr>
+          <p:style>
+            <a:lnRef idx="1">
+              <a:schemeClr val="accent1"/>
+            </a:lnRef>
+            <a:fillRef idx="3">
+              <a:schemeClr val="accent1"/>
+            </a:fillRef>
+            <a:effectRef idx="2">
+              <a:schemeClr val="accent1"/>
+            </a:effectRef>
+            <a:fontRef idx="minor">
+              <a:schemeClr val="lt1"/>
+            </a:fontRef>
+          </p:style>
+          <p:txBody>
+            <a:bodyPr rtlCol="0" anchor="ctr"/>
+            <a:lstStyle/>
+            <a:p>
+              <a:pPr algn="ctr"/>
+              <a:r>
+                <a:rPr lang="de-DE" sz="1600" dirty="0"/>
+                <a:t>organisatorisch</a:t>
+              </a:r>
+            </a:p>
+          </p:txBody>
+        </p:sp>
+        <p:cxnSp>
+          <p:nvCxnSpPr>
+            <p:cNvPr id="10" name="Gerade Verbindung mit Pfeil 9">
+              <a:extLst>
+                <a:ext uri="{FF2B5EF4-FFF2-40B4-BE49-F238E27FC236}">
+                  <a16:creationId xmlns:a16="http://schemas.microsoft.com/office/drawing/2014/main" id="{17012F56-EAFE-416A-82D2-62522FC9F326}"/>
+                </a:ext>
+              </a:extLst>
+            </p:cNvPr>
+            <p:cNvCxnSpPr>
+              <a:cxnSpLocks/>
+            </p:cNvCxnSpPr>
+            <p:nvPr/>
+          </p:nvCxnSpPr>
+          <p:spPr>
+            <a:xfrm>
+              <a:off x="7465175" y="906011"/>
+              <a:ext cx="1238558" cy="612396"/>
+            </a:xfrm>
+            <a:prstGeom prst="straightConnector1">
+              <a:avLst/>
+            </a:prstGeom>
+            <a:ln w="44450">
+              <a:solidFill>
+                <a:srgbClr val="A32638"/>
+              </a:solidFill>
+              <a:tailEnd type="triangle"/>
+            </a:ln>
+          </p:spPr>
+          <p:style>
+            <a:lnRef idx="1">
+              <a:schemeClr val="accent1"/>
+            </a:lnRef>
+            <a:fillRef idx="0">
+              <a:schemeClr val="accent1"/>
+            </a:fillRef>
+            <a:effectRef idx="0">
+              <a:schemeClr val="accent1"/>
+            </a:effectRef>
+            <a:fontRef idx="minor">
+              <a:schemeClr val="tx1"/>
+            </a:fontRef>
+          </p:style>
+        </p:cxnSp>
+        <p:cxnSp>
+          <p:nvCxnSpPr>
+            <p:cNvPr id="13" name="Gerade Verbindung mit Pfeil 12">
+              <a:extLst>
+                <a:ext uri="{FF2B5EF4-FFF2-40B4-BE49-F238E27FC236}">
+                  <a16:creationId xmlns:a16="http://schemas.microsoft.com/office/drawing/2014/main" id="{65389031-DFA5-4099-B2F5-9EEB18DA23C2}"/>
+                </a:ext>
+              </a:extLst>
+            </p:cNvPr>
+            <p:cNvCxnSpPr>
+              <a:cxnSpLocks/>
+            </p:cNvCxnSpPr>
+            <p:nvPr/>
+          </p:nvCxnSpPr>
+          <p:spPr>
+            <a:xfrm>
+              <a:off x="6191076" y="906011"/>
+              <a:ext cx="0" cy="612396"/>
+            </a:xfrm>
+            <a:prstGeom prst="straightConnector1">
+              <a:avLst/>
+            </a:prstGeom>
+            <a:ln w="44450">
+              <a:solidFill>
+                <a:srgbClr val="A32638"/>
+              </a:solidFill>
+              <a:tailEnd type="triangle"/>
+            </a:ln>
+          </p:spPr>
+          <p:style>
+            <a:lnRef idx="1">
+              <a:schemeClr val="accent1"/>
+            </a:lnRef>
+            <a:fillRef idx="0">
+              <a:schemeClr val="accent1"/>
+            </a:fillRef>
+            <a:effectRef idx="0">
+              <a:schemeClr val="accent1"/>
+            </a:effectRef>
+            <a:fontRef idx="minor">
+              <a:schemeClr val="tx1"/>
+            </a:fontRef>
+          </p:style>
+        </p:cxnSp>
+        <p:cxnSp>
+          <p:nvCxnSpPr>
+            <p:cNvPr id="17" name="Gerade Verbindung mit Pfeil 16">
+              <a:extLst>
+                <a:ext uri="{FF2B5EF4-FFF2-40B4-BE49-F238E27FC236}">
+                  <a16:creationId xmlns:a16="http://schemas.microsoft.com/office/drawing/2014/main" id="{8F81E039-573D-4A88-81CC-5A3408CE8938}"/>
+                </a:ext>
+              </a:extLst>
+            </p:cNvPr>
+            <p:cNvCxnSpPr>
+              <a:cxnSpLocks/>
+            </p:cNvCxnSpPr>
+            <p:nvPr/>
+          </p:nvCxnSpPr>
+          <p:spPr>
+            <a:xfrm flipH="1">
+              <a:off x="3806889" y="906011"/>
+              <a:ext cx="1238400" cy="612000"/>
+            </a:xfrm>
+            <a:prstGeom prst="straightConnector1">
+              <a:avLst/>
+            </a:prstGeom>
+            <a:ln w="44450">
+              <a:solidFill>
+                <a:srgbClr val="A32638"/>
+              </a:solidFill>
+              <a:tailEnd type="triangle"/>
+            </a:ln>
+          </p:spPr>
+          <p:style>
+            <a:lnRef idx="1">
+              <a:schemeClr val="accent1"/>
+            </a:lnRef>
+            <a:fillRef idx="0">
+              <a:schemeClr val="accent1"/>
+            </a:fillRef>
+            <a:effectRef idx="0">
+              <a:schemeClr val="accent1"/>
+            </a:effectRef>
+            <a:fontRef idx="minor">
+              <a:schemeClr val="tx1"/>
+            </a:fontRef>
+          </p:style>
+        </p:cxnSp>
+        <p:cxnSp>
+          <p:nvCxnSpPr>
+            <p:cNvPr id="20" name="Gerade Verbindung mit Pfeil 19">
+              <a:extLst>
+                <a:ext uri="{FF2B5EF4-FFF2-40B4-BE49-F238E27FC236}">
+                  <a16:creationId xmlns:a16="http://schemas.microsoft.com/office/drawing/2014/main" id="{0CC33C3B-8D99-405C-9750-490463FBC09C}"/>
+                </a:ext>
+              </a:extLst>
+            </p:cNvPr>
+            <p:cNvCxnSpPr>
+              <a:cxnSpLocks/>
+            </p:cNvCxnSpPr>
+            <p:nvPr/>
+          </p:nvCxnSpPr>
+          <p:spPr>
+            <a:xfrm>
+              <a:off x="3655028" y="2429742"/>
+              <a:ext cx="0" cy="322787"/>
+            </a:xfrm>
+            <a:prstGeom prst="straightConnector1">
+              <a:avLst/>
+            </a:prstGeom>
+            <a:ln w="44450">
+              <a:solidFill>
+                <a:srgbClr val="7D9AA9"/>
+              </a:solidFill>
+              <a:tailEnd type="triangle"/>
+            </a:ln>
+          </p:spPr>
+          <p:style>
+            <a:lnRef idx="1">
+              <a:schemeClr val="accent1"/>
+            </a:lnRef>
+            <a:fillRef idx="0">
+              <a:schemeClr val="accent1"/>
+            </a:fillRef>
+            <a:effectRef idx="0">
+              <a:schemeClr val="accent1"/>
+            </a:effectRef>
+            <a:fontRef idx="minor">
+              <a:schemeClr val="tx1"/>
+            </a:fontRef>
+          </p:style>
+        </p:cxnSp>
+        <p:sp>
+          <p:nvSpPr>
+            <p:cNvPr id="23" name="Rechteck 22">
+              <a:extLst>
+                <a:ext uri="{FF2B5EF4-FFF2-40B4-BE49-F238E27FC236}">
+                  <a16:creationId xmlns:a16="http://schemas.microsoft.com/office/drawing/2014/main" id="{BC9C9C52-C6E4-42BF-AF48-0C647B1B2861}"/>
+                </a:ext>
+              </a:extLst>
+            </p:cNvPr>
+            <p:cNvSpPr/>
+            <p:nvPr/>
+          </p:nvSpPr>
+          <p:spPr>
+            <a:xfrm>
+              <a:off x="2656517" y="2818425"/>
+              <a:ext cx="2147142" cy="422622"/>
+            </a:xfrm>
+            <a:prstGeom prst="rect">
+              <a:avLst/>
+            </a:prstGeom>
             <a:solidFill>
               <a:srgbClr val="7D9AA9"/>
             </a:solidFill>
-            <a:tailEnd type="triangle"/>
-          </a:ln>
-        </p:spPr>
-        <p:style>
-          <a:lnRef idx="1">
-            <a:schemeClr val="accent1"/>
-          </a:lnRef>
-          <a:fillRef idx="0">
-            <a:schemeClr val="accent1"/>
-          </a:fillRef>
-          <a:effectRef idx="0">
-            <a:schemeClr val="accent1"/>
-          </a:effectRef>
-          <a:fontRef idx="minor">
-            <a:schemeClr val="tx1"/>
-          </a:fontRef>
-        </p:style>
-      </p:cxnSp>
-      <p:sp>
-        <p:nvSpPr>
-          <p:cNvPr id="23" name="Rechteck 22">
-            <a:extLst>
-              <a:ext uri="{FF2B5EF4-FFF2-40B4-BE49-F238E27FC236}">
-                <a16:creationId xmlns:a16="http://schemas.microsoft.com/office/drawing/2014/main" id="{BC9C9C52-C6E4-42BF-AF48-0C647B1B2861}"/>
-              </a:ext>
-            </a:extLst>
-          </p:cNvPr>
-          <p:cNvSpPr/>
-          <p:nvPr/>
-        </p:nvSpPr>
-        <p:spPr>
-          <a:xfrm>
-            <a:off x="2656517" y="2818425"/>
-            <a:ext cx="2147142" cy="422622"/>
-          </a:xfrm>
-          <a:prstGeom prst="rect">
-            <a:avLst/>
-          </a:prstGeom>
-          <a:solidFill>
-            <a:srgbClr val="7D9AA9"/>
-          </a:solidFill>
-          <a:ln>
-            <a:noFill/>
-          </a:ln>
-        </p:spPr>
-        <p:style>
-          <a:lnRef idx="1">
-            <a:schemeClr val="accent1"/>
-          </a:lnRef>
-          <a:fillRef idx="3">
-            <a:schemeClr val="accent1"/>
-          </a:fillRef>
-          <a:effectRef idx="2">
-            <a:schemeClr val="accent1"/>
-          </a:effectRef>
-          <a:fontRef idx="minor">
-            <a:schemeClr val="lt1"/>
-          </a:fontRef>
-        </p:style>
-        <p:txBody>
-          <a:bodyPr rtlCol="0" anchor="ctr"/>
-          <a:lstStyle/>
-          <a:p>
-            <a:pPr algn="ctr"/>
-            <a:r>
-              <a:rPr lang="de-DE" sz="1400" dirty="0"/>
-              <a:t>Bsp.: Coding Guidelines</a:t>
-            </a:r>
-          </a:p>
-        </p:txBody>
-      </p:sp>
-      <p:sp>
-        <p:nvSpPr>
-          <p:cNvPr id="24" name="Rechteck 23">
-            <a:extLst>
-              <a:ext uri="{FF2B5EF4-FFF2-40B4-BE49-F238E27FC236}">
-                <a16:creationId xmlns:a16="http://schemas.microsoft.com/office/drawing/2014/main" id="{679A2E75-F9E2-424D-A6A1-FC09F0337714}"/>
-              </a:ext>
-            </a:extLst>
-          </p:cNvPr>
-          <p:cNvSpPr/>
-          <p:nvPr/>
-        </p:nvSpPr>
-        <p:spPr>
-          <a:xfrm>
-            <a:off x="3824326" y="3687627"/>
-            <a:ext cx="2147144" cy="669954"/>
-          </a:xfrm>
-          <a:prstGeom prst="rect">
-            <a:avLst/>
-          </a:prstGeom>
-          <a:solidFill>
-            <a:srgbClr val="F48293"/>
-          </a:solidFill>
-          <a:ln>
-            <a:noFill/>
-          </a:ln>
-        </p:spPr>
-        <p:style>
-          <a:lnRef idx="1">
-            <a:schemeClr val="accent1"/>
-          </a:lnRef>
-          <a:fillRef idx="3">
-            <a:schemeClr val="accent1"/>
-          </a:fillRef>
-          <a:effectRef idx="2">
-            <a:schemeClr val="accent1"/>
-          </a:effectRef>
-          <a:fontRef idx="minor">
-            <a:schemeClr val="lt1"/>
-          </a:fontRef>
-        </p:style>
-        <p:txBody>
-          <a:bodyPr rtlCol="0" anchor="ctr"/>
-          <a:lstStyle/>
-          <a:p>
-            <a:pPr algn="ctr"/>
-            <a:r>
-              <a:rPr lang="de-DE" sz="1600" dirty="0"/>
-              <a:t>nichtmechanisch</a:t>
-            </a:r>
-          </a:p>
-        </p:txBody>
-      </p:sp>
-      <p:cxnSp>
-        <p:nvCxnSpPr>
-          <p:cNvPr id="25" name="Gerade Verbindung mit Pfeil 24">
-            <a:extLst>
-              <a:ext uri="{FF2B5EF4-FFF2-40B4-BE49-F238E27FC236}">
-                <a16:creationId xmlns:a16="http://schemas.microsoft.com/office/drawing/2014/main" id="{CA4A0DED-0353-44E2-89B2-F680D654A1E4}"/>
-              </a:ext>
-            </a:extLst>
-          </p:cNvPr>
-          <p:cNvCxnSpPr>
-            <a:cxnSpLocks/>
-          </p:cNvCxnSpPr>
-          <p:nvPr/>
-        </p:nvCxnSpPr>
-        <p:spPr>
-          <a:xfrm flipH="1">
-            <a:off x="5045289" y="2488977"/>
-            <a:ext cx="933340" cy="1112639"/>
-          </a:xfrm>
-          <a:prstGeom prst="straightConnector1">
-            <a:avLst/>
-          </a:prstGeom>
-          <a:ln w="44450">
+            <a:ln>
+              <a:noFill/>
+            </a:ln>
+          </p:spPr>
+          <p:style>
+            <a:lnRef idx="1">
+              <a:schemeClr val="accent1"/>
+            </a:lnRef>
+            <a:fillRef idx="3">
+              <a:schemeClr val="accent1"/>
+            </a:fillRef>
+            <a:effectRef idx="2">
+              <a:schemeClr val="accent1"/>
+            </a:effectRef>
+            <a:fontRef idx="minor">
+              <a:schemeClr val="lt1"/>
+            </a:fontRef>
+          </p:style>
+          <p:txBody>
+            <a:bodyPr rtlCol="0" anchor="ctr"/>
+            <a:lstStyle/>
+            <a:p>
+              <a:pPr algn="ctr"/>
+              <a:r>
+                <a:rPr lang="de-DE" sz="1400" dirty="0"/>
+                <a:t>Bsp.: Coding Guidelines</a:t>
+              </a:r>
+            </a:p>
+          </p:txBody>
+        </p:sp>
+        <p:sp>
+          <p:nvSpPr>
+            <p:cNvPr id="24" name="Rechteck 23">
+              <a:extLst>
+                <a:ext uri="{FF2B5EF4-FFF2-40B4-BE49-F238E27FC236}">
+                  <a16:creationId xmlns:a16="http://schemas.microsoft.com/office/drawing/2014/main" id="{679A2E75-F9E2-424D-A6A1-FC09F0337714}"/>
+                </a:ext>
+              </a:extLst>
+            </p:cNvPr>
+            <p:cNvSpPr/>
+            <p:nvPr/>
+          </p:nvSpPr>
+          <p:spPr>
+            <a:xfrm>
+              <a:off x="3824326" y="3687627"/>
+              <a:ext cx="2147144" cy="669954"/>
+            </a:xfrm>
+            <a:prstGeom prst="rect">
+              <a:avLst/>
+            </a:prstGeom>
             <a:solidFill>
               <a:srgbClr val="F48293"/>
             </a:solidFill>
-            <a:tailEnd type="triangle"/>
-          </a:ln>
-        </p:spPr>
-        <p:style>
-          <a:lnRef idx="1">
-            <a:schemeClr val="accent1"/>
-          </a:lnRef>
-          <a:fillRef idx="0">
-            <a:schemeClr val="accent1"/>
-          </a:fillRef>
-          <a:effectRef idx="0">
-            <a:schemeClr val="accent1"/>
-          </a:effectRef>
-          <a:fontRef idx="minor">
-            <a:schemeClr val="tx1"/>
-          </a:fontRef>
-        </p:style>
-      </p:cxnSp>
-      <p:sp>
-        <p:nvSpPr>
-          <p:cNvPr id="33" name="Rechteck 32">
-            <a:extLst>
-              <a:ext uri="{FF2B5EF4-FFF2-40B4-BE49-F238E27FC236}">
-                <a16:creationId xmlns:a16="http://schemas.microsoft.com/office/drawing/2014/main" id="{149BC7B3-0CF5-4590-87F3-916947B20572}"/>
-              </a:ext>
-            </a:extLst>
-          </p:cNvPr>
-          <p:cNvSpPr/>
-          <p:nvPr/>
-        </p:nvSpPr>
-        <p:spPr>
-          <a:xfrm>
-            <a:off x="6213100" y="3687627"/>
-            <a:ext cx="2147144" cy="669954"/>
-          </a:xfrm>
-          <a:prstGeom prst="rect">
-            <a:avLst/>
-          </a:prstGeom>
-          <a:solidFill>
-            <a:srgbClr val="F48293"/>
-          </a:solidFill>
-          <a:ln>
-            <a:noFill/>
-          </a:ln>
-        </p:spPr>
-        <p:style>
-          <a:lnRef idx="1">
-            <a:schemeClr val="accent1"/>
-          </a:lnRef>
-          <a:fillRef idx="3">
-            <a:schemeClr val="accent1"/>
-          </a:fillRef>
-          <a:effectRef idx="2">
-            <a:schemeClr val="accent1"/>
-          </a:effectRef>
-          <a:fontRef idx="minor">
-            <a:schemeClr val="lt1"/>
-          </a:fontRef>
-        </p:style>
-        <p:txBody>
-          <a:bodyPr rtlCol="0" anchor="ctr"/>
-          <a:lstStyle/>
-          <a:p>
-            <a:pPr algn="ctr"/>
-            <a:r>
-              <a:rPr lang="de-DE" sz="1600" dirty="0"/>
-              <a:t>mechanisch</a:t>
-            </a:r>
-          </a:p>
-        </p:txBody>
-      </p:sp>
-      <p:cxnSp>
-        <p:nvCxnSpPr>
-          <p:cNvPr id="34" name="Gerade Verbindung mit Pfeil 33">
-            <a:extLst>
-              <a:ext uri="{FF2B5EF4-FFF2-40B4-BE49-F238E27FC236}">
-                <a16:creationId xmlns:a16="http://schemas.microsoft.com/office/drawing/2014/main" id="{05111C45-E0CA-47E4-AC1B-69B4F7F2D50B}"/>
-              </a:ext>
-            </a:extLst>
-          </p:cNvPr>
-          <p:cNvCxnSpPr>
-            <a:cxnSpLocks/>
-          </p:cNvCxnSpPr>
-          <p:nvPr/>
-        </p:nvCxnSpPr>
-        <p:spPr>
-          <a:xfrm>
-            <a:off x="6379375" y="2488977"/>
-            <a:ext cx="932400" cy="1112400"/>
-          </a:xfrm>
-          <a:prstGeom prst="straightConnector1">
-            <a:avLst/>
-          </a:prstGeom>
-          <a:ln w="44450">
+            <a:ln>
+              <a:noFill/>
+            </a:ln>
+          </p:spPr>
+          <p:style>
+            <a:lnRef idx="1">
+              <a:schemeClr val="accent1"/>
+            </a:lnRef>
+            <a:fillRef idx="3">
+              <a:schemeClr val="accent1"/>
+            </a:fillRef>
+            <a:effectRef idx="2">
+              <a:schemeClr val="accent1"/>
+            </a:effectRef>
+            <a:fontRef idx="minor">
+              <a:schemeClr val="lt1"/>
+            </a:fontRef>
+          </p:style>
+          <p:txBody>
+            <a:bodyPr rtlCol="0" anchor="ctr"/>
+            <a:lstStyle/>
+            <a:p>
+              <a:pPr algn="ctr"/>
+              <a:r>
+                <a:rPr lang="de-DE" sz="1600" dirty="0"/>
+                <a:t>nichtmechanisch</a:t>
+              </a:r>
+            </a:p>
+          </p:txBody>
+        </p:sp>
+        <p:cxnSp>
+          <p:nvCxnSpPr>
+            <p:cNvPr id="25" name="Gerade Verbindung mit Pfeil 24">
+              <a:extLst>
+                <a:ext uri="{FF2B5EF4-FFF2-40B4-BE49-F238E27FC236}">
+                  <a16:creationId xmlns:a16="http://schemas.microsoft.com/office/drawing/2014/main" id="{CA4A0DED-0353-44E2-89B2-F680D654A1E4}"/>
+                </a:ext>
+              </a:extLst>
+            </p:cNvPr>
+            <p:cNvCxnSpPr>
+              <a:cxnSpLocks/>
+            </p:cNvCxnSpPr>
+            <p:nvPr/>
+          </p:nvCxnSpPr>
+          <p:spPr>
+            <a:xfrm flipH="1">
+              <a:off x="5045289" y="2488977"/>
+              <a:ext cx="933340" cy="1112639"/>
+            </a:xfrm>
+            <a:prstGeom prst="straightConnector1">
+              <a:avLst/>
+            </a:prstGeom>
+            <a:ln w="44450">
+              <a:solidFill>
+                <a:srgbClr val="F48293"/>
+              </a:solidFill>
+              <a:tailEnd type="triangle"/>
+            </a:ln>
+          </p:spPr>
+          <p:style>
+            <a:lnRef idx="1">
+              <a:schemeClr val="accent1"/>
+            </a:lnRef>
+            <a:fillRef idx="0">
+              <a:schemeClr val="accent1"/>
+            </a:fillRef>
+            <a:effectRef idx="0">
+              <a:schemeClr val="accent1"/>
+            </a:effectRef>
+            <a:fontRef idx="minor">
+              <a:schemeClr val="tx1"/>
+            </a:fontRef>
+          </p:style>
+        </p:cxnSp>
+        <p:sp>
+          <p:nvSpPr>
+            <p:cNvPr id="33" name="Rechteck 32">
+              <a:extLst>
+                <a:ext uri="{FF2B5EF4-FFF2-40B4-BE49-F238E27FC236}">
+                  <a16:creationId xmlns:a16="http://schemas.microsoft.com/office/drawing/2014/main" id="{149BC7B3-0CF5-4590-87F3-916947B20572}"/>
+                </a:ext>
+              </a:extLst>
+            </p:cNvPr>
+            <p:cNvSpPr/>
+            <p:nvPr/>
+          </p:nvSpPr>
+          <p:spPr>
+            <a:xfrm>
+              <a:off x="6213100" y="3687627"/>
+              <a:ext cx="2147144" cy="669954"/>
+            </a:xfrm>
+            <a:prstGeom prst="rect">
+              <a:avLst/>
+            </a:prstGeom>
             <a:solidFill>
               <a:srgbClr val="F48293"/>
             </a:solidFill>
-            <a:tailEnd type="triangle"/>
-          </a:ln>
-        </p:spPr>
-        <p:style>
-          <a:lnRef idx="1">
-            <a:schemeClr val="accent1"/>
-          </a:lnRef>
-          <a:fillRef idx="0">
-            <a:schemeClr val="accent1"/>
-          </a:fillRef>
-          <a:effectRef idx="0">
-            <a:schemeClr val="accent1"/>
-          </a:effectRef>
-          <a:fontRef idx="minor">
-            <a:schemeClr val="tx1"/>
-          </a:fontRef>
-        </p:style>
-      </p:cxnSp>
-      <p:cxnSp>
-        <p:nvCxnSpPr>
-          <p:cNvPr id="38" name="Gerade Verbindung mit Pfeil 37">
-            <a:extLst>
-              <a:ext uri="{FF2B5EF4-FFF2-40B4-BE49-F238E27FC236}">
-                <a16:creationId xmlns:a16="http://schemas.microsoft.com/office/drawing/2014/main" id="{07E1DAE9-DFE3-46F5-A814-296AFCAE5E35}"/>
-              </a:ext>
-            </a:extLst>
-          </p:cNvPr>
-          <p:cNvCxnSpPr>
-            <a:cxnSpLocks/>
-          </p:cNvCxnSpPr>
-          <p:nvPr/>
-        </p:nvCxnSpPr>
-        <p:spPr>
-          <a:xfrm>
-            <a:off x="4865438" y="4417512"/>
-            <a:ext cx="0" cy="322787"/>
-          </a:xfrm>
-          <a:prstGeom prst="straightConnector1">
-            <a:avLst/>
-          </a:prstGeom>
-          <a:ln w="44450">
+            <a:ln>
+              <a:noFill/>
+            </a:ln>
+          </p:spPr>
+          <p:style>
+            <a:lnRef idx="1">
+              <a:schemeClr val="accent1"/>
+            </a:lnRef>
+            <a:fillRef idx="3">
+              <a:schemeClr val="accent1"/>
+            </a:fillRef>
+            <a:effectRef idx="2">
+              <a:schemeClr val="accent1"/>
+            </a:effectRef>
+            <a:fontRef idx="minor">
+              <a:schemeClr val="lt1"/>
+            </a:fontRef>
+          </p:style>
+          <p:txBody>
+            <a:bodyPr rtlCol="0" anchor="ctr"/>
+            <a:lstStyle/>
+            <a:p>
+              <a:pPr algn="ctr"/>
+              <a:r>
+                <a:rPr lang="de-DE" sz="1600" dirty="0"/>
+                <a:t>mechanisch</a:t>
+              </a:r>
+            </a:p>
+          </p:txBody>
+        </p:sp>
+        <p:cxnSp>
+          <p:nvCxnSpPr>
+            <p:cNvPr id="34" name="Gerade Verbindung mit Pfeil 33">
+              <a:extLst>
+                <a:ext uri="{FF2B5EF4-FFF2-40B4-BE49-F238E27FC236}">
+                  <a16:creationId xmlns:a16="http://schemas.microsoft.com/office/drawing/2014/main" id="{05111C45-E0CA-47E4-AC1B-69B4F7F2D50B}"/>
+                </a:ext>
+              </a:extLst>
+            </p:cNvPr>
+            <p:cNvCxnSpPr>
+              <a:cxnSpLocks/>
+            </p:cNvCxnSpPr>
+            <p:nvPr/>
+          </p:nvCxnSpPr>
+          <p:spPr>
+            <a:xfrm>
+              <a:off x="6379375" y="2488977"/>
+              <a:ext cx="932400" cy="1112400"/>
+            </a:xfrm>
+            <a:prstGeom prst="straightConnector1">
+              <a:avLst/>
+            </a:prstGeom>
+            <a:ln w="44450">
+              <a:solidFill>
+                <a:srgbClr val="F48293"/>
+              </a:solidFill>
+              <a:tailEnd type="triangle"/>
+            </a:ln>
+          </p:spPr>
+          <p:style>
+            <a:lnRef idx="1">
+              <a:schemeClr val="accent1"/>
+            </a:lnRef>
+            <a:fillRef idx="0">
+              <a:schemeClr val="accent1"/>
+            </a:fillRef>
+            <a:effectRef idx="0">
+              <a:schemeClr val="accent1"/>
+            </a:effectRef>
+            <a:fontRef idx="minor">
+              <a:schemeClr val="tx1"/>
+            </a:fontRef>
+          </p:style>
+        </p:cxnSp>
+        <p:cxnSp>
+          <p:nvCxnSpPr>
+            <p:cNvPr id="38" name="Gerade Verbindung mit Pfeil 37">
+              <a:extLst>
+                <a:ext uri="{FF2B5EF4-FFF2-40B4-BE49-F238E27FC236}">
+                  <a16:creationId xmlns:a16="http://schemas.microsoft.com/office/drawing/2014/main" id="{07E1DAE9-DFE3-46F5-A814-296AFCAE5E35}"/>
+                </a:ext>
+              </a:extLst>
+            </p:cNvPr>
+            <p:cNvCxnSpPr>
+              <a:cxnSpLocks/>
+            </p:cNvCxnSpPr>
+            <p:nvPr/>
+          </p:nvCxnSpPr>
+          <p:spPr>
+            <a:xfrm>
+              <a:off x="4865438" y="4417512"/>
+              <a:ext cx="0" cy="322787"/>
+            </a:xfrm>
+            <a:prstGeom prst="straightConnector1">
+              <a:avLst/>
+            </a:prstGeom>
+            <a:ln w="44450">
+              <a:solidFill>
+                <a:srgbClr val="7D9AA9"/>
+              </a:solidFill>
+              <a:tailEnd type="triangle"/>
+            </a:ln>
+          </p:spPr>
+          <p:style>
+            <a:lnRef idx="1">
+              <a:schemeClr val="accent1"/>
+            </a:lnRef>
+            <a:fillRef idx="0">
+              <a:schemeClr val="accent1"/>
+            </a:fillRef>
+            <a:effectRef idx="0">
+              <a:schemeClr val="accent1"/>
+            </a:effectRef>
+            <a:fontRef idx="minor">
+              <a:schemeClr val="tx1"/>
+            </a:fontRef>
+          </p:style>
+        </p:cxnSp>
+        <p:sp>
+          <p:nvSpPr>
+            <p:cNvPr id="39" name="Rechteck 38">
+              <a:extLst>
+                <a:ext uri="{FF2B5EF4-FFF2-40B4-BE49-F238E27FC236}">
+                  <a16:creationId xmlns:a16="http://schemas.microsoft.com/office/drawing/2014/main" id="{300ADA47-29F3-4CFE-8B1A-2C46AC45B553}"/>
+                </a:ext>
+              </a:extLst>
+            </p:cNvPr>
+            <p:cNvSpPr/>
+            <p:nvPr/>
+          </p:nvSpPr>
+          <p:spPr>
+            <a:xfrm>
+              <a:off x="3866927" y="4806195"/>
+              <a:ext cx="2147142" cy="669954"/>
+            </a:xfrm>
+            <a:prstGeom prst="rect">
+              <a:avLst/>
+            </a:prstGeom>
             <a:solidFill>
               <a:srgbClr val="7D9AA9"/>
             </a:solidFill>
-            <a:tailEnd type="triangle"/>
-          </a:ln>
-        </p:spPr>
-        <p:style>
-          <a:lnRef idx="1">
-            <a:schemeClr val="accent1"/>
-          </a:lnRef>
-          <a:fillRef idx="0">
-            <a:schemeClr val="accent1"/>
-          </a:fillRef>
-          <a:effectRef idx="0">
-            <a:schemeClr val="accent1"/>
-          </a:effectRef>
-          <a:fontRef idx="minor">
-            <a:schemeClr val="tx1"/>
-          </a:fontRef>
-        </p:style>
-      </p:cxnSp>
-      <p:sp>
-        <p:nvSpPr>
-          <p:cNvPr id="39" name="Rechteck 38">
-            <a:extLst>
-              <a:ext uri="{FF2B5EF4-FFF2-40B4-BE49-F238E27FC236}">
-                <a16:creationId xmlns:a16="http://schemas.microsoft.com/office/drawing/2014/main" id="{300ADA47-29F3-4CFE-8B1A-2C46AC45B553}"/>
-              </a:ext>
-            </a:extLst>
-          </p:cNvPr>
-          <p:cNvSpPr/>
-          <p:nvPr/>
-        </p:nvSpPr>
-        <p:spPr>
-          <a:xfrm>
-            <a:off x="3866927" y="4806195"/>
-            <a:ext cx="2147142" cy="669954"/>
-          </a:xfrm>
-          <a:prstGeom prst="rect">
-            <a:avLst/>
-          </a:prstGeom>
-          <a:solidFill>
-            <a:srgbClr val="7D9AA9"/>
-          </a:solidFill>
-          <a:ln>
-            <a:noFill/>
-          </a:ln>
-        </p:spPr>
-        <p:style>
-          <a:lnRef idx="1">
-            <a:schemeClr val="accent1"/>
-          </a:lnRef>
-          <a:fillRef idx="3">
-            <a:schemeClr val="accent1"/>
-          </a:fillRef>
-          <a:effectRef idx="2">
-            <a:schemeClr val="accent1"/>
-          </a:effectRef>
-          <a:fontRef idx="minor">
-            <a:schemeClr val="lt1"/>
-          </a:fontRef>
-        </p:style>
-        <p:txBody>
-          <a:bodyPr rtlCol="0" anchor="ctr"/>
-          <a:lstStyle/>
-          <a:p>
-            <a:pPr algn="ctr"/>
-            <a:r>
-              <a:rPr lang="de-DE" sz="1400" dirty="0"/>
-              <a:t>Bsp.: Code Reviews</a:t>
-            </a:r>
-          </a:p>
-        </p:txBody>
-      </p:sp>
-      <p:cxnSp>
-        <p:nvCxnSpPr>
-          <p:cNvPr id="40" name="Gerade Verbindung mit Pfeil 39">
-            <a:extLst>
-              <a:ext uri="{FF2B5EF4-FFF2-40B4-BE49-F238E27FC236}">
-                <a16:creationId xmlns:a16="http://schemas.microsoft.com/office/drawing/2014/main" id="{E90BE43A-85E0-4235-8A7E-69ECB0AC7D72}"/>
-              </a:ext>
-            </a:extLst>
-          </p:cNvPr>
-          <p:cNvCxnSpPr>
-            <a:cxnSpLocks/>
-          </p:cNvCxnSpPr>
-          <p:nvPr/>
-        </p:nvCxnSpPr>
-        <p:spPr>
-          <a:xfrm>
-            <a:off x="7236715" y="4417512"/>
-            <a:ext cx="0" cy="322787"/>
-          </a:xfrm>
-          <a:prstGeom prst="straightConnector1">
-            <a:avLst/>
-          </a:prstGeom>
-          <a:ln w="44450">
+            <a:ln>
+              <a:noFill/>
+            </a:ln>
+          </p:spPr>
+          <p:style>
+            <a:lnRef idx="1">
+              <a:schemeClr val="accent1"/>
+            </a:lnRef>
+            <a:fillRef idx="3">
+              <a:schemeClr val="accent1"/>
+            </a:fillRef>
+            <a:effectRef idx="2">
+              <a:schemeClr val="accent1"/>
+            </a:effectRef>
+            <a:fontRef idx="minor">
+              <a:schemeClr val="lt1"/>
+            </a:fontRef>
+          </p:style>
+          <p:txBody>
+            <a:bodyPr rtlCol="0" anchor="ctr"/>
+            <a:lstStyle/>
+            <a:p>
+              <a:pPr algn="ctr"/>
+              <a:r>
+                <a:rPr lang="de-DE" sz="1400" dirty="0"/>
+                <a:t>Bsp.: Code Reviews</a:t>
+              </a:r>
+            </a:p>
+          </p:txBody>
+        </p:sp>
+        <p:cxnSp>
+          <p:nvCxnSpPr>
+            <p:cNvPr id="40" name="Gerade Verbindung mit Pfeil 39">
+              <a:extLst>
+                <a:ext uri="{FF2B5EF4-FFF2-40B4-BE49-F238E27FC236}">
+                  <a16:creationId xmlns:a16="http://schemas.microsoft.com/office/drawing/2014/main" id="{E90BE43A-85E0-4235-8A7E-69ECB0AC7D72}"/>
+                </a:ext>
+              </a:extLst>
+            </p:cNvPr>
+            <p:cNvCxnSpPr>
+              <a:cxnSpLocks/>
+            </p:cNvCxnSpPr>
+            <p:nvPr/>
+          </p:nvCxnSpPr>
+          <p:spPr>
+            <a:xfrm>
+              <a:off x="7236715" y="4417512"/>
+              <a:ext cx="0" cy="322787"/>
+            </a:xfrm>
+            <a:prstGeom prst="straightConnector1">
+              <a:avLst/>
+            </a:prstGeom>
+            <a:ln w="44450">
+              <a:solidFill>
+                <a:srgbClr val="7D9AA9"/>
+              </a:solidFill>
+              <a:tailEnd type="triangle"/>
+            </a:ln>
+          </p:spPr>
+          <p:style>
+            <a:lnRef idx="1">
+              <a:schemeClr val="accent1"/>
+            </a:lnRef>
+            <a:fillRef idx="0">
+              <a:schemeClr val="accent1"/>
+            </a:fillRef>
+            <a:effectRef idx="0">
+              <a:schemeClr val="accent1"/>
+            </a:effectRef>
+            <a:fontRef idx="minor">
+              <a:schemeClr val="tx1"/>
+            </a:fontRef>
+          </p:style>
+        </p:cxnSp>
+        <p:sp>
+          <p:nvSpPr>
+            <p:cNvPr id="41" name="Rechteck 40">
+              <a:extLst>
+                <a:ext uri="{FF2B5EF4-FFF2-40B4-BE49-F238E27FC236}">
+                  <a16:creationId xmlns:a16="http://schemas.microsoft.com/office/drawing/2014/main" id="{CF271B53-095F-4056-B4B1-97FE8286A4FF}"/>
+                </a:ext>
+              </a:extLst>
+            </p:cNvPr>
+            <p:cNvSpPr/>
+            <p:nvPr/>
+          </p:nvSpPr>
+          <p:spPr>
+            <a:xfrm>
+              <a:off x="6238204" y="4806195"/>
+              <a:ext cx="2147142" cy="669954"/>
+            </a:xfrm>
+            <a:prstGeom prst="rect">
+              <a:avLst/>
+            </a:prstGeom>
             <a:solidFill>
               <a:srgbClr val="7D9AA9"/>
             </a:solidFill>
-            <a:tailEnd type="triangle"/>
-          </a:ln>
-        </p:spPr>
-        <p:style>
-          <a:lnRef idx="1">
-            <a:schemeClr val="accent1"/>
-          </a:lnRef>
-          <a:fillRef idx="0">
-            <a:schemeClr val="accent1"/>
-          </a:fillRef>
-          <a:effectRef idx="0">
-            <a:schemeClr val="accent1"/>
-          </a:effectRef>
-          <a:fontRef idx="minor">
-            <a:schemeClr val="tx1"/>
-          </a:fontRef>
-        </p:style>
-      </p:cxnSp>
-      <p:sp>
-        <p:nvSpPr>
-          <p:cNvPr id="41" name="Rechteck 40">
-            <a:extLst>
-              <a:ext uri="{FF2B5EF4-FFF2-40B4-BE49-F238E27FC236}">
-                <a16:creationId xmlns:a16="http://schemas.microsoft.com/office/drawing/2014/main" id="{CF271B53-095F-4056-B4B1-97FE8286A4FF}"/>
-              </a:ext>
-            </a:extLst>
-          </p:cNvPr>
-          <p:cNvSpPr/>
-          <p:nvPr/>
-        </p:nvSpPr>
-        <p:spPr>
-          <a:xfrm>
-            <a:off x="6238204" y="4806195"/>
-            <a:ext cx="2147142" cy="669954"/>
-          </a:xfrm>
-          <a:prstGeom prst="rect">
-            <a:avLst/>
-          </a:prstGeom>
-          <a:solidFill>
-            <a:srgbClr val="7D9AA9"/>
-          </a:solidFill>
-          <a:ln>
-            <a:noFill/>
-          </a:ln>
-        </p:spPr>
-        <p:style>
-          <a:lnRef idx="1">
-            <a:schemeClr val="accent1"/>
-          </a:lnRef>
-          <a:fillRef idx="3">
-            <a:schemeClr val="accent1"/>
-          </a:fillRef>
-          <a:effectRef idx="2">
-            <a:schemeClr val="accent1"/>
-          </a:effectRef>
-          <a:fontRef idx="minor">
-            <a:schemeClr val="lt1"/>
-          </a:fontRef>
-        </p:style>
-        <p:txBody>
-          <a:bodyPr rtlCol="0" anchor="ctr"/>
-          <a:lstStyle/>
-          <a:p>
-            <a:pPr algn="ctr"/>
-            <a:r>
-              <a:rPr lang="de-DE" sz="1400" dirty="0"/>
-              <a:t>Bsp.: statische Analysen, </a:t>
-            </a:r>
-            <a:r>
-              <a:rPr lang="de-DE" sz="1400" b="1" dirty="0"/>
-              <a:t>Softwaretests</a:t>
-            </a:r>
-          </a:p>
-        </p:txBody>
-      </p:sp>
-      <p:cxnSp>
-        <p:nvCxnSpPr>
-          <p:cNvPr id="42" name="Gerade Verbindung mit Pfeil 41">
-            <a:extLst>
-              <a:ext uri="{FF2B5EF4-FFF2-40B4-BE49-F238E27FC236}">
-                <a16:creationId xmlns:a16="http://schemas.microsoft.com/office/drawing/2014/main" id="{505AED2F-D8F9-480E-B271-FB82C15F619A}"/>
-              </a:ext>
-            </a:extLst>
-          </p:cNvPr>
-          <p:cNvCxnSpPr>
-            <a:cxnSpLocks/>
-          </p:cNvCxnSpPr>
-          <p:nvPr/>
-        </p:nvCxnSpPr>
-        <p:spPr>
-          <a:xfrm>
-            <a:off x="8721980" y="2429742"/>
-            <a:ext cx="0" cy="322787"/>
-          </a:xfrm>
-          <a:prstGeom prst="straightConnector1">
-            <a:avLst/>
-          </a:prstGeom>
-          <a:ln w="44450">
+            <a:ln>
+              <a:noFill/>
+            </a:ln>
+          </p:spPr>
+          <p:style>
+            <a:lnRef idx="1">
+              <a:schemeClr val="accent1"/>
+            </a:lnRef>
+            <a:fillRef idx="3">
+              <a:schemeClr val="accent1"/>
+            </a:fillRef>
+            <a:effectRef idx="2">
+              <a:schemeClr val="accent1"/>
+            </a:effectRef>
+            <a:fontRef idx="minor">
+              <a:schemeClr val="lt1"/>
+            </a:fontRef>
+          </p:style>
+          <p:txBody>
+            <a:bodyPr rtlCol="0" anchor="ctr"/>
+            <a:lstStyle/>
+            <a:p>
+              <a:pPr algn="ctr"/>
+              <a:r>
+                <a:rPr lang="de-DE" sz="1400" dirty="0"/>
+                <a:t>Bsp.: statische Analysen, </a:t>
+              </a:r>
+              <a:r>
+                <a:rPr lang="de-DE" sz="1400" b="1" dirty="0"/>
+                <a:t>dynamische Softwaretests</a:t>
+              </a:r>
+            </a:p>
+          </p:txBody>
+        </p:sp>
+        <p:cxnSp>
+          <p:nvCxnSpPr>
+            <p:cNvPr id="42" name="Gerade Verbindung mit Pfeil 41">
+              <a:extLst>
+                <a:ext uri="{FF2B5EF4-FFF2-40B4-BE49-F238E27FC236}">
+                  <a16:creationId xmlns:a16="http://schemas.microsoft.com/office/drawing/2014/main" id="{505AED2F-D8F9-480E-B271-FB82C15F619A}"/>
+                </a:ext>
+              </a:extLst>
+            </p:cNvPr>
+            <p:cNvCxnSpPr>
+              <a:cxnSpLocks/>
+            </p:cNvCxnSpPr>
+            <p:nvPr/>
+          </p:nvCxnSpPr>
+          <p:spPr>
+            <a:xfrm>
+              <a:off x="8721980" y="2429742"/>
+              <a:ext cx="0" cy="322787"/>
+            </a:xfrm>
+            <a:prstGeom prst="straightConnector1">
+              <a:avLst/>
+            </a:prstGeom>
+            <a:ln w="44450">
+              <a:solidFill>
+                <a:srgbClr val="7D9AA9"/>
+              </a:solidFill>
+              <a:tailEnd type="triangle"/>
+            </a:ln>
+          </p:spPr>
+          <p:style>
+            <a:lnRef idx="1">
+              <a:schemeClr val="accent1"/>
+            </a:lnRef>
+            <a:fillRef idx="0">
+              <a:schemeClr val="accent1"/>
+            </a:fillRef>
+            <a:effectRef idx="0">
+              <a:schemeClr val="accent1"/>
+            </a:effectRef>
+            <a:fontRef idx="minor">
+              <a:schemeClr val="tx1"/>
+            </a:fontRef>
+          </p:style>
+        </p:cxnSp>
+        <p:sp>
+          <p:nvSpPr>
+            <p:cNvPr id="43" name="Rechteck 42">
+              <a:extLst>
+                <a:ext uri="{FF2B5EF4-FFF2-40B4-BE49-F238E27FC236}">
+                  <a16:creationId xmlns:a16="http://schemas.microsoft.com/office/drawing/2014/main" id="{A634B723-6746-461B-A3F4-70628546BB02}"/>
+                </a:ext>
+              </a:extLst>
+            </p:cNvPr>
+            <p:cNvSpPr/>
+            <p:nvPr/>
+          </p:nvSpPr>
+          <p:spPr>
+            <a:xfrm>
+              <a:off x="7723469" y="2818425"/>
+              <a:ext cx="2147142" cy="422622"/>
+            </a:xfrm>
+            <a:prstGeom prst="rect">
+              <a:avLst/>
+            </a:prstGeom>
             <a:solidFill>
               <a:srgbClr val="7D9AA9"/>
             </a:solidFill>
-            <a:tailEnd type="triangle"/>
-          </a:ln>
-        </p:spPr>
-        <p:style>
-          <a:lnRef idx="1">
-            <a:schemeClr val="accent1"/>
-          </a:lnRef>
-          <a:fillRef idx="0">
-            <a:schemeClr val="accent1"/>
-          </a:fillRef>
-          <a:effectRef idx="0">
-            <a:schemeClr val="accent1"/>
-          </a:effectRef>
-          <a:fontRef idx="minor">
-            <a:schemeClr val="tx1"/>
-          </a:fontRef>
-        </p:style>
-      </p:cxnSp>
-      <p:sp>
-        <p:nvSpPr>
-          <p:cNvPr id="43" name="Rechteck 42">
-            <a:extLst>
-              <a:ext uri="{FF2B5EF4-FFF2-40B4-BE49-F238E27FC236}">
-                <a16:creationId xmlns:a16="http://schemas.microsoft.com/office/drawing/2014/main" id="{A634B723-6746-461B-A3F4-70628546BB02}"/>
-              </a:ext>
-            </a:extLst>
-          </p:cNvPr>
-          <p:cNvSpPr/>
-          <p:nvPr/>
-        </p:nvSpPr>
-        <p:spPr>
-          <a:xfrm>
-            <a:off x="7723469" y="2818425"/>
-            <a:ext cx="2147142" cy="422622"/>
-          </a:xfrm>
-          <a:prstGeom prst="rect">
-            <a:avLst/>
-          </a:prstGeom>
-          <a:solidFill>
-            <a:srgbClr val="7D9AA9"/>
-          </a:solidFill>
-          <a:ln>
-            <a:noFill/>
-          </a:ln>
-        </p:spPr>
-        <p:style>
-          <a:lnRef idx="1">
-            <a:schemeClr val="accent1"/>
-          </a:lnRef>
-          <a:fillRef idx="3">
-            <a:schemeClr val="accent1"/>
-          </a:fillRef>
-          <a:effectRef idx="2">
-            <a:schemeClr val="accent1"/>
-          </a:effectRef>
-          <a:fontRef idx="minor">
-            <a:schemeClr val="lt1"/>
-          </a:fontRef>
-        </p:style>
-        <p:txBody>
-          <a:bodyPr rtlCol="0" anchor="ctr"/>
-          <a:lstStyle/>
-          <a:p>
-            <a:pPr algn="ctr"/>
-            <a:r>
-              <a:rPr lang="de-DE" sz="1400" dirty="0"/>
-              <a:t>Bsp.: Projektmanagement</a:t>
-            </a:r>
-          </a:p>
-        </p:txBody>
-      </p:sp>
+            <a:ln>
+              <a:noFill/>
+            </a:ln>
+          </p:spPr>
+          <p:style>
+            <a:lnRef idx="1">
+              <a:schemeClr val="accent1"/>
+            </a:lnRef>
+            <a:fillRef idx="3">
+              <a:schemeClr val="accent1"/>
+            </a:fillRef>
+            <a:effectRef idx="2">
+              <a:schemeClr val="accent1"/>
+            </a:effectRef>
+            <a:fontRef idx="minor">
+              <a:schemeClr val="lt1"/>
+            </a:fontRef>
+          </p:style>
+          <p:txBody>
+            <a:bodyPr rtlCol="0" anchor="ctr"/>
+            <a:lstStyle/>
+            <a:p>
+              <a:pPr algn="ctr"/>
+              <a:r>
+                <a:rPr lang="de-DE" sz="1400" dirty="0"/>
+                <a:t>Bsp.: Projektmanagement</a:t>
+              </a:r>
+            </a:p>
+          </p:txBody>
+        </p:sp>
+      </p:grpSp>
     </p:spTree>
     <p:extLst>
       <p:ext uri="{BB962C8B-B14F-4D97-AF65-F5344CB8AC3E}">

--- a/Grafiken.pptx
+++ b/Grafiken.pptx
@@ -8,6 +8,12 @@
     <p:sldId id="256" r:id="rId2"/>
     <p:sldId id="257" r:id="rId3"/>
     <p:sldId id="258" r:id="rId4"/>
+    <p:sldId id="259" r:id="rId5"/>
+    <p:sldId id="260" r:id="rId6"/>
+    <p:sldId id="261" r:id="rId7"/>
+    <p:sldId id="262" r:id="rId8"/>
+    <p:sldId id="263" r:id="rId9"/>
+    <p:sldId id="264" r:id="rId10"/>
   </p:sldIdLst>
   <p:sldSz cx="12192000" cy="6858000"/>
   <p:notesSz cx="6858000" cy="9144000"/>
@@ -112,6 +118,4638 @@
     </p:ext>
   </p:extLst>
 </p:presentation>
+</file>
+
+<file path=ppt/charts/chart1.xml><?xml version="1.0" encoding="utf-8"?>
+<c:chartSpace xmlns:c="http://schemas.openxmlformats.org/drawingml/2006/chart" xmlns:a="http://schemas.openxmlformats.org/drawingml/2006/main" xmlns:r="http://schemas.openxmlformats.org/officeDocument/2006/relationships" xmlns:c16r2="http://schemas.microsoft.com/office/drawing/2015/06/chart">
+  <c:date1904 val="0"/>
+  <c:lang val="de-DE"/>
+  <c:roundedCorners val="0"/>
+  <mc:AlternateContent xmlns:mc="http://schemas.openxmlformats.org/markup-compatibility/2006">
+    <mc:Choice xmlns:c14="http://schemas.microsoft.com/office/drawing/2007/8/2/chart" Requires="c14">
+      <c14:style val="102"/>
+    </mc:Choice>
+    <mc:Fallback>
+      <c:style val="2"/>
+    </mc:Fallback>
+  </mc:AlternateContent>
+  <c:chart>
+    <c:autoTitleDeleted val="1"/>
+    <c:plotArea>
+      <c:layout>
+        <c:manualLayout>
+          <c:layoutTarget val="inner"/>
+          <c:xMode val="edge"/>
+          <c:yMode val="edge"/>
+          <c:x val="0.13003898393594213"/>
+          <c:y val="3.6255468066491686E-2"/>
+          <c:w val="0.85338851332194343"/>
+          <c:h val="0.7278908368498137"/>
+        </c:manualLayout>
+      </c:layout>
+      <c:lineChart>
+        <c:grouping val="standard"/>
+        <c:varyColors val="0"/>
+        <c:ser>
+          <c:idx val="0"/>
+          <c:order val="0"/>
+          <c:tx>
+            <c:v>Basis-System</c:v>
+          </c:tx>
+          <c:spPr>
+            <a:ln w="44450" cap="rnd">
+              <a:solidFill>
+                <a:srgbClr val="A32638"/>
+              </a:solidFill>
+              <a:round/>
+            </a:ln>
+            <a:effectLst/>
+          </c:spPr>
+          <c:marker>
+            <c:symbol val="circle"/>
+            <c:size val="5"/>
+            <c:spPr>
+              <a:solidFill>
+                <a:srgbClr val="7D9AA9"/>
+              </a:solidFill>
+              <a:ln w="22225">
+                <a:solidFill>
+                  <a:srgbClr val="A32638"/>
+                </a:solidFill>
+              </a:ln>
+              <a:effectLst/>
+            </c:spPr>
+          </c:marker>
+          <c:cat>
+            <c:numRef>
+              <c:f>'IPOG-Complex'!$A$3:$A$7</c:f>
+              <c:numCache>
+                <c:formatCode>General</c:formatCode>
+                <c:ptCount val="5"/>
+                <c:pt idx="0">
+                  <c:v>2</c:v>
+                </c:pt>
+                <c:pt idx="1">
+                  <c:v>3</c:v>
+                </c:pt>
+                <c:pt idx="2">
+                  <c:v>4</c:v>
+                </c:pt>
+                <c:pt idx="3">
+                  <c:v>5</c:v>
+                </c:pt>
+                <c:pt idx="4">
+                  <c:v>6</c:v>
+                </c:pt>
+              </c:numCache>
+            </c:numRef>
+          </c:cat>
+          <c:val>
+            <c:numRef>
+              <c:f>'IPOG-Complex'!$B$3:$B$7</c:f>
+              <c:numCache>
+                <c:formatCode>General</c:formatCode>
+                <c:ptCount val="5"/>
+                <c:pt idx="0">
+                  <c:v>49</c:v>
+                </c:pt>
+                <c:pt idx="1">
+                  <c:v>144</c:v>
+                </c:pt>
+                <c:pt idx="2">
+                  <c:v>271</c:v>
+                </c:pt>
+                <c:pt idx="3">
+                  <c:v>447</c:v>
+                </c:pt>
+                <c:pt idx="4">
+                  <c:v>458</c:v>
+                </c:pt>
+              </c:numCache>
+            </c:numRef>
+          </c:val>
+          <c:smooth val="1"/>
+          <c:extLst>
+            <c:ext xmlns:c16="http://schemas.microsoft.com/office/drawing/2014/chart" uri="{C3380CC4-5D6E-409C-BE32-E72D297353CC}">
+              <c16:uniqueId val="{00000000-979D-4E3F-B492-C88FF34F5826}"/>
+            </c:ext>
+          </c:extLst>
+        </c:ser>
+        <c:ser>
+          <c:idx val="1"/>
+          <c:order val="1"/>
+          <c:tx>
+            <c:v>Erweitertes System</c:v>
+          </c:tx>
+          <c:spPr>
+            <a:ln w="44450" cap="rnd">
+              <a:solidFill>
+                <a:srgbClr val="400F16"/>
+              </a:solidFill>
+              <a:round/>
+            </a:ln>
+            <a:effectLst/>
+          </c:spPr>
+          <c:marker>
+            <c:symbol val="circle"/>
+            <c:size val="5"/>
+            <c:spPr>
+              <a:solidFill>
+                <a:srgbClr val="7D9AA9"/>
+              </a:solidFill>
+              <a:ln w="22225">
+                <a:solidFill>
+                  <a:srgbClr val="400F16"/>
+                </a:solidFill>
+              </a:ln>
+              <a:effectLst/>
+            </c:spPr>
+          </c:marker>
+          <c:cat>
+            <c:numRef>
+              <c:f>'IPOG-Complex'!$A$3:$A$7</c:f>
+              <c:numCache>
+                <c:formatCode>General</c:formatCode>
+                <c:ptCount val="5"/>
+                <c:pt idx="0">
+                  <c:v>2</c:v>
+                </c:pt>
+                <c:pt idx="1">
+                  <c:v>3</c:v>
+                </c:pt>
+                <c:pt idx="2">
+                  <c:v>4</c:v>
+                </c:pt>
+                <c:pt idx="3">
+                  <c:v>5</c:v>
+                </c:pt>
+                <c:pt idx="4">
+                  <c:v>6</c:v>
+                </c:pt>
+              </c:numCache>
+            </c:numRef>
+          </c:cat>
+          <c:val>
+            <c:numRef>
+              <c:f>'IPOG-Complex'!$E$3:$E$7</c:f>
+              <c:numCache>
+                <c:formatCode>General</c:formatCode>
+                <c:ptCount val="5"/>
+                <c:pt idx="0">
+                  <c:v>67</c:v>
+                </c:pt>
+                <c:pt idx="1">
+                  <c:v>214</c:v>
+                </c:pt>
+                <c:pt idx="2">
+                  <c:v>559</c:v>
+                </c:pt>
+                <c:pt idx="3">
+                  <c:v>1339</c:v>
+                </c:pt>
+                <c:pt idx="4">
+                  <c:v>2630</c:v>
+                </c:pt>
+              </c:numCache>
+            </c:numRef>
+          </c:val>
+          <c:smooth val="1"/>
+          <c:extLst>
+            <c:ext xmlns:c16="http://schemas.microsoft.com/office/drawing/2014/chart" uri="{C3380CC4-5D6E-409C-BE32-E72D297353CC}">
+              <c16:uniqueId val="{00000001-979D-4E3F-B492-C88FF34F5826}"/>
+            </c:ext>
+          </c:extLst>
+        </c:ser>
+        <c:dLbls>
+          <c:showLegendKey val="0"/>
+          <c:showVal val="0"/>
+          <c:showCatName val="0"/>
+          <c:showSerName val="0"/>
+          <c:showPercent val="0"/>
+          <c:showBubbleSize val="0"/>
+        </c:dLbls>
+        <c:marker val="1"/>
+        <c:smooth val="0"/>
+        <c:axId val="674638712"/>
+        <c:axId val="674641008"/>
+      </c:lineChart>
+      <c:catAx>
+        <c:axId val="674638712"/>
+        <c:scaling>
+          <c:orientation val="minMax"/>
+        </c:scaling>
+        <c:delete val="0"/>
+        <c:axPos val="b"/>
+        <c:title>
+          <c:tx>
+            <c:rich>
+              <a:bodyPr rot="0" spcFirstLastPara="1" vertOverflow="ellipsis" vert="horz" wrap="square" anchor="ctr" anchorCtr="0"/>
+              <a:lstStyle/>
+              <a:p>
+                <a:pPr>
+                  <a:defRPr sz="1600" b="0" i="0" u="none" strike="noStrike" kern="1200" baseline="0">
+                    <a:solidFill>
+                      <a:sysClr val="windowText" lastClr="000000"/>
+                    </a:solidFill>
+                    <a:latin typeface="+mn-lt"/>
+                    <a:ea typeface="+mn-ea"/>
+                    <a:cs typeface="+mn-cs"/>
+                  </a:defRPr>
+                </a:pPr>
+                <a:r>
+                  <a:rPr lang="de-DE"/>
+                  <a:t>Interaktionsparameter t  </a:t>
+                </a:r>
+              </a:p>
+            </c:rich>
+          </c:tx>
+          <c:layout>
+            <c:manualLayout>
+              <c:xMode val="edge"/>
+              <c:yMode val="edge"/>
+              <c:x val="0.44681692626849595"/>
+              <c:y val="0.84919310472125809"/>
+            </c:manualLayout>
+          </c:layout>
+          <c:overlay val="0"/>
+          <c:spPr>
+            <a:noFill/>
+            <a:ln>
+              <a:noFill/>
+            </a:ln>
+            <a:effectLst/>
+          </c:spPr>
+          <c:txPr>
+            <a:bodyPr rot="0" spcFirstLastPara="1" vertOverflow="ellipsis" vert="horz" wrap="square" anchor="ctr" anchorCtr="0"/>
+            <a:lstStyle/>
+            <a:p>
+              <a:pPr>
+                <a:defRPr sz="1600" b="0" i="0" u="none" strike="noStrike" kern="1200" baseline="0">
+                  <a:solidFill>
+                    <a:sysClr val="windowText" lastClr="000000"/>
+                  </a:solidFill>
+                  <a:latin typeface="+mn-lt"/>
+                  <a:ea typeface="+mn-ea"/>
+                  <a:cs typeface="+mn-cs"/>
+                </a:defRPr>
+              </a:pPr>
+              <a:endParaRPr lang="de-DE"/>
+            </a:p>
+          </c:txPr>
+        </c:title>
+        <c:numFmt formatCode="General" sourceLinked="1"/>
+        <c:majorTickMark val="none"/>
+        <c:minorTickMark val="none"/>
+        <c:tickLblPos val="nextTo"/>
+        <c:spPr>
+          <a:noFill/>
+          <a:ln w="9525" cap="flat" cmpd="sng" algn="ctr">
+            <a:solidFill>
+              <a:schemeClr val="tx1">
+                <a:lumMod val="15000"/>
+                <a:lumOff val="85000"/>
+              </a:schemeClr>
+            </a:solidFill>
+            <a:round/>
+          </a:ln>
+          <a:effectLst/>
+        </c:spPr>
+        <c:txPr>
+          <a:bodyPr rot="-60000000" spcFirstLastPara="1" vertOverflow="ellipsis" vert="horz" wrap="square" anchor="ctr" anchorCtr="1"/>
+          <a:lstStyle/>
+          <a:p>
+            <a:pPr>
+              <a:defRPr sz="1600" b="0" i="0" u="none" strike="noStrike" kern="1200" baseline="0">
+                <a:solidFill>
+                  <a:sysClr val="windowText" lastClr="000000"/>
+                </a:solidFill>
+                <a:latin typeface="+mn-lt"/>
+                <a:ea typeface="+mn-ea"/>
+                <a:cs typeface="+mn-cs"/>
+              </a:defRPr>
+            </a:pPr>
+            <a:endParaRPr lang="de-DE"/>
+          </a:p>
+        </c:txPr>
+        <c:crossAx val="674641008"/>
+        <c:crosses val="autoZero"/>
+        <c:auto val="1"/>
+        <c:lblAlgn val="ctr"/>
+        <c:lblOffset val="100"/>
+        <c:noMultiLvlLbl val="0"/>
+      </c:catAx>
+      <c:valAx>
+        <c:axId val="674641008"/>
+        <c:scaling>
+          <c:orientation val="minMax"/>
+        </c:scaling>
+        <c:delete val="0"/>
+        <c:axPos val="l"/>
+        <c:majorGridlines>
+          <c:spPr>
+            <a:ln w="9525" cap="flat" cmpd="sng" algn="ctr">
+              <a:solidFill>
+                <a:schemeClr val="tx1">
+                  <a:lumMod val="15000"/>
+                  <a:lumOff val="85000"/>
+                </a:schemeClr>
+              </a:solidFill>
+              <a:round/>
+            </a:ln>
+            <a:effectLst/>
+          </c:spPr>
+        </c:majorGridlines>
+        <c:title>
+          <c:tx>
+            <c:rich>
+              <a:bodyPr rot="-5400000" spcFirstLastPara="1" vertOverflow="ellipsis" vert="horz" wrap="square" anchor="ctr" anchorCtr="1"/>
+              <a:lstStyle/>
+              <a:p>
+                <a:pPr>
+                  <a:defRPr sz="1600" b="0" i="0" u="none" strike="noStrike" kern="1200" baseline="0">
+                    <a:solidFill>
+                      <a:sysClr val="windowText" lastClr="000000"/>
+                    </a:solidFill>
+                    <a:latin typeface="+mn-lt"/>
+                    <a:ea typeface="+mn-ea"/>
+                    <a:cs typeface="+mn-cs"/>
+                  </a:defRPr>
+                </a:pPr>
+                <a:r>
+                  <a:rPr lang="de-DE"/>
+                  <a:t>Anzahl an Testfälle</a:t>
+                </a:r>
+              </a:p>
+            </c:rich>
+          </c:tx>
+          <c:layout>
+            <c:manualLayout>
+              <c:xMode val="edge"/>
+              <c:yMode val="edge"/>
+              <c:x val="1.6045685337367763E-2"/>
+              <c:y val="0.25832534226532144"/>
+            </c:manualLayout>
+          </c:layout>
+          <c:overlay val="0"/>
+          <c:spPr>
+            <a:noFill/>
+            <a:ln>
+              <a:noFill/>
+            </a:ln>
+            <a:effectLst/>
+          </c:spPr>
+          <c:txPr>
+            <a:bodyPr rot="-5400000" spcFirstLastPara="1" vertOverflow="ellipsis" vert="horz" wrap="square" anchor="ctr" anchorCtr="1"/>
+            <a:lstStyle/>
+            <a:p>
+              <a:pPr>
+                <a:defRPr sz="1600" b="0" i="0" u="none" strike="noStrike" kern="1200" baseline="0">
+                  <a:solidFill>
+                    <a:sysClr val="windowText" lastClr="000000"/>
+                  </a:solidFill>
+                  <a:latin typeface="+mn-lt"/>
+                  <a:ea typeface="+mn-ea"/>
+                  <a:cs typeface="+mn-cs"/>
+                </a:defRPr>
+              </a:pPr>
+              <a:endParaRPr lang="de-DE"/>
+            </a:p>
+          </c:txPr>
+        </c:title>
+        <c:numFmt formatCode="General" sourceLinked="1"/>
+        <c:majorTickMark val="none"/>
+        <c:minorTickMark val="none"/>
+        <c:tickLblPos val="nextTo"/>
+        <c:spPr>
+          <a:noFill/>
+          <a:ln>
+            <a:noFill/>
+          </a:ln>
+          <a:effectLst/>
+        </c:spPr>
+        <c:txPr>
+          <a:bodyPr rot="-60000000" spcFirstLastPara="1" vertOverflow="ellipsis" vert="horz" wrap="square" anchor="ctr" anchorCtr="1"/>
+          <a:lstStyle/>
+          <a:p>
+            <a:pPr>
+              <a:defRPr sz="1600" b="0" i="0" u="none" strike="noStrike" kern="1200" baseline="0">
+                <a:solidFill>
+                  <a:sysClr val="windowText" lastClr="000000"/>
+                </a:solidFill>
+                <a:latin typeface="+mn-lt"/>
+                <a:ea typeface="+mn-ea"/>
+                <a:cs typeface="+mn-cs"/>
+              </a:defRPr>
+            </a:pPr>
+            <a:endParaRPr lang="de-DE"/>
+          </a:p>
+        </c:txPr>
+        <c:crossAx val="674638712"/>
+        <c:crosses val="autoZero"/>
+        <c:crossBetween val="between"/>
+      </c:valAx>
+      <c:spPr>
+        <a:noFill/>
+        <a:ln>
+          <a:noFill/>
+        </a:ln>
+        <a:effectLst/>
+      </c:spPr>
+    </c:plotArea>
+    <c:legend>
+      <c:legendPos val="b"/>
+      <c:layout>
+        <c:manualLayout>
+          <c:xMode val="edge"/>
+          <c:yMode val="edge"/>
+          <c:x val="0.35188919070705682"/>
+          <c:y val="0.91232785438698394"/>
+          <c:w val="0.45051553599468191"/>
+          <c:h val="5.7940870598722327E-2"/>
+        </c:manualLayout>
+      </c:layout>
+      <c:overlay val="0"/>
+      <c:spPr>
+        <a:noFill/>
+        <a:ln>
+          <a:noFill/>
+        </a:ln>
+        <a:effectLst/>
+      </c:spPr>
+      <c:txPr>
+        <a:bodyPr rot="0" spcFirstLastPara="1" vertOverflow="ellipsis" vert="horz" wrap="square" anchor="ctr" anchorCtr="1"/>
+        <a:lstStyle/>
+        <a:p>
+          <a:pPr>
+            <a:defRPr sz="1600" b="0" i="0" u="none" strike="noStrike" kern="1200" baseline="0">
+              <a:solidFill>
+                <a:sysClr val="windowText" lastClr="000000"/>
+              </a:solidFill>
+              <a:latin typeface="+mn-lt"/>
+              <a:ea typeface="+mn-ea"/>
+              <a:cs typeface="+mn-cs"/>
+            </a:defRPr>
+          </a:pPr>
+          <a:endParaRPr lang="de-DE"/>
+        </a:p>
+      </c:txPr>
+    </c:legend>
+    <c:plotVisOnly val="1"/>
+    <c:dispBlanksAs val="gap"/>
+    <c:showDLblsOverMax val="0"/>
+  </c:chart>
+  <c:spPr>
+    <a:noFill/>
+    <a:ln>
+      <a:noFill/>
+    </a:ln>
+    <a:effectLst/>
+  </c:spPr>
+  <c:txPr>
+    <a:bodyPr/>
+    <a:lstStyle/>
+    <a:p>
+      <a:pPr>
+        <a:defRPr sz="1600">
+          <a:solidFill>
+            <a:sysClr val="windowText" lastClr="000000"/>
+          </a:solidFill>
+        </a:defRPr>
+      </a:pPr>
+      <a:endParaRPr lang="de-DE"/>
+    </a:p>
+  </c:txPr>
+  <c:externalData r:id="rId3">
+    <c:autoUpdate val="0"/>
+  </c:externalData>
+</c:chartSpace>
+</file>
+
+<file path=ppt/charts/chart2.xml><?xml version="1.0" encoding="utf-8"?>
+<c:chartSpace xmlns:c="http://schemas.openxmlformats.org/drawingml/2006/chart" xmlns:a="http://schemas.openxmlformats.org/drawingml/2006/main" xmlns:r="http://schemas.openxmlformats.org/officeDocument/2006/relationships" xmlns:c16r2="http://schemas.microsoft.com/office/drawing/2015/06/chart">
+  <c:date1904 val="0"/>
+  <c:lang val="de-DE"/>
+  <c:roundedCorners val="0"/>
+  <mc:AlternateContent xmlns:mc="http://schemas.openxmlformats.org/markup-compatibility/2006">
+    <mc:Choice xmlns:c14="http://schemas.microsoft.com/office/drawing/2007/8/2/chart" Requires="c14">
+      <c14:style val="102"/>
+    </mc:Choice>
+    <mc:Fallback>
+      <c:style val="2"/>
+    </mc:Fallback>
+  </mc:AlternateContent>
+  <c:chart>
+    <c:autoTitleDeleted val="1"/>
+    <c:plotArea>
+      <c:layout>
+        <c:manualLayout>
+          <c:layoutTarget val="inner"/>
+          <c:xMode val="edge"/>
+          <c:yMode val="edge"/>
+          <c:x val="0.13003898393594213"/>
+          <c:y val="3.6255468066491686E-2"/>
+          <c:w val="0.85338851332194343"/>
+          <c:h val="0.7278908368498137"/>
+        </c:manualLayout>
+      </c:layout>
+      <c:lineChart>
+        <c:grouping val="standard"/>
+        <c:varyColors val="0"/>
+        <c:ser>
+          <c:idx val="0"/>
+          <c:order val="0"/>
+          <c:tx>
+            <c:v>Basis-System</c:v>
+          </c:tx>
+          <c:spPr>
+            <a:ln w="44450" cap="rnd">
+              <a:solidFill>
+                <a:srgbClr val="A32638"/>
+              </a:solidFill>
+              <a:round/>
+            </a:ln>
+            <a:effectLst/>
+          </c:spPr>
+          <c:marker>
+            <c:symbol val="circle"/>
+            <c:size val="5"/>
+            <c:spPr>
+              <a:solidFill>
+                <a:srgbClr val="7D9AA9"/>
+              </a:solidFill>
+              <a:ln w="22225">
+                <a:solidFill>
+                  <a:srgbClr val="A32638"/>
+                </a:solidFill>
+              </a:ln>
+              <a:effectLst/>
+            </c:spPr>
+          </c:marker>
+          <c:cat>
+            <c:numRef>
+              <c:f>'IPOG-Complex'!$A$3:$A$7</c:f>
+              <c:numCache>
+                <c:formatCode>General</c:formatCode>
+                <c:ptCount val="5"/>
+                <c:pt idx="0">
+                  <c:v>2</c:v>
+                </c:pt>
+                <c:pt idx="1">
+                  <c:v>3</c:v>
+                </c:pt>
+                <c:pt idx="2">
+                  <c:v>4</c:v>
+                </c:pt>
+                <c:pt idx="3">
+                  <c:v>5</c:v>
+                </c:pt>
+                <c:pt idx="4">
+                  <c:v>6</c:v>
+                </c:pt>
+              </c:numCache>
+            </c:numRef>
+          </c:cat>
+          <c:val>
+            <c:numRef>
+              <c:f>'IPOG-Complex'!$C$3:$C$7</c:f>
+              <c:numCache>
+                <c:formatCode>General</c:formatCode>
+                <c:ptCount val="5"/>
+                <c:pt idx="0">
+                  <c:v>0.125</c:v>
+                </c:pt>
+                <c:pt idx="1">
+                  <c:v>0.109</c:v>
+                </c:pt>
+                <c:pt idx="2">
+                  <c:v>0.11</c:v>
+                </c:pt>
+                <c:pt idx="3">
+                  <c:v>0.16700000000000001</c:v>
+                </c:pt>
+                <c:pt idx="4">
+                  <c:v>0.14000000000000001</c:v>
+                </c:pt>
+              </c:numCache>
+            </c:numRef>
+          </c:val>
+          <c:smooth val="1"/>
+          <c:extLst>
+            <c:ext xmlns:c16="http://schemas.microsoft.com/office/drawing/2014/chart" uri="{C3380CC4-5D6E-409C-BE32-E72D297353CC}">
+              <c16:uniqueId val="{00000000-CB93-43CD-B48F-3525CCE280E0}"/>
+            </c:ext>
+          </c:extLst>
+        </c:ser>
+        <c:ser>
+          <c:idx val="1"/>
+          <c:order val="1"/>
+          <c:tx>
+            <c:v>Erweitertes System</c:v>
+          </c:tx>
+          <c:spPr>
+            <a:ln w="44450" cap="rnd">
+              <a:solidFill>
+                <a:srgbClr val="400F16"/>
+              </a:solidFill>
+              <a:round/>
+            </a:ln>
+            <a:effectLst/>
+          </c:spPr>
+          <c:marker>
+            <c:symbol val="circle"/>
+            <c:size val="5"/>
+            <c:spPr>
+              <a:solidFill>
+                <a:srgbClr val="7D9AA9"/>
+              </a:solidFill>
+              <a:ln w="22225">
+                <a:solidFill>
+                  <a:srgbClr val="400F16"/>
+                </a:solidFill>
+              </a:ln>
+              <a:effectLst/>
+            </c:spPr>
+          </c:marker>
+          <c:cat>
+            <c:numRef>
+              <c:f>'IPOG-Complex'!$A$3:$A$7</c:f>
+              <c:numCache>
+                <c:formatCode>General</c:formatCode>
+                <c:ptCount val="5"/>
+                <c:pt idx="0">
+                  <c:v>2</c:v>
+                </c:pt>
+                <c:pt idx="1">
+                  <c:v>3</c:v>
+                </c:pt>
+                <c:pt idx="2">
+                  <c:v>4</c:v>
+                </c:pt>
+                <c:pt idx="3">
+                  <c:v>5</c:v>
+                </c:pt>
+                <c:pt idx="4">
+                  <c:v>6</c:v>
+                </c:pt>
+              </c:numCache>
+            </c:numRef>
+          </c:cat>
+          <c:val>
+            <c:numRef>
+              <c:f>'IPOG-Complex'!$F$3:$F$7</c:f>
+              <c:numCache>
+                <c:formatCode>General</c:formatCode>
+                <c:ptCount val="5"/>
+                <c:pt idx="0">
+                  <c:v>0.187</c:v>
+                </c:pt>
+                <c:pt idx="1">
+                  <c:v>0.15</c:v>
+                </c:pt>
+                <c:pt idx="2">
+                  <c:v>0.24299999999999999</c:v>
+                </c:pt>
+                <c:pt idx="3">
+                  <c:v>0.45600000000000002</c:v>
+                </c:pt>
+                <c:pt idx="4">
+                  <c:v>0.91900000000000004</c:v>
+                </c:pt>
+              </c:numCache>
+            </c:numRef>
+          </c:val>
+          <c:smooth val="1"/>
+          <c:extLst>
+            <c:ext xmlns:c16="http://schemas.microsoft.com/office/drawing/2014/chart" uri="{C3380CC4-5D6E-409C-BE32-E72D297353CC}">
+              <c16:uniqueId val="{00000004-CB93-43CD-B48F-3525CCE280E0}"/>
+            </c:ext>
+          </c:extLst>
+        </c:ser>
+        <c:dLbls>
+          <c:showLegendKey val="0"/>
+          <c:showVal val="0"/>
+          <c:showCatName val="0"/>
+          <c:showSerName val="0"/>
+          <c:showPercent val="0"/>
+          <c:showBubbleSize val="0"/>
+        </c:dLbls>
+        <c:marker val="1"/>
+        <c:smooth val="0"/>
+        <c:axId val="674638712"/>
+        <c:axId val="674641008"/>
+      </c:lineChart>
+      <c:catAx>
+        <c:axId val="674638712"/>
+        <c:scaling>
+          <c:orientation val="minMax"/>
+        </c:scaling>
+        <c:delete val="0"/>
+        <c:axPos val="b"/>
+        <c:title>
+          <c:tx>
+            <c:rich>
+              <a:bodyPr rot="0" spcFirstLastPara="1" vertOverflow="ellipsis" vert="horz" wrap="square" anchor="ctr" anchorCtr="0"/>
+              <a:lstStyle/>
+              <a:p>
+                <a:pPr>
+                  <a:defRPr sz="1600" b="0" i="0" u="none" strike="noStrike" kern="1200" baseline="0">
+                    <a:solidFill>
+                      <a:sysClr val="windowText" lastClr="000000"/>
+                    </a:solidFill>
+                    <a:latin typeface="+mn-lt"/>
+                    <a:ea typeface="+mn-ea"/>
+                    <a:cs typeface="+mn-cs"/>
+                  </a:defRPr>
+                </a:pPr>
+                <a:r>
+                  <a:rPr lang="de-DE"/>
+                  <a:t>Interaktionsparameter t  </a:t>
+                </a:r>
+              </a:p>
+            </c:rich>
+          </c:tx>
+          <c:layout>
+            <c:manualLayout>
+              <c:xMode val="edge"/>
+              <c:yMode val="edge"/>
+              <c:x val="0.44681692626849595"/>
+              <c:y val="0.84919310472125809"/>
+            </c:manualLayout>
+          </c:layout>
+          <c:overlay val="0"/>
+          <c:spPr>
+            <a:noFill/>
+            <a:ln>
+              <a:noFill/>
+            </a:ln>
+            <a:effectLst/>
+          </c:spPr>
+          <c:txPr>
+            <a:bodyPr rot="0" spcFirstLastPara="1" vertOverflow="ellipsis" vert="horz" wrap="square" anchor="ctr" anchorCtr="0"/>
+            <a:lstStyle/>
+            <a:p>
+              <a:pPr>
+                <a:defRPr sz="1600" b="0" i="0" u="none" strike="noStrike" kern="1200" baseline="0">
+                  <a:solidFill>
+                    <a:sysClr val="windowText" lastClr="000000"/>
+                  </a:solidFill>
+                  <a:latin typeface="+mn-lt"/>
+                  <a:ea typeface="+mn-ea"/>
+                  <a:cs typeface="+mn-cs"/>
+                </a:defRPr>
+              </a:pPr>
+              <a:endParaRPr lang="de-DE"/>
+            </a:p>
+          </c:txPr>
+        </c:title>
+        <c:numFmt formatCode="General" sourceLinked="1"/>
+        <c:majorTickMark val="none"/>
+        <c:minorTickMark val="none"/>
+        <c:tickLblPos val="nextTo"/>
+        <c:spPr>
+          <a:noFill/>
+          <a:ln w="9525" cap="flat" cmpd="sng" algn="ctr">
+            <a:solidFill>
+              <a:schemeClr val="tx1">
+                <a:lumMod val="15000"/>
+                <a:lumOff val="85000"/>
+              </a:schemeClr>
+            </a:solidFill>
+            <a:round/>
+          </a:ln>
+          <a:effectLst/>
+        </c:spPr>
+        <c:txPr>
+          <a:bodyPr rot="-60000000" spcFirstLastPara="1" vertOverflow="ellipsis" vert="horz" wrap="square" anchor="ctr" anchorCtr="1"/>
+          <a:lstStyle/>
+          <a:p>
+            <a:pPr>
+              <a:defRPr sz="1600" b="0" i="0" u="none" strike="noStrike" kern="1200" baseline="0">
+                <a:solidFill>
+                  <a:sysClr val="windowText" lastClr="000000"/>
+                </a:solidFill>
+                <a:latin typeface="+mn-lt"/>
+                <a:ea typeface="+mn-ea"/>
+                <a:cs typeface="+mn-cs"/>
+              </a:defRPr>
+            </a:pPr>
+            <a:endParaRPr lang="de-DE"/>
+          </a:p>
+        </c:txPr>
+        <c:crossAx val="674641008"/>
+        <c:crosses val="autoZero"/>
+        <c:auto val="1"/>
+        <c:lblAlgn val="ctr"/>
+        <c:lblOffset val="100"/>
+        <c:noMultiLvlLbl val="0"/>
+      </c:catAx>
+      <c:valAx>
+        <c:axId val="674641008"/>
+        <c:scaling>
+          <c:orientation val="minMax"/>
+        </c:scaling>
+        <c:delete val="0"/>
+        <c:axPos val="l"/>
+        <c:majorGridlines>
+          <c:spPr>
+            <a:ln w="9525" cap="flat" cmpd="sng" algn="ctr">
+              <a:solidFill>
+                <a:schemeClr val="tx1">
+                  <a:lumMod val="15000"/>
+                  <a:lumOff val="85000"/>
+                </a:schemeClr>
+              </a:solidFill>
+              <a:round/>
+            </a:ln>
+            <a:effectLst/>
+          </c:spPr>
+        </c:majorGridlines>
+        <c:title>
+          <c:tx>
+            <c:rich>
+              <a:bodyPr rot="-5400000" spcFirstLastPara="1" vertOverflow="ellipsis" vert="horz" wrap="square" anchor="ctr" anchorCtr="1"/>
+              <a:lstStyle/>
+              <a:p>
+                <a:pPr>
+                  <a:defRPr sz="1600" b="0" i="0" u="none" strike="noStrike" kern="1200" baseline="0">
+                    <a:solidFill>
+                      <a:sysClr val="windowText" lastClr="000000"/>
+                    </a:solidFill>
+                    <a:latin typeface="+mn-lt"/>
+                    <a:ea typeface="+mn-ea"/>
+                    <a:cs typeface="+mn-cs"/>
+                  </a:defRPr>
+                </a:pPr>
+                <a:r>
+                  <a:rPr lang="de-DE" dirty="0"/>
+                  <a:t>Ausführungszeit</a:t>
+                </a:r>
+                <a:r>
+                  <a:rPr lang="de-DE" baseline="0" dirty="0"/>
+                  <a:t> in s</a:t>
+                </a:r>
+                <a:endParaRPr lang="de-DE" dirty="0"/>
+              </a:p>
+            </c:rich>
+          </c:tx>
+          <c:layout>
+            <c:manualLayout>
+              <c:xMode val="edge"/>
+              <c:yMode val="edge"/>
+              <c:x val="1.6045685337367763E-2"/>
+              <c:y val="0.25832534226532144"/>
+            </c:manualLayout>
+          </c:layout>
+          <c:overlay val="0"/>
+          <c:spPr>
+            <a:noFill/>
+            <a:ln>
+              <a:noFill/>
+            </a:ln>
+            <a:effectLst/>
+          </c:spPr>
+          <c:txPr>
+            <a:bodyPr rot="-5400000" spcFirstLastPara="1" vertOverflow="ellipsis" vert="horz" wrap="square" anchor="ctr" anchorCtr="1"/>
+            <a:lstStyle/>
+            <a:p>
+              <a:pPr>
+                <a:defRPr sz="1600" b="0" i="0" u="none" strike="noStrike" kern="1200" baseline="0">
+                  <a:solidFill>
+                    <a:sysClr val="windowText" lastClr="000000"/>
+                  </a:solidFill>
+                  <a:latin typeface="+mn-lt"/>
+                  <a:ea typeface="+mn-ea"/>
+                  <a:cs typeface="+mn-cs"/>
+                </a:defRPr>
+              </a:pPr>
+              <a:endParaRPr lang="de-DE"/>
+            </a:p>
+          </c:txPr>
+        </c:title>
+        <c:numFmt formatCode="General" sourceLinked="1"/>
+        <c:majorTickMark val="none"/>
+        <c:minorTickMark val="none"/>
+        <c:tickLblPos val="nextTo"/>
+        <c:spPr>
+          <a:noFill/>
+          <a:ln>
+            <a:noFill/>
+          </a:ln>
+          <a:effectLst/>
+        </c:spPr>
+        <c:txPr>
+          <a:bodyPr rot="-60000000" spcFirstLastPara="1" vertOverflow="ellipsis" vert="horz" wrap="square" anchor="ctr" anchorCtr="1"/>
+          <a:lstStyle/>
+          <a:p>
+            <a:pPr>
+              <a:defRPr sz="1600" b="0" i="0" u="none" strike="noStrike" kern="1200" baseline="0">
+                <a:solidFill>
+                  <a:sysClr val="windowText" lastClr="000000"/>
+                </a:solidFill>
+                <a:latin typeface="+mn-lt"/>
+                <a:ea typeface="+mn-ea"/>
+                <a:cs typeface="+mn-cs"/>
+              </a:defRPr>
+            </a:pPr>
+            <a:endParaRPr lang="de-DE"/>
+          </a:p>
+        </c:txPr>
+        <c:crossAx val="674638712"/>
+        <c:crosses val="autoZero"/>
+        <c:crossBetween val="between"/>
+      </c:valAx>
+      <c:spPr>
+        <a:noFill/>
+        <a:ln>
+          <a:noFill/>
+        </a:ln>
+        <a:effectLst/>
+      </c:spPr>
+    </c:plotArea>
+    <c:legend>
+      <c:legendPos val="b"/>
+      <c:layout>
+        <c:manualLayout>
+          <c:xMode val="edge"/>
+          <c:yMode val="edge"/>
+          <c:x val="0.35188919070705682"/>
+          <c:y val="0.91232785438698394"/>
+          <c:w val="0.45051553599468191"/>
+          <c:h val="5.7940870598722327E-2"/>
+        </c:manualLayout>
+      </c:layout>
+      <c:overlay val="0"/>
+      <c:spPr>
+        <a:noFill/>
+        <a:ln>
+          <a:noFill/>
+        </a:ln>
+        <a:effectLst/>
+      </c:spPr>
+      <c:txPr>
+        <a:bodyPr rot="0" spcFirstLastPara="1" vertOverflow="ellipsis" vert="horz" wrap="square" anchor="ctr" anchorCtr="1"/>
+        <a:lstStyle/>
+        <a:p>
+          <a:pPr>
+            <a:defRPr sz="1600" b="0" i="0" u="none" strike="noStrike" kern="1200" baseline="0">
+              <a:solidFill>
+                <a:sysClr val="windowText" lastClr="000000"/>
+              </a:solidFill>
+              <a:latin typeface="+mn-lt"/>
+              <a:ea typeface="+mn-ea"/>
+              <a:cs typeface="+mn-cs"/>
+            </a:defRPr>
+          </a:pPr>
+          <a:endParaRPr lang="de-DE"/>
+        </a:p>
+      </c:txPr>
+    </c:legend>
+    <c:plotVisOnly val="1"/>
+    <c:dispBlanksAs val="gap"/>
+    <c:showDLblsOverMax val="0"/>
+  </c:chart>
+  <c:spPr>
+    <a:noFill/>
+    <a:ln>
+      <a:noFill/>
+    </a:ln>
+    <a:effectLst/>
+  </c:spPr>
+  <c:txPr>
+    <a:bodyPr/>
+    <a:lstStyle/>
+    <a:p>
+      <a:pPr>
+        <a:defRPr sz="1600">
+          <a:solidFill>
+            <a:sysClr val="windowText" lastClr="000000"/>
+          </a:solidFill>
+        </a:defRPr>
+      </a:pPr>
+      <a:endParaRPr lang="de-DE"/>
+    </a:p>
+  </c:txPr>
+  <c:externalData r:id="rId3">
+    <c:autoUpdate val="0"/>
+  </c:externalData>
+</c:chartSpace>
+</file>
+
+<file path=ppt/charts/chart3.xml><?xml version="1.0" encoding="utf-8"?>
+<c:chartSpace xmlns:c="http://schemas.openxmlformats.org/drawingml/2006/chart" xmlns:a="http://schemas.openxmlformats.org/drawingml/2006/main" xmlns:r="http://schemas.openxmlformats.org/officeDocument/2006/relationships" xmlns:c16r2="http://schemas.microsoft.com/office/drawing/2015/06/chart">
+  <c:date1904 val="0"/>
+  <c:lang val="de-DE"/>
+  <c:roundedCorners val="0"/>
+  <mc:AlternateContent xmlns:mc="http://schemas.openxmlformats.org/markup-compatibility/2006">
+    <mc:Choice xmlns:c14="http://schemas.microsoft.com/office/drawing/2007/8/2/chart" Requires="c14">
+      <c14:style val="102"/>
+    </mc:Choice>
+    <mc:Fallback>
+      <c:style val="2"/>
+    </mc:Fallback>
+  </mc:AlternateContent>
+  <c:chart>
+    <c:autoTitleDeleted val="1"/>
+    <c:plotArea>
+      <c:layout>
+        <c:manualLayout>
+          <c:layoutTarget val="inner"/>
+          <c:xMode val="edge"/>
+          <c:yMode val="edge"/>
+          <c:x val="9.4766507841117953E-2"/>
+          <c:y val="3.218179256339658E-2"/>
+          <c:w val="0.88817107066953216"/>
+          <c:h val="0.7584651058141445"/>
+        </c:manualLayout>
+      </c:layout>
+      <c:lineChart>
+        <c:grouping val="standard"/>
+        <c:varyColors val="0"/>
+        <c:ser>
+          <c:idx val="0"/>
+          <c:order val="0"/>
+          <c:tx>
+            <c:strRef>
+              <c:f>'Vergleich Algorithmen'!$B$2</c:f>
+              <c:strCache>
+                <c:ptCount val="1"/>
+                <c:pt idx="0">
+                  <c:v>IPOG</c:v>
+                </c:pt>
+              </c:strCache>
+            </c:strRef>
+          </c:tx>
+          <c:spPr>
+            <a:ln w="44450" cap="rnd">
+              <a:solidFill>
+                <a:srgbClr val="A32638"/>
+              </a:solidFill>
+              <a:prstDash val="solid"/>
+              <a:round/>
+            </a:ln>
+            <a:effectLst/>
+          </c:spPr>
+          <c:marker>
+            <c:symbol val="circle"/>
+            <c:size val="5"/>
+            <c:spPr>
+              <a:solidFill>
+                <a:schemeClr val="accent1"/>
+              </a:solidFill>
+              <a:ln w="19050">
+                <a:solidFill>
+                  <a:srgbClr val="A32638"/>
+                </a:solidFill>
+              </a:ln>
+              <a:effectLst/>
+            </c:spPr>
+          </c:marker>
+          <c:cat>
+            <c:numRef>
+              <c:f>'Vergleich Algorithmen'!$A$3:$A$7</c:f>
+              <c:numCache>
+                <c:formatCode>General</c:formatCode>
+                <c:ptCount val="5"/>
+                <c:pt idx="0">
+                  <c:v>2</c:v>
+                </c:pt>
+                <c:pt idx="1">
+                  <c:v>3</c:v>
+                </c:pt>
+                <c:pt idx="2">
+                  <c:v>4</c:v>
+                </c:pt>
+                <c:pt idx="3">
+                  <c:v>5</c:v>
+                </c:pt>
+                <c:pt idx="4">
+                  <c:v>6</c:v>
+                </c:pt>
+              </c:numCache>
+            </c:numRef>
+          </c:cat>
+          <c:val>
+            <c:numRef>
+              <c:f>'Vergleich Algorithmen'!$B$3:$B$7</c:f>
+              <c:numCache>
+                <c:formatCode>General</c:formatCode>
+                <c:ptCount val="5"/>
+                <c:pt idx="0">
+                  <c:v>49</c:v>
+                </c:pt>
+                <c:pt idx="1">
+                  <c:v>144</c:v>
+                </c:pt>
+                <c:pt idx="2">
+                  <c:v>271</c:v>
+                </c:pt>
+                <c:pt idx="3">
+                  <c:v>447</c:v>
+                </c:pt>
+                <c:pt idx="4">
+                  <c:v>458</c:v>
+                </c:pt>
+              </c:numCache>
+            </c:numRef>
+          </c:val>
+          <c:smooth val="1"/>
+          <c:extLst>
+            <c:ext xmlns:c16="http://schemas.microsoft.com/office/drawing/2014/chart" uri="{C3380CC4-5D6E-409C-BE32-E72D297353CC}">
+              <c16:uniqueId val="{00000000-42BB-4A71-A326-1165F79903C5}"/>
+            </c:ext>
+          </c:extLst>
+        </c:ser>
+        <c:ser>
+          <c:idx val="1"/>
+          <c:order val="1"/>
+          <c:tx>
+            <c:strRef>
+              <c:f>'Vergleich Algorithmen'!$C$2</c:f>
+              <c:strCache>
+                <c:ptCount val="1"/>
+                <c:pt idx="0">
+                  <c:v>IPOG-F</c:v>
+                </c:pt>
+              </c:strCache>
+            </c:strRef>
+          </c:tx>
+          <c:spPr>
+            <a:ln w="44450" cap="rnd">
+              <a:solidFill>
+                <a:srgbClr val="E6354F"/>
+              </a:solidFill>
+              <a:prstDash val="sysDash"/>
+              <a:round/>
+            </a:ln>
+            <a:effectLst/>
+          </c:spPr>
+          <c:marker>
+            <c:symbol val="circle"/>
+            <c:size val="5"/>
+            <c:spPr>
+              <a:solidFill>
+                <a:srgbClr val="7D9AA9"/>
+              </a:solidFill>
+              <a:ln w="19050">
+                <a:solidFill>
+                  <a:srgbClr val="E6354F"/>
+                </a:solidFill>
+              </a:ln>
+              <a:effectLst/>
+            </c:spPr>
+          </c:marker>
+          <c:cat>
+            <c:numRef>
+              <c:f>'Vergleich Algorithmen'!$A$3:$A$7</c:f>
+              <c:numCache>
+                <c:formatCode>General</c:formatCode>
+                <c:ptCount val="5"/>
+                <c:pt idx="0">
+                  <c:v>2</c:v>
+                </c:pt>
+                <c:pt idx="1">
+                  <c:v>3</c:v>
+                </c:pt>
+                <c:pt idx="2">
+                  <c:v>4</c:v>
+                </c:pt>
+                <c:pt idx="3">
+                  <c:v>5</c:v>
+                </c:pt>
+                <c:pt idx="4">
+                  <c:v>6</c:v>
+                </c:pt>
+              </c:numCache>
+            </c:numRef>
+          </c:cat>
+          <c:val>
+            <c:numRef>
+              <c:f>'Vergleich Algorithmen'!$C$3:$C$7</c:f>
+              <c:numCache>
+                <c:formatCode>General</c:formatCode>
+                <c:ptCount val="5"/>
+                <c:pt idx="0">
+                  <c:v>63</c:v>
+                </c:pt>
+                <c:pt idx="1">
+                  <c:v>191</c:v>
+                </c:pt>
+                <c:pt idx="2">
+                  <c:v>408</c:v>
+                </c:pt>
+                <c:pt idx="3">
+                  <c:v>718</c:v>
+                </c:pt>
+                <c:pt idx="4">
+                  <c:v>848</c:v>
+                </c:pt>
+              </c:numCache>
+            </c:numRef>
+          </c:val>
+          <c:smooth val="1"/>
+          <c:extLst>
+            <c:ext xmlns:c16="http://schemas.microsoft.com/office/drawing/2014/chart" uri="{C3380CC4-5D6E-409C-BE32-E72D297353CC}">
+              <c16:uniqueId val="{00000001-42BB-4A71-A326-1165F79903C5}"/>
+            </c:ext>
+          </c:extLst>
+        </c:ser>
+        <c:ser>
+          <c:idx val="2"/>
+          <c:order val="2"/>
+          <c:tx>
+            <c:strRef>
+              <c:f>'Vergleich Algorithmen'!$D$2</c:f>
+              <c:strCache>
+                <c:ptCount val="1"/>
+                <c:pt idx="0">
+                  <c:v>PICT</c:v>
+                </c:pt>
+              </c:strCache>
+            </c:strRef>
+          </c:tx>
+          <c:spPr>
+            <a:ln w="44450" cap="rnd">
+              <a:solidFill>
+                <a:srgbClr val="400F16"/>
+              </a:solidFill>
+              <a:prstDash val="sysDash"/>
+              <a:round/>
+            </a:ln>
+            <a:effectLst/>
+          </c:spPr>
+          <c:marker>
+            <c:symbol val="circle"/>
+            <c:size val="5"/>
+            <c:spPr>
+              <a:solidFill>
+                <a:schemeClr val="accent3"/>
+              </a:solidFill>
+              <a:ln w="19050">
+                <a:solidFill>
+                  <a:srgbClr val="400F16"/>
+                </a:solidFill>
+              </a:ln>
+              <a:effectLst/>
+            </c:spPr>
+          </c:marker>
+          <c:dPt>
+            <c:idx val="2"/>
+            <c:marker>
+              <c:symbol val="circle"/>
+              <c:size val="5"/>
+              <c:spPr>
+                <a:solidFill>
+                  <a:schemeClr val="accent3"/>
+                </a:solidFill>
+                <a:ln w="19050">
+                  <a:solidFill>
+                    <a:srgbClr val="400F16"/>
+                  </a:solidFill>
+                </a:ln>
+                <a:effectLst/>
+              </c:spPr>
+            </c:marker>
+            <c:bubble3D val="0"/>
+            <c:spPr>
+              <a:ln w="44450" cap="sq">
+                <a:solidFill>
+                  <a:srgbClr val="400F16"/>
+                </a:solidFill>
+                <a:prstDash val="sysDash"/>
+                <a:round/>
+              </a:ln>
+              <a:effectLst/>
+            </c:spPr>
+            <c:extLst>
+              <c:ext xmlns:c16="http://schemas.microsoft.com/office/drawing/2014/chart" uri="{C3380CC4-5D6E-409C-BE32-E72D297353CC}">
+                <c16:uniqueId val="{00000003-42BB-4A71-A326-1165F79903C5}"/>
+              </c:ext>
+            </c:extLst>
+          </c:dPt>
+          <c:cat>
+            <c:numRef>
+              <c:f>'Vergleich Algorithmen'!$A$3:$A$7</c:f>
+              <c:numCache>
+                <c:formatCode>General</c:formatCode>
+                <c:ptCount val="5"/>
+                <c:pt idx="0">
+                  <c:v>2</c:v>
+                </c:pt>
+                <c:pt idx="1">
+                  <c:v>3</c:v>
+                </c:pt>
+                <c:pt idx="2">
+                  <c:v>4</c:v>
+                </c:pt>
+                <c:pt idx="3">
+                  <c:v>5</c:v>
+                </c:pt>
+                <c:pt idx="4">
+                  <c:v>6</c:v>
+                </c:pt>
+              </c:numCache>
+            </c:numRef>
+          </c:cat>
+          <c:val>
+            <c:numRef>
+              <c:f>'Vergleich Algorithmen'!$D$3:$D$7</c:f>
+              <c:numCache>
+                <c:formatCode>General</c:formatCode>
+                <c:ptCount val="5"/>
+                <c:pt idx="0">
+                  <c:v>51</c:v>
+                </c:pt>
+                <c:pt idx="1">
+                  <c:v>148</c:v>
+                </c:pt>
+                <c:pt idx="2">
+                  <c:v>280</c:v>
+                </c:pt>
+                <c:pt idx="3">
+                  <c:v>445</c:v>
+                </c:pt>
+                <c:pt idx="4">
+                  <c:v>458</c:v>
+                </c:pt>
+              </c:numCache>
+            </c:numRef>
+          </c:val>
+          <c:smooth val="1"/>
+          <c:extLst>
+            <c:ext xmlns:c16="http://schemas.microsoft.com/office/drawing/2014/chart" uri="{C3380CC4-5D6E-409C-BE32-E72D297353CC}">
+              <c16:uniqueId val="{00000004-42BB-4A71-A326-1165F79903C5}"/>
+            </c:ext>
+          </c:extLst>
+        </c:ser>
+        <c:ser>
+          <c:idx val="3"/>
+          <c:order val="3"/>
+          <c:tx>
+            <c:strRef>
+              <c:f>'Vergleich Algorithmen'!$E$2</c:f>
+              <c:strCache>
+                <c:ptCount val="1"/>
+                <c:pt idx="0">
+                  <c:v>Minimum CASA</c:v>
+                </c:pt>
+              </c:strCache>
+            </c:strRef>
+          </c:tx>
+          <c:spPr>
+            <a:ln w="44450" cap="rnd">
+              <a:solidFill>
+                <a:srgbClr val="F48293"/>
+              </a:solidFill>
+              <a:round/>
+            </a:ln>
+            <a:effectLst/>
+          </c:spPr>
+          <c:marker>
+            <c:symbol val="circle"/>
+            <c:size val="5"/>
+            <c:spPr>
+              <a:solidFill>
+                <a:srgbClr val="7D9AA9"/>
+              </a:solidFill>
+              <a:ln w="19050">
+                <a:solidFill>
+                  <a:srgbClr val="F48293"/>
+                </a:solidFill>
+              </a:ln>
+              <a:effectLst/>
+            </c:spPr>
+          </c:marker>
+          <c:cat>
+            <c:numRef>
+              <c:f>'Vergleich Algorithmen'!$A$3:$A$7</c:f>
+              <c:numCache>
+                <c:formatCode>General</c:formatCode>
+                <c:ptCount val="5"/>
+                <c:pt idx="0">
+                  <c:v>2</c:v>
+                </c:pt>
+                <c:pt idx="1">
+                  <c:v>3</c:v>
+                </c:pt>
+                <c:pt idx="2">
+                  <c:v>4</c:v>
+                </c:pt>
+                <c:pt idx="3">
+                  <c:v>5</c:v>
+                </c:pt>
+                <c:pt idx="4">
+                  <c:v>6</c:v>
+                </c:pt>
+              </c:numCache>
+            </c:numRef>
+          </c:cat>
+          <c:val>
+            <c:numRef>
+              <c:f>'Vergleich Algorithmen'!$E$3:$E$7</c:f>
+              <c:numCache>
+                <c:formatCode>General</c:formatCode>
+                <c:ptCount val="5"/>
+                <c:pt idx="0">
+                  <c:v>45</c:v>
+                </c:pt>
+                <c:pt idx="1">
+                  <c:v>136</c:v>
+                </c:pt>
+                <c:pt idx="2">
+                  <c:v>251</c:v>
+                </c:pt>
+                <c:pt idx="3">
+                  <c:v>451</c:v>
+                </c:pt>
+                <c:pt idx="4">
+                  <c:v>519</c:v>
+                </c:pt>
+              </c:numCache>
+            </c:numRef>
+          </c:val>
+          <c:smooth val="1"/>
+          <c:extLst>
+            <c:ext xmlns:c16="http://schemas.microsoft.com/office/drawing/2014/chart" uri="{C3380CC4-5D6E-409C-BE32-E72D297353CC}">
+              <c16:uniqueId val="{00000005-42BB-4A71-A326-1165F79903C5}"/>
+            </c:ext>
+          </c:extLst>
+        </c:ser>
+        <c:dLbls>
+          <c:showLegendKey val="0"/>
+          <c:showVal val="0"/>
+          <c:showCatName val="0"/>
+          <c:showSerName val="0"/>
+          <c:showPercent val="0"/>
+          <c:showBubbleSize val="0"/>
+        </c:dLbls>
+        <c:marker val="1"/>
+        <c:smooth val="0"/>
+        <c:axId val="731239968"/>
+        <c:axId val="731238656"/>
+      </c:lineChart>
+      <c:catAx>
+        <c:axId val="731239968"/>
+        <c:scaling>
+          <c:orientation val="minMax"/>
+        </c:scaling>
+        <c:delete val="0"/>
+        <c:axPos val="b"/>
+        <c:title>
+          <c:tx>
+            <c:rich>
+              <a:bodyPr rot="0" spcFirstLastPara="1" vertOverflow="ellipsis" vert="horz" wrap="square" anchor="ctr" anchorCtr="1"/>
+              <a:lstStyle/>
+              <a:p>
+                <a:pPr>
+                  <a:defRPr sz="1600" b="0" i="0" u="none" strike="noStrike" kern="1200" baseline="0">
+                    <a:solidFill>
+                      <a:schemeClr val="tx1"/>
+                    </a:solidFill>
+                    <a:latin typeface="+mn-lt"/>
+                    <a:ea typeface="+mn-ea"/>
+                    <a:cs typeface="+mn-cs"/>
+                  </a:defRPr>
+                </a:pPr>
+                <a:r>
+                  <a:rPr lang="de-DE"/>
+                  <a:t>Interaktionsparameter t</a:t>
+                </a:r>
+              </a:p>
+            </c:rich>
+          </c:tx>
+          <c:overlay val="0"/>
+          <c:spPr>
+            <a:noFill/>
+            <a:ln>
+              <a:noFill/>
+            </a:ln>
+            <a:effectLst/>
+          </c:spPr>
+          <c:txPr>
+            <a:bodyPr rot="0" spcFirstLastPara="1" vertOverflow="ellipsis" vert="horz" wrap="square" anchor="ctr" anchorCtr="1"/>
+            <a:lstStyle/>
+            <a:p>
+              <a:pPr>
+                <a:defRPr sz="1600" b="0" i="0" u="none" strike="noStrike" kern="1200" baseline="0">
+                  <a:solidFill>
+                    <a:schemeClr val="tx1"/>
+                  </a:solidFill>
+                  <a:latin typeface="+mn-lt"/>
+                  <a:ea typeface="+mn-ea"/>
+                  <a:cs typeface="+mn-cs"/>
+                </a:defRPr>
+              </a:pPr>
+              <a:endParaRPr lang="de-DE"/>
+            </a:p>
+          </c:txPr>
+        </c:title>
+        <c:numFmt formatCode="General" sourceLinked="1"/>
+        <c:majorTickMark val="none"/>
+        <c:minorTickMark val="none"/>
+        <c:tickLblPos val="nextTo"/>
+        <c:spPr>
+          <a:noFill/>
+          <a:ln w="9525" cap="flat" cmpd="sng" algn="ctr">
+            <a:solidFill>
+              <a:schemeClr val="tx1">
+                <a:lumMod val="15000"/>
+                <a:lumOff val="85000"/>
+              </a:schemeClr>
+            </a:solidFill>
+            <a:round/>
+          </a:ln>
+          <a:effectLst/>
+        </c:spPr>
+        <c:txPr>
+          <a:bodyPr rot="-60000000" spcFirstLastPara="1" vertOverflow="ellipsis" vert="horz" wrap="square" anchor="ctr" anchorCtr="1"/>
+          <a:lstStyle/>
+          <a:p>
+            <a:pPr>
+              <a:defRPr sz="1600" b="0" i="0" u="none" strike="noStrike" kern="1200" baseline="0">
+                <a:solidFill>
+                  <a:schemeClr val="tx1"/>
+                </a:solidFill>
+                <a:latin typeface="+mn-lt"/>
+                <a:ea typeface="+mn-ea"/>
+                <a:cs typeface="+mn-cs"/>
+              </a:defRPr>
+            </a:pPr>
+            <a:endParaRPr lang="de-DE"/>
+          </a:p>
+        </c:txPr>
+        <c:crossAx val="731238656"/>
+        <c:crosses val="autoZero"/>
+        <c:auto val="1"/>
+        <c:lblAlgn val="ctr"/>
+        <c:lblOffset val="100"/>
+        <c:noMultiLvlLbl val="0"/>
+      </c:catAx>
+      <c:valAx>
+        <c:axId val="731238656"/>
+        <c:scaling>
+          <c:orientation val="minMax"/>
+        </c:scaling>
+        <c:delete val="0"/>
+        <c:axPos val="l"/>
+        <c:majorGridlines>
+          <c:spPr>
+            <a:ln w="9525" cap="flat" cmpd="sng" algn="ctr">
+              <a:solidFill>
+                <a:schemeClr val="tx1">
+                  <a:lumMod val="15000"/>
+                  <a:lumOff val="85000"/>
+                </a:schemeClr>
+              </a:solidFill>
+              <a:round/>
+            </a:ln>
+            <a:effectLst/>
+          </c:spPr>
+        </c:majorGridlines>
+        <c:title>
+          <c:tx>
+            <c:rich>
+              <a:bodyPr rot="-5400000" spcFirstLastPara="1" vertOverflow="ellipsis" vert="horz" wrap="square" anchor="ctr" anchorCtr="1"/>
+              <a:lstStyle/>
+              <a:p>
+                <a:pPr>
+                  <a:defRPr sz="1600" b="0" i="0" u="none" strike="noStrike" kern="1200" baseline="0">
+                    <a:solidFill>
+                      <a:schemeClr val="tx1"/>
+                    </a:solidFill>
+                    <a:latin typeface="+mn-lt"/>
+                    <a:ea typeface="+mn-ea"/>
+                    <a:cs typeface="+mn-cs"/>
+                  </a:defRPr>
+                </a:pPr>
+                <a:r>
+                  <a:rPr lang="de-DE" dirty="0"/>
+                  <a:t>Anzahl an Testfälle</a:t>
+                </a:r>
+              </a:p>
+            </c:rich>
+          </c:tx>
+          <c:overlay val="0"/>
+          <c:spPr>
+            <a:noFill/>
+            <a:ln>
+              <a:noFill/>
+            </a:ln>
+            <a:effectLst/>
+          </c:spPr>
+          <c:txPr>
+            <a:bodyPr rot="-5400000" spcFirstLastPara="1" vertOverflow="ellipsis" vert="horz" wrap="square" anchor="ctr" anchorCtr="1"/>
+            <a:lstStyle/>
+            <a:p>
+              <a:pPr>
+                <a:defRPr sz="1600" b="0" i="0" u="none" strike="noStrike" kern="1200" baseline="0">
+                  <a:solidFill>
+                    <a:schemeClr val="tx1"/>
+                  </a:solidFill>
+                  <a:latin typeface="+mn-lt"/>
+                  <a:ea typeface="+mn-ea"/>
+                  <a:cs typeface="+mn-cs"/>
+                </a:defRPr>
+              </a:pPr>
+              <a:endParaRPr lang="de-DE"/>
+            </a:p>
+          </c:txPr>
+        </c:title>
+        <c:numFmt formatCode="General" sourceLinked="1"/>
+        <c:majorTickMark val="none"/>
+        <c:minorTickMark val="none"/>
+        <c:tickLblPos val="nextTo"/>
+        <c:spPr>
+          <a:noFill/>
+          <a:ln>
+            <a:noFill/>
+          </a:ln>
+          <a:effectLst/>
+        </c:spPr>
+        <c:txPr>
+          <a:bodyPr rot="-60000000" spcFirstLastPara="1" vertOverflow="ellipsis" vert="horz" wrap="square" anchor="ctr" anchorCtr="1"/>
+          <a:lstStyle/>
+          <a:p>
+            <a:pPr>
+              <a:defRPr sz="1600" b="0" i="0" u="none" strike="noStrike" kern="1200" baseline="0">
+                <a:solidFill>
+                  <a:schemeClr val="tx1"/>
+                </a:solidFill>
+                <a:latin typeface="+mn-lt"/>
+                <a:ea typeface="+mn-ea"/>
+                <a:cs typeface="+mn-cs"/>
+              </a:defRPr>
+            </a:pPr>
+            <a:endParaRPr lang="de-DE"/>
+          </a:p>
+        </c:txPr>
+        <c:crossAx val="731239968"/>
+        <c:crosses val="autoZero"/>
+        <c:crossBetween val="between"/>
+      </c:valAx>
+      <c:spPr>
+        <a:noFill/>
+        <a:ln cap="sq">
+          <a:noFill/>
+        </a:ln>
+        <a:effectLst/>
+      </c:spPr>
+    </c:plotArea>
+    <c:legend>
+      <c:legendPos val="b"/>
+      <c:overlay val="0"/>
+      <c:spPr>
+        <a:noFill/>
+        <a:ln>
+          <a:noFill/>
+        </a:ln>
+        <a:effectLst/>
+      </c:spPr>
+      <c:txPr>
+        <a:bodyPr rot="0" spcFirstLastPara="1" vertOverflow="ellipsis" vert="horz" wrap="square" anchor="ctr" anchorCtr="1"/>
+        <a:lstStyle/>
+        <a:p>
+          <a:pPr>
+            <a:defRPr sz="1600" b="0" i="0" u="none" strike="noStrike" kern="1200" baseline="0">
+              <a:solidFill>
+                <a:schemeClr val="tx1"/>
+              </a:solidFill>
+              <a:latin typeface="+mn-lt"/>
+              <a:ea typeface="+mn-ea"/>
+              <a:cs typeface="+mn-cs"/>
+            </a:defRPr>
+          </a:pPr>
+          <a:endParaRPr lang="de-DE"/>
+        </a:p>
+      </c:txPr>
+    </c:legend>
+    <c:plotVisOnly val="1"/>
+    <c:dispBlanksAs val="gap"/>
+    <c:showDLblsOverMax val="0"/>
+  </c:chart>
+  <c:spPr>
+    <a:noFill/>
+    <a:ln>
+      <a:noFill/>
+    </a:ln>
+    <a:effectLst/>
+  </c:spPr>
+  <c:txPr>
+    <a:bodyPr/>
+    <a:lstStyle/>
+    <a:p>
+      <a:pPr>
+        <a:defRPr sz="1600">
+          <a:solidFill>
+            <a:schemeClr val="tx1"/>
+          </a:solidFill>
+        </a:defRPr>
+      </a:pPr>
+      <a:endParaRPr lang="de-DE"/>
+    </a:p>
+  </c:txPr>
+  <c:externalData r:id="rId3">
+    <c:autoUpdate val="0"/>
+  </c:externalData>
+</c:chartSpace>
+</file>
+
+<file path=ppt/charts/chart4.xml><?xml version="1.0" encoding="utf-8"?>
+<c:chartSpace xmlns:c="http://schemas.openxmlformats.org/drawingml/2006/chart" xmlns:a="http://schemas.openxmlformats.org/drawingml/2006/main" xmlns:r="http://schemas.openxmlformats.org/officeDocument/2006/relationships" xmlns:c16r2="http://schemas.microsoft.com/office/drawing/2015/06/chart">
+  <c:date1904 val="0"/>
+  <c:lang val="de-DE"/>
+  <c:roundedCorners val="0"/>
+  <mc:AlternateContent xmlns:mc="http://schemas.openxmlformats.org/markup-compatibility/2006">
+    <mc:Choice xmlns:c14="http://schemas.microsoft.com/office/drawing/2007/8/2/chart" Requires="c14">
+      <c14:style val="102"/>
+    </mc:Choice>
+    <mc:Fallback>
+      <c:style val="2"/>
+    </mc:Fallback>
+  </mc:AlternateContent>
+  <c:chart>
+    <c:autoTitleDeleted val="1"/>
+    <c:plotArea>
+      <c:layout>
+        <c:manualLayout>
+          <c:layoutTarget val="inner"/>
+          <c:xMode val="edge"/>
+          <c:yMode val="edge"/>
+          <c:x val="0.11906779035433071"/>
+          <c:y val="2.9918059183190258E-2"/>
+          <c:w val="0.86686970964566934"/>
+          <c:h val="0.74027394560322679"/>
+        </c:manualLayout>
+      </c:layout>
+      <c:lineChart>
+        <c:grouping val="standard"/>
+        <c:varyColors val="0"/>
+        <c:ser>
+          <c:idx val="0"/>
+          <c:order val="0"/>
+          <c:tx>
+            <c:strRef>
+              <c:f>Tabelle1!$B$1</c:f>
+              <c:strCache>
+                <c:ptCount val="1"/>
+                <c:pt idx="0">
+                  <c:v>Medizinische Geräte</c:v>
+                </c:pt>
+              </c:strCache>
+            </c:strRef>
+          </c:tx>
+          <c:spPr>
+            <a:ln w="44450" cap="rnd">
+              <a:solidFill>
+                <a:srgbClr val="A32638"/>
+              </a:solidFill>
+              <a:round/>
+            </a:ln>
+            <a:effectLst/>
+          </c:spPr>
+          <c:marker>
+            <c:symbol val="circle"/>
+            <c:size val="5"/>
+            <c:spPr>
+              <a:solidFill>
+                <a:srgbClr val="7D9AA9"/>
+              </a:solidFill>
+              <a:ln w="19050">
+                <a:solidFill>
+                  <a:srgbClr val="A32638"/>
+                </a:solidFill>
+              </a:ln>
+              <a:effectLst/>
+            </c:spPr>
+          </c:marker>
+          <c:cat>
+            <c:numRef>
+              <c:f>Tabelle1!$A$2:$A$7</c:f>
+              <c:numCache>
+                <c:formatCode>General</c:formatCode>
+                <c:ptCount val="6"/>
+                <c:pt idx="0">
+                  <c:v>1</c:v>
+                </c:pt>
+                <c:pt idx="1">
+                  <c:v>2</c:v>
+                </c:pt>
+                <c:pt idx="2">
+                  <c:v>3</c:v>
+                </c:pt>
+                <c:pt idx="3">
+                  <c:v>4</c:v>
+                </c:pt>
+                <c:pt idx="4">
+                  <c:v>5</c:v>
+                </c:pt>
+                <c:pt idx="5">
+                  <c:v>6</c:v>
+                </c:pt>
+              </c:numCache>
+            </c:numRef>
+          </c:cat>
+          <c:val>
+            <c:numRef>
+              <c:f>Tabelle1!$B$2:$B$7</c:f>
+              <c:numCache>
+                <c:formatCode>General</c:formatCode>
+                <c:ptCount val="6"/>
+                <c:pt idx="0">
+                  <c:v>66</c:v>
+                </c:pt>
+                <c:pt idx="1">
+                  <c:v>97</c:v>
+                </c:pt>
+                <c:pt idx="2">
+                  <c:v>99</c:v>
+                </c:pt>
+                <c:pt idx="3">
+                  <c:v>100</c:v>
+                </c:pt>
+                <c:pt idx="4">
+                  <c:v>100</c:v>
+                </c:pt>
+                <c:pt idx="5">
+                  <c:v>100</c:v>
+                </c:pt>
+              </c:numCache>
+            </c:numRef>
+          </c:val>
+          <c:smooth val="0"/>
+          <c:extLst>
+            <c:ext xmlns:c16="http://schemas.microsoft.com/office/drawing/2014/chart" uri="{C3380CC4-5D6E-409C-BE32-E72D297353CC}">
+              <c16:uniqueId val="{00000000-E07D-4A36-8D86-0CD0B01D1ED0}"/>
+            </c:ext>
+          </c:extLst>
+        </c:ser>
+        <c:ser>
+          <c:idx val="1"/>
+          <c:order val="1"/>
+          <c:tx>
+            <c:strRef>
+              <c:f>Tabelle1!$C$1</c:f>
+              <c:strCache>
+                <c:ptCount val="1"/>
+                <c:pt idx="0">
+                  <c:v>Browser</c:v>
+                </c:pt>
+              </c:strCache>
+            </c:strRef>
+          </c:tx>
+          <c:spPr>
+            <a:ln w="44450" cap="rnd">
+              <a:solidFill>
+                <a:srgbClr val="F48293"/>
+              </a:solidFill>
+              <a:round/>
+            </a:ln>
+            <a:effectLst/>
+          </c:spPr>
+          <c:marker>
+            <c:symbol val="circle"/>
+            <c:size val="5"/>
+            <c:spPr>
+              <a:solidFill>
+                <a:srgbClr val="7D9AA9"/>
+              </a:solidFill>
+              <a:ln w="19050">
+                <a:solidFill>
+                  <a:srgbClr val="F48293"/>
+                </a:solidFill>
+              </a:ln>
+              <a:effectLst/>
+            </c:spPr>
+          </c:marker>
+          <c:cat>
+            <c:numRef>
+              <c:f>Tabelle1!$A$2:$A$7</c:f>
+              <c:numCache>
+                <c:formatCode>General</c:formatCode>
+                <c:ptCount val="6"/>
+                <c:pt idx="0">
+                  <c:v>1</c:v>
+                </c:pt>
+                <c:pt idx="1">
+                  <c:v>2</c:v>
+                </c:pt>
+                <c:pt idx="2">
+                  <c:v>3</c:v>
+                </c:pt>
+                <c:pt idx="3">
+                  <c:v>4</c:v>
+                </c:pt>
+                <c:pt idx="4">
+                  <c:v>5</c:v>
+                </c:pt>
+                <c:pt idx="5">
+                  <c:v>6</c:v>
+                </c:pt>
+              </c:numCache>
+            </c:numRef>
+          </c:cat>
+          <c:val>
+            <c:numRef>
+              <c:f>Tabelle1!$C$2:$C$7</c:f>
+              <c:numCache>
+                <c:formatCode>General</c:formatCode>
+                <c:ptCount val="6"/>
+                <c:pt idx="0">
+                  <c:v>29</c:v>
+                </c:pt>
+                <c:pt idx="1">
+                  <c:v>76</c:v>
+                </c:pt>
+                <c:pt idx="2">
+                  <c:v>95</c:v>
+                </c:pt>
+                <c:pt idx="3">
+                  <c:v>97</c:v>
+                </c:pt>
+                <c:pt idx="4">
+                  <c:v>99</c:v>
+                </c:pt>
+                <c:pt idx="5">
+                  <c:v>100</c:v>
+                </c:pt>
+              </c:numCache>
+            </c:numRef>
+          </c:val>
+          <c:smooth val="0"/>
+          <c:extLst>
+            <c:ext xmlns:c16="http://schemas.microsoft.com/office/drawing/2014/chart" uri="{C3380CC4-5D6E-409C-BE32-E72D297353CC}">
+              <c16:uniqueId val="{00000001-E07D-4A36-8D86-0CD0B01D1ED0}"/>
+            </c:ext>
+          </c:extLst>
+        </c:ser>
+        <c:ser>
+          <c:idx val="2"/>
+          <c:order val="2"/>
+          <c:tx>
+            <c:strRef>
+              <c:f>Tabelle1!$D$1</c:f>
+              <c:strCache>
+                <c:ptCount val="1"/>
+                <c:pt idx="0">
+                  <c:v>Server</c:v>
+                </c:pt>
+              </c:strCache>
+            </c:strRef>
+          </c:tx>
+          <c:spPr>
+            <a:ln w="47625" cap="rnd">
+              <a:solidFill>
+                <a:srgbClr val="E6354F"/>
+              </a:solidFill>
+              <a:round/>
+            </a:ln>
+            <a:effectLst/>
+          </c:spPr>
+          <c:marker>
+            <c:symbol val="circle"/>
+            <c:size val="5"/>
+            <c:spPr>
+              <a:solidFill>
+                <a:schemeClr val="accent3"/>
+              </a:solidFill>
+              <a:ln w="19050">
+                <a:solidFill>
+                  <a:srgbClr val="E6354F"/>
+                </a:solidFill>
+              </a:ln>
+              <a:effectLst/>
+            </c:spPr>
+          </c:marker>
+          <c:cat>
+            <c:numRef>
+              <c:f>Tabelle1!$A$2:$A$7</c:f>
+              <c:numCache>
+                <c:formatCode>General</c:formatCode>
+                <c:ptCount val="6"/>
+                <c:pt idx="0">
+                  <c:v>1</c:v>
+                </c:pt>
+                <c:pt idx="1">
+                  <c:v>2</c:v>
+                </c:pt>
+                <c:pt idx="2">
+                  <c:v>3</c:v>
+                </c:pt>
+                <c:pt idx="3">
+                  <c:v>4</c:v>
+                </c:pt>
+                <c:pt idx="4">
+                  <c:v>5</c:v>
+                </c:pt>
+                <c:pt idx="5">
+                  <c:v>6</c:v>
+                </c:pt>
+              </c:numCache>
+            </c:numRef>
+          </c:cat>
+          <c:val>
+            <c:numRef>
+              <c:f>Tabelle1!$D$2:$D$7</c:f>
+              <c:numCache>
+                <c:formatCode>General</c:formatCode>
+                <c:ptCount val="6"/>
+                <c:pt idx="0">
+                  <c:v>42</c:v>
+                </c:pt>
+                <c:pt idx="1">
+                  <c:v>70</c:v>
+                </c:pt>
+                <c:pt idx="2">
+                  <c:v>89</c:v>
+                </c:pt>
+                <c:pt idx="3">
+                  <c:v>96</c:v>
+                </c:pt>
+                <c:pt idx="4">
+                  <c:v>96</c:v>
+                </c:pt>
+                <c:pt idx="5">
+                  <c:v>100</c:v>
+                </c:pt>
+              </c:numCache>
+            </c:numRef>
+          </c:val>
+          <c:smooth val="0"/>
+          <c:extLst>
+            <c:ext xmlns:c16="http://schemas.microsoft.com/office/drawing/2014/chart" uri="{C3380CC4-5D6E-409C-BE32-E72D297353CC}">
+              <c16:uniqueId val="{00000002-E07D-4A36-8D86-0CD0B01D1ED0}"/>
+            </c:ext>
+          </c:extLst>
+        </c:ser>
+        <c:ser>
+          <c:idx val="3"/>
+          <c:order val="3"/>
+          <c:tx>
+            <c:strRef>
+              <c:f>Tabelle1!$E$1</c:f>
+              <c:strCache>
+                <c:ptCount val="1"/>
+                <c:pt idx="0">
+                  <c:v>NASA GSFC</c:v>
+                </c:pt>
+              </c:strCache>
+            </c:strRef>
+          </c:tx>
+          <c:spPr>
+            <a:ln w="44450" cap="rnd">
+              <a:solidFill>
+                <a:srgbClr val="400F16"/>
+              </a:solidFill>
+              <a:round/>
+            </a:ln>
+            <a:effectLst/>
+          </c:spPr>
+          <c:marker>
+            <c:symbol val="circle"/>
+            <c:size val="5"/>
+            <c:spPr>
+              <a:solidFill>
+                <a:srgbClr val="7D9AA9"/>
+              </a:solidFill>
+              <a:ln w="19050">
+                <a:solidFill>
+                  <a:srgbClr val="400F16"/>
+                </a:solidFill>
+              </a:ln>
+              <a:effectLst/>
+            </c:spPr>
+          </c:marker>
+          <c:cat>
+            <c:numRef>
+              <c:f>Tabelle1!$A$2:$A$7</c:f>
+              <c:numCache>
+                <c:formatCode>General</c:formatCode>
+                <c:ptCount val="6"/>
+                <c:pt idx="0">
+                  <c:v>1</c:v>
+                </c:pt>
+                <c:pt idx="1">
+                  <c:v>2</c:v>
+                </c:pt>
+                <c:pt idx="2">
+                  <c:v>3</c:v>
+                </c:pt>
+                <c:pt idx="3">
+                  <c:v>4</c:v>
+                </c:pt>
+                <c:pt idx="4">
+                  <c:v>5</c:v>
+                </c:pt>
+                <c:pt idx="5">
+                  <c:v>6</c:v>
+                </c:pt>
+              </c:numCache>
+            </c:numRef>
+          </c:cat>
+          <c:val>
+            <c:numRef>
+              <c:f>Tabelle1!$E$2:$E$7</c:f>
+              <c:numCache>
+                <c:formatCode>General</c:formatCode>
+                <c:ptCount val="6"/>
+                <c:pt idx="0">
+                  <c:v>68</c:v>
+                </c:pt>
+                <c:pt idx="1">
+                  <c:v>93</c:v>
+                </c:pt>
+                <c:pt idx="2">
+                  <c:v>98</c:v>
+                </c:pt>
+                <c:pt idx="3">
+                  <c:v>100</c:v>
+                </c:pt>
+                <c:pt idx="4">
+                  <c:v>100</c:v>
+                </c:pt>
+                <c:pt idx="5">
+                  <c:v>100</c:v>
+                </c:pt>
+              </c:numCache>
+            </c:numRef>
+          </c:val>
+          <c:smooth val="0"/>
+          <c:extLst>
+            <c:ext xmlns:c16="http://schemas.microsoft.com/office/drawing/2014/chart" uri="{C3380CC4-5D6E-409C-BE32-E72D297353CC}">
+              <c16:uniqueId val="{00000004-E07D-4A36-8D86-0CD0B01D1ED0}"/>
+            </c:ext>
+          </c:extLst>
+        </c:ser>
+        <c:dLbls>
+          <c:showLegendKey val="0"/>
+          <c:showVal val="0"/>
+          <c:showCatName val="0"/>
+          <c:showSerName val="0"/>
+          <c:showPercent val="0"/>
+          <c:showBubbleSize val="0"/>
+        </c:dLbls>
+        <c:marker val="1"/>
+        <c:smooth val="0"/>
+        <c:axId val="689079160"/>
+        <c:axId val="689080472"/>
+      </c:lineChart>
+      <c:catAx>
+        <c:axId val="689079160"/>
+        <c:scaling>
+          <c:orientation val="minMax"/>
+        </c:scaling>
+        <c:delete val="0"/>
+        <c:axPos val="b"/>
+        <c:title>
+          <c:tx>
+            <c:rich>
+              <a:bodyPr rot="0" spcFirstLastPara="1" vertOverflow="ellipsis" vert="horz" wrap="square" anchor="ctr" anchorCtr="1"/>
+              <a:lstStyle/>
+              <a:p>
+                <a:pPr>
+                  <a:defRPr sz="1600" b="0" i="0" u="none" strike="noStrike" kern="1200" baseline="0">
+                    <a:solidFill>
+                      <a:schemeClr val="tx1"/>
+                    </a:solidFill>
+                    <a:latin typeface="+mn-lt"/>
+                    <a:ea typeface="+mn-ea"/>
+                    <a:cs typeface="+mn-cs"/>
+                  </a:defRPr>
+                </a:pPr>
+                <a:r>
+                  <a:rPr lang="de-DE" dirty="0"/>
+                  <a:t>Anzahl interagierender Parameter</a:t>
+                </a:r>
+              </a:p>
+            </c:rich>
+          </c:tx>
+          <c:overlay val="0"/>
+          <c:spPr>
+            <a:noFill/>
+            <a:ln>
+              <a:noFill/>
+            </a:ln>
+            <a:effectLst/>
+          </c:spPr>
+          <c:txPr>
+            <a:bodyPr rot="0" spcFirstLastPara="1" vertOverflow="ellipsis" vert="horz" wrap="square" anchor="ctr" anchorCtr="1"/>
+            <a:lstStyle/>
+            <a:p>
+              <a:pPr>
+                <a:defRPr sz="1600" b="0" i="0" u="none" strike="noStrike" kern="1200" baseline="0">
+                  <a:solidFill>
+                    <a:schemeClr val="tx1"/>
+                  </a:solidFill>
+                  <a:latin typeface="+mn-lt"/>
+                  <a:ea typeface="+mn-ea"/>
+                  <a:cs typeface="+mn-cs"/>
+                </a:defRPr>
+              </a:pPr>
+              <a:endParaRPr lang="de-DE"/>
+            </a:p>
+          </c:txPr>
+        </c:title>
+        <c:numFmt formatCode="General" sourceLinked="1"/>
+        <c:majorTickMark val="none"/>
+        <c:minorTickMark val="none"/>
+        <c:tickLblPos val="nextTo"/>
+        <c:spPr>
+          <a:noFill/>
+          <a:ln w="9525" cap="flat" cmpd="sng" algn="ctr">
+            <a:solidFill>
+              <a:schemeClr val="tx1">
+                <a:lumMod val="15000"/>
+                <a:lumOff val="85000"/>
+              </a:schemeClr>
+            </a:solidFill>
+            <a:round/>
+          </a:ln>
+          <a:effectLst/>
+        </c:spPr>
+        <c:txPr>
+          <a:bodyPr rot="-60000000" spcFirstLastPara="1" vertOverflow="ellipsis" vert="horz" wrap="square" anchor="ctr" anchorCtr="1"/>
+          <a:lstStyle/>
+          <a:p>
+            <a:pPr>
+              <a:defRPr sz="1600" b="0" i="0" u="none" strike="noStrike" kern="1200" baseline="0">
+                <a:solidFill>
+                  <a:schemeClr val="tx1"/>
+                </a:solidFill>
+                <a:latin typeface="+mn-lt"/>
+                <a:ea typeface="+mn-ea"/>
+                <a:cs typeface="+mn-cs"/>
+              </a:defRPr>
+            </a:pPr>
+            <a:endParaRPr lang="de-DE"/>
+          </a:p>
+        </c:txPr>
+        <c:crossAx val="689080472"/>
+        <c:crosses val="autoZero"/>
+        <c:auto val="1"/>
+        <c:lblAlgn val="ctr"/>
+        <c:lblOffset val="100"/>
+        <c:noMultiLvlLbl val="0"/>
+      </c:catAx>
+      <c:valAx>
+        <c:axId val="689080472"/>
+        <c:scaling>
+          <c:orientation val="minMax"/>
+          <c:max val="105"/>
+          <c:min val="0"/>
+        </c:scaling>
+        <c:delete val="0"/>
+        <c:axPos val="l"/>
+        <c:majorGridlines>
+          <c:spPr>
+            <a:ln w="9525" cap="flat" cmpd="sng" algn="ctr">
+              <a:solidFill>
+                <a:schemeClr val="tx1">
+                  <a:lumMod val="15000"/>
+                  <a:lumOff val="85000"/>
+                </a:schemeClr>
+              </a:solidFill>
+              <a:round/>
+            </a:ln>
+            <a:effectLst/>
+          </c:spPr>
+        </c:majorGridlines>
+        <c:title>
+          <c:tx>
+            <c:rich>
+              <a:bodyPr rot="-5400000" spcFirstLastPara="1" vertOverflow="ellipsis" vert="horz" wrap="square" anchor="ctr" anchorCtr="1"/>
+              <a:lstStyle/>
+              <a:p>
+                <a:pPr>
+                  <a:defRPr sz="1600" b="0" i="0" u="none" strike="noStrike" kern="1200" baseline="0">
+                    <a:solidFill>
+                      <a:schemeClr val="tx1"/>
+                    </a:solidFill>
+                    <a:latin typeface="+mn-lt"/>
+                    <a:ea typeface="+mn-ea"/>
+                    <a:cs typeface="+mn-cs"/>
+                  </a:defRPr>
+                </a:pPr>
+                <a:r>
+                  <a:rPr lang="de-DE"/>
+                  <a:t>Anteil entdeckter Fehler in %</a:t>
+                </a:r>
+              </a:p>
+            </c:rich>
+          </c:tx>
+          <c:overlay val="0"/>
+          <c:spPr>
+            <a:noFill/>
+            <a:ln>
+              <a:noFill/>
+            </a:ln>
+            <a:effectLst/>
+          </c:spPr>
+          <c:txPr>
+            <a:bodyPr rot="-5400000" spcFirstLastPara="1" vertOverflow="ellipsis" vert="horz" wrap="square" anchor="ctr" anchorCtr="1"/>
+            <a:lstStyle/>
+            <a:p>
+              <a:pPr>
+                <a:defRPr sz="1600" b="0" i="0" u="none" strike="noStrike" kern="1200" baseline="0">
+                  <a:solidFill>
+                    <a:schemeClr val="tx1"/>
+                  </a:solidFill>
+                  <a:latin typeface="+mn-lt"/>
+                  <a:ea typeface="+mn-ea"/>
+                  <a:cs typeface="+mn-cs"/>
+                </a:defRPr>
+              </a:pPr>
+              <a:endParaRPr lang="de-DE"/>
+            </a:p>
+          </c:txPr>
+        </c:title>
+        <c:numFmt formatCode="General" sourceLinked="1"/>
+        <c:majorTickMark val="none"/>
+        <c:minorTickMark val="none"/>
+        <c:tickLblPos val="nextTo"/>
+        <c:spPr>
+          <a:noFill/>
+          <a:ln>
+            <a:noFill/>
+          </a:ln>
+          <a:effectLst/>
+        </c:spPr>
+        <c:txPr>
+          <a:bodyPr rot="-60000000" spcFirstLastPara="1" vertOverflow="ellipsis" vert="horz" wrap="square" anchor="ctr" anchorCtr="1"/>
+          <a:lstStyle/>
+          <a:p>
+            <a:pPr>
+              <a:defRPr sz="1600" b="0" i="0" u="none" strike="noStrike" kern="1200" baseline="0">
+                <a:solidFill>
+                  <a:schemeClr val="tx1"/>
+                </a:solidFill>
+                <a:latin typeface="+mn-lt"/>
+                <a:ea typeface="+mn-ea"/>
+                <a:cs typeface="+mn-cs"/>
+              </a:defRPr>
+            </a:pPr>
+            <a:endParaRPr lang="de-DE"/>
+          </a:p>
+        </c:txPr>
+        <c:crossAx val="689079160"/>
+        <c:crosses val="autoZero"/>
+        <c:crossBetween val="between"/>
+      </c:valAx>
+      <c:spPr>
+        <a:noFill/>
+        <a:ln>
+          <a:noFill/>
+        </a:ln>
+        <a:effectLst/>
+      </c:spPr>
+    </c:plotArea>
+    <c:legend>
+      <c:legendPos val="b"/>
+      <c:overlay val="0"/>
+      <c:spPr>
+        <a:noFill/>
+        <a:ln>
+          <a:noFill/>
+        </a:ln>
+        <a:effectLst/>
+      </c:spPr>
+      <c:txPr>
+        <a:bodyPr rot="0" spcFirstLastPara="1" vertOverflow="ellipsis" vert="horz" wrap="square" anchor="ctr" anchorCtr="1"/>
+        <a:lstStyle/>
+        <a:p>
+          <a:pPr>
+            <a:defRPr sz="1600" b="0" i="0" u="none" strike="noStrike" kern="1200" baseline="0">
+              <a:solidFill>
+                <a:schemeClr val="tx1"/>
+              </a:solidFill>
+              <a:latin typeface="+mn-lt"/>
+              <a:ea typeface="+mn-ea"/>
+              <a:cs typeface="+mn-cs"/>
+            </a:defRPr>
+          </a:pPr>
+          <a:endParaRPr lang="de-DE"/>
+        </a:p>
+      </c:txPr>
+    </c:legend>
+    <c:plotVisOnly val="1"/>
+    <c:dispBlanksAs val="gap"/>
+    <c:extLst>
+      <c:ext xmlns:c16r3="http://schemas.microsoft.com/office/drawing/2017/03/chart" uri="{56B9EC1D-385E-4148-901F-78D8002777C0}">
+        <c16r3:dataDisplayOptions16>
+          <c16r3:dispNaAsBlank val="1"/>
+        </c16r3:dataDisplayOptions16>
+      </c:ext>
+    </c:extLst>
+    <c:showDLblsOverMax val="0"/>
+  </c:chart>
+  <c:spPr>
+    <a:noFill/>
+    <a:ln>
+      <a:noFill/>
+    </a:ln>
+    <a:effectLst/>
+  </c:spPr>
+  <c:txPr>
+    <a:bodyPr/>
+    <a:lstStyle/>
+    <a:p>
+      <a:pPr>
+        <a:defRPr sz="1600">
+          <a:solidFill>
+            <a:schemeClr val="tx1"/>
+          </a:solidFill>
+        </a:defRPr>
+      </a:pPr>
+      <a:endParaRPr lang="de-DE"/>
+    </a:p>
+  </c:txPr>
+  <c:externalData r:id="rId3">
+    <c:autoUpdate val="0"/>
+  </c:externalData>
+</c:chartSpace>
+</file>
+
+<file path=ppt/charts/colors1.xml><?xml version="1.0" encoding="utf-8"?>
+<cs:colorStyle xmlns:cs="http://schemas.microsoft.com/office/drawing/2012/chartStyle" xmlns:a="http://schemas.openxmlformats.org/drawingml/2006/main" meth="cycle" id="10">
+  <a:schemeClr val="accent1"/>
+  <a:schemeClr val="accent2"/>
+  <a:schemeClr val="accent3"/>
+  <a:schemeClr val="accent4"/>
+  <a:schemeClr val="accent5"/>
+  <a:schemeClr val="accent6"/>
+  <cs:variation/>
+  <cs:variation>
+    <a:lumMod val="60000"/>
+  </cs:variation>
+  <cs:variation>
+    <a:lumMod val="80000"/>
+    <a:lumOff val="20000"/>
+  </cs:variation>
+  <cs:variation>
+    <a:lumMod val="80000"/>
+  </cs:variation>
+  <cs:variation>
+    <a:lumMod val="60000"/>
+    <a:lumOff val="40000"/>
+  </cs:variation>
+  <cs:variation>
+    <a:lumMod val="50000"/>
+  </cs:variation>
+  <cs:variation>
+    <a:lumMod val="70000"/>
+    <a:lumOff val="30000"/>
+  </cs:variation>
+  <cs:variation>
+    <a:lumMod val="70000"/>
+  </cs:variation>
+  <cs:variation>
+    <a:lumMod val="50000"/>
+    <a:lumOff val="50000"/>
+  </cs:variation>
+</cs:colorStyle>
+</file>
+
+<file path=ppt/charts/colors2.xml><?xml version="1.0" encoding="utf-8"?>
+<cs:colorStyle xmlns:cs="http://schemas.microsoft.com/office/drawing/2012/chartStyle" xmlns:a="http://schemas.openxmlformats.org/drawingml/2006/main" meth="cycle" id="10">
+  <a:schemeClr val="accent1"/>
+  <a:schemeClr val="accent2"/>
+  <a:schemeClr val="accent3"/>
+  <a:schemeClr val="accent4"/>
+  <a:schemeClr val="accent5"/>
+  <a:schemeClr val="accent6"/>
+  <cs:variation/>
+  <cs:variation>
+    <a:lumMod val="60000"/>
+  </cs:variation>
+  <cs:variation>
+    <a:lumMod val="80000"/>
+    <a:lumOff val="20000"/>
+  </cs:variation>
+  <cs:variation>
+    <a:lumMod val="80000"/>
+  </cs:variation>
+  <cs:variation>
+    <a:lumMod val="60000"/>
+    <a:lumOff val="40000"/>
+  </cs:variation>
+  <cs:variation>
+    <a:lumMod val="50000"/>
+  </cs:variation>
+  <cs:variation>
+    <a:lumMod val="70000"/>
+    <a:lumOff val="30000"/>
+  </cs:variation>
+  <cs:variation>
+    <a:lumMod val="70000"/>
+  </cs:variation>
+  <cs:variation>
+    <a:lumMod val="50000"/>
+    <a:lumOff val="50000"/>
+  </cs:variation>
+</cs:colorStyle>
+</file>
+
+<file path=ppt/charts/colors3.xml><?xml version="1.0" encoding="utf-8"?>
+<cs:colorStyle xmlns:cs="http://schemas.microsoft.com/office/drawing/2012/chartStyle" xmlns:a="http://schemas.openxmlformats.org/drawingml/2006/main" meth="cycle" id="10">
+  <a:schemeClr val="accent1"/>
+  <a:schemeClr val="accent2"/>
+  <a:schemeClr val="accent3"/>
+  <a:schemeClr val="accent4"/>
+  <a:schemeClr val="accent5"/>
+  <a:schemeClr val="accent6"/>
+  <cs:variation/>
+  <cs:variation>
+    <a:lumMod val="60000"/>
+  </cs:variation>
+  <cs:variation>
+    <a:lumMod val="80000"/>
+    <a:lumOff val="20000"/>
+  </cs:variation>
+  <cs:variation>
+    <a:lumMod val="80000"/>
+  </cs:variation>
+  <cs:variation>
+    <a:lumMod val="60000"/>
+    <a:lumOff val="40000"/>
+  </cs:variation>
+  <cs:variation>
+    <a:lumMod val="50000"/>
+  </cs:variation>
+  <cs:variation>
+    <a:lumMod val="70000"/>
+    <a:lumOff val="30000"/>
+  </cs:variation>
+  <cs:variation>
+    <a:lumMod val="70000"/>
+  </cs:variation>
+  <cs:variation>
+    <a:lumMod val="50000"/>
+    <a:lumOff val="50000"/>
+  </cs:variation>
+</cs:colorStyle>
+</file>
+
+<file path=ppt/charts/colors4.xml><?xml version="1.0" encoding="utf-8"?>
+<cs:colorStyle xmlns:cs="http://schemas.microsoft.com/office/drawing/2012/chartStyle" xmlns:a="http://schemas.openxmlformats.org/drawingml/2006/main" meth="cycle" id="10">
+  <a:schemeClr val="accent1"/>
+  <a:schemeClr val="accent2"/>
+  <a:schemeClr val="accent3"/>
+  <a:schemeClr val="accent4"/>
+  <a:schemeClr val="accent5"/>
+  <a:schemeClr val="accent6"/>
+  <cs:variation/>
+  <cs:variation>
+    <a:lumMod val="60000"/>
+  </cs:variation>
+  <cs:variation>
+    <a:lumMod val="80000"/>
+    <a:lumOff val="20000"/>
+  </cs:variation>
+  <cs:variation>
+    <a:lumMod val="80000"/>
+  </cs:variation>
+  <cs:variation>
+    <a:lumMod val="60000"/>
+    <a:lumOff val="40000"/>
+  </cs:variation>
+  <cs:variation>
+    <a:lumMod val="50000"/>
+  </cs:variation>
+  <cs:variation>
+    <a:lumMod val="70000"/>
+    <a:lumOff val="30000"/>
+  </cs:variation>
+  <cs:variation>
+    <a:lumMod val="70000"/>
+  </cs:variation>
+  <cs:variation>
+    <a:lumMod val="50000"/>
+    <a:lumOff val="50000"/>
+  </cs:variation>
+</cs:colorStyle>
+</file>
+
+<file path=ppt/charts/style1.xml><?xml version="1.0" encoding="utf-8"?>
+<cs:chartStyle xmlns:cs="http://schemas.microsoft.com/office/drawing/2012/chartStyle" xmlns:a="http://schemas.openxmlformats.org/drawingml/2006/main" id="332">
+  <cs:axisTitle>
+    <cs:lnRef idx="0"/>
+    <cs:fillRef idx="0"/>
+    <cs:effectRef idx="0"/>
+    <cs:fontRef idx="minor">
+      <a:schemeClr val="tx1">
+        <a:lumMod val="65000"/>
+        <a:lumOff val="35000"/>
+      </a:schemeClr>
+    </cs:fontRef>
+    <cs:defRPr sz="1000" kern="1200"/>
+  </cs:axisTitle>
+  <cs:categoryAxis>
+    <cs:lnRef idx="0"/>
+    <cs:fillRef idx="0"/>
+    <cs:effectRef idx="0"/>
+    <cs:fontRef idx="minor">
+      <a:schemeClr val="tx1">
+        <a:lumMod val="65000"/>
+        <a:lumOff val="35000"/>
+      </a:schemeClr>
+    </cs:fontRef>
+    <cs:spPr>
+      <a:ln w="9525" cap="flat" cmpd="sng" algn="ctr">
+        <a:solidFill>
+          <a:schemeClr val="tx1">
+            <a:lumMod val="15000"/>
+            <a:lumOff val="85000"/>
+          </a:schemeClr>
+        </a:solidFill>
+        <a:round/>
+      </a:ln>
+    </cs:spPr>
+    <cs:defRPr sz="900" kern="1200"/>
+  </cs:categoryAxis>
+  <cs:chartArea mods="allowNoFillOverride allowNoLineOverride">
+    <cs:lnRef idx="0"/>
+    <cs:fillRef idx="0"/>
+    <cs:effectRef idx="0"/>
+    <cs:fontRef idx="minor">
+      <a:schemeClr val="tx1"/>
+    </cs:fontRef>
+    <cs:spPr>
+      <a:solidFill>
+        <a:schemeClr val="bg1"/>
+      </a:solidFill>
+      <a:ln w="9525" cap="flat" cmpd="sng" algn="ctr">
+        <a:solidFill>
+          <a:schemeClr val="tx1">
+            <a:lumMod val="15000"/>
+            <a:lumOff val="85000"/>
+          </a:schemeClr>
+        </a:solidFill>
+        <a:round/>
+      </a:ln>
+    </cs:spPr>
+    <cs:defRPr sz="1000" kern="1200"/>
+  </cs:chartArea>
+  <cs:dataLabel>
+    <cs:lnRef idx="0"/>
+    <cs:fillRef idx="0"/>
+    <cs:effectRef idx="0"/>
+    <cs:fontRef idx="minor">
+      <a:schemeClr val="tx1">
+        <a:lumMod val="75000"/>
+        <a:lumOff val="25000"/>
+      </a:schemeClr>
+    </cs:fontRef>
+    <cs:defRPr sz="900" kern="1200"/>
+  </cs:dataLabel>
+  <cs:dataLabelCallout>
+    <cs:lnRef idx="0"/>
+    <cs:fillRef idx="0"/>
+    <cs:effectRef idx="0"/>
+    <cs:fontRef idx="minor">
+      <a:schemeClr val="dk1">
+        <a:lumMod val="65000"/>
+        <a:lumOff val="35000"/>
+      </a:schemeClr>
+    </cs:fontRef>
+    <cs:spPr>
+      <a:solidFill>
+        <a:schemeClr val="lt1"/>
+      </a:solidFill>
+      <a:ln>
+        <a:solidFill>
+          <a:schemeClr val="dk1">
+            <a:lumMod val="25000"/>
+            <a:lumOff val="75000"/>
+          </a:schemeClr>
+        </a:solidFill>
+      </a:ln>
+    </cs:spPr>
+    <cs:defRPr sz="900" kern="1200"/>
+    <cs:bodyPr rot="0" spcFirstLastPara="1" vertOverflow="clip" horzOverflow="clip" vert="horz" wrap="square" lIns="36576" tIns="18288" rIns="36576" bIns="18288" anchor="ctr" anchorCtr="1">
+      <a:spAutoFit/>
+    </cs:bodyPr>
+  </cs:dataLabelCallout>
+  <cs:dataPoint>
+    <cs:lnRef idx="0"/>
+    <cs:fillRef idx="1">
+      <cs:styleClr val="auto"/>
+    </cs:fillRef>
+    <cs:effectRef idx="0"/>
+    <cs:fontRef idx="minor">
+      <a:schemeClr val="tx1"/>
+    </cs:fontRef>
+  </cs:dataPoint>
+  <cs:dataPoint3D>
+    <cs:lnRef idx="0"/>
+    <cs:fillRef idx="1">
+      <cs:styleClr val="auto"/>
+    </cs:fillRef>
+    <cs:effectRef idx="0"/>
+    <cs:fontRef idx="minor">
+      <a:schemeClr val="tx1"/>
+    </cs:fontRef>
+  </cs:dataPoint3D>
+  <cs:dataPointLine>
+    <cs:lnRef idx="0">
+      <cs:styleClr val="auto"/>
+    </cs:lnRef>
+    <cs:fillRef idx="1"/>
+    <cs:effectRef idx="0"/>
+    <cs:fontRef idx="minor">
+      <a:schemeClr val="tx1"/>
+    </cs:fontRef>
+    <cs:spPr>
+      <a:ln w="28575" cap="rnd">
+        <a:solidFill>
+          <a:schemeClr val="phClr"/>
+        </a:solidFill>
+        <a:round/>
+      </a:ln>
+    </cs:spPr>
+  </cs:dataPointLine>
+  <cs:dataPointMarker>
+    <cs:lnRef idx="0">
+      <cs:styleClr val="auto"/>
+    </cs:lnRef>
+    <cs:fillRef idx="1">
+      <cs:styleClr val="auto"/>
+    </cs:fillRef>
+    <cs:effectRef idx="0"/>
+    <cs:fontRef idx="minor">
+      <a:schemeClr val="tx1"/>
+    </cs:fontRef>
+    <cs:spPr>
+      <a:ln w="9525">
+        <a:solidFill>
+          <a:schemeClr val="phClr"/>
+        </a:solidFill>
+      </a:ln>
+    </cs:spPr>
+  </cs:dataPointMarker>
+  <cs:dataPointMarkerLayout symbol="circle" size="5"/>
+  <cs:dataPointWireframe>
+    <cs:lnRef idx="0">
+      <cs:styleClr val="auto"/>
+    </cs:lnRef>
+    <cs:fillRef idx="1"/>
+    <cs:effectRef idx="0"/>
+    <cs:fontRef idx="minor">
+      <a:schemeClr val="tx1"/>
+    </cs:fontRef>
+    <cs:spPr>
+      <a:ln w="9525" cap="rnd">
+        <a:solidFill>
+          <a:schemeClr val="phClr"/>
+        </a:solidFill>
+        <a:round/>
+      </a:ln>
+    </cs:spPr>
+  </cs:dataPointWireframe>
+  <cs:dataTable>
+    <cs:lnRef idx="0"/>
+    <cs:fillRef idx="0"/>
+    <cs:effectRef idx="0"/>
+    <cs:fontRef idx="minor">
+      <a:schemeClr val="tx1">
+        <a:lumMod val="65000"/>
+        <a:lumOff val="35000"/>
+      </a:schemeClr>
+    </cs:fontRef>
+    <cs:spPr>
+      <a:noFill/>
+      <a:ln w="9525" cap="flat" cmpd="sng" algn="ctr">
+        <a:solidFill>
+          <a:schemeClr val="tx1">
+            <a:lumMod val="15000"/>
+            <a:lumOff val="85000"/>
+          </a:schemeClr>
+        </a:solidFill>
+        <a:round/>
+      </a:ln>
+    </cs:spPr>
+    <cs:defRPr sz="900" kern="1200"/>
+  </cs:dataTable>
+  <cs:downBar>
+    <cs:lnRef idx="0"/>
+    <cs:fillRef idx="0"/>
+    <cs:effectRef idx="0"/>
+    <cs:fontRef idx="minor">
+      <a:schemeClr val="dk1"/>
+    </cs:fontRef>
+    <cs:spPr>
+      <a:solidFill>
+        <a:schemeClr val="dk1">
+          <a:lumMod val="65000"/>
+          <a:lumOff val="35000"/>
+        </a:schemeClr>
+      </a:solidFill>
+      <a:ln w="9525">
+        <a:solidFill>
+          <a:schemeClr val="tx1">
+            <a:lumMod val="65000"/>
+            <a:lumOff val="35000"/>
+          </a:schemeClr>
+        </a:solidFill>
+      </a:ln>
+    </cs:spPr>
+  </cs:downBar>
+  <cs:dropLine>
+    <cs:lnRef idx="0"/>
+    <cs:fillRef idx="0"/>
+    <cs:effectRef idx="0"/>
+    <cs:fontRef idx="minor">
+      <a:schemeClr val="tx1"/>
+    </cs:fontRef>
+    <cs:spPr>
+      <a:ln w="9525" cap="flat" cmpd="sng" algn="ctr">
+        <a:solidFill>
+          <a:schemeClr val="tx1">
+            <a:lumMod val="35000"/>
+            <a:lumOff val="65000"/>
+          </a:schemeClr>
+        </a:solidFill>
+        <a:round/>
+      </a:ln>
+    </cs:spPr>
+  </cs:dropLine>
+  <cs:errorBar>
+    <cs:lnRef idx="0"/>
+    <cs:fillRef idx="0"/>
+    <cs:effectRef idx="0"/>
+    <cs:fontRef idx="minor">
+      <a:schemeClr val="tx1"/>
+    </cs:fontRef>
+    <cs:spPr>
+      <a:ln w="9525" cap="flat" cmpd="sng" algn="ctr">
+        <a:solidFill>
+          <a:schemeClr val="tx1">
+            <a:lumMod val="65000"/>
+            <a:lumOff val="35000"/>
+          </a:schemeClr>
+        </a:solidFill>
+        <a:round/>
+      </a:ln>
+    </cs:spPr>
+  </cs:errorBar>
+  <cs:floor>
+    <cs:lnRef idx="0"/>
+    <cs:fillRef idx="0"/>
+    <cs:effectRef idx="0"/>
+    <cs:fontRef idx="minor">
+      <a:schemeClr val="tx1"/>
+    </cs:fontRef>
+    <cs:spPr>
+      <a:noFill/>
+      <a:ln>
+        <a:noFill/>
+      </a:ln>
+    </cs:spPr>
+  </cs:floor>
+  <cs:gridlineMajor>
+    <cs:lnRef idx="0"/>
+    <cs:fillRef idx="0"/>
+    <cs:effectRef idx="0"/>
+    <cs:fontRef idx="minor">
+      <a:schemeClr val="tx1"/>
+    </cs:fontRef>
+    <cs:spPr>
+      <a:ln w="9525" cap="flat" cmpd="sng" algn="ctr">
+        <a:solidFill>
+          <a:schemeClr val="tx1">
+            <a:lumMod val="15000"/>
+            <a:lumOff val="85000"/>
+          </a:schemeClr>
+        </a:solidFill>
+        <a:round/>
+      </a:ln>
+    </cs:spPr>
+  </cs:gridlineMajor>
+  <cs:gridlineMinor>
+    <cs:lnRef idx="0"/>
+    <cs:fillRef idx="0"/>
+    <cs:effectRef idx="0"/>
+    <cs:fontRef idx="minor">
+      <a:schemeClr val="tx1"/>
+    </cs:fontRef>
+    <cs:spPr>
+      <a:ln w="9525" cap="flat" cmpd="sng" algn="ctr">
+        <a:solidFill>
+          <a:schemeClr val="tx1">
+            <a:lumMod val="5000"/>
+            <a:lumOff val="95000"/>
+          </a:schemeClr>
+        </a:solidFill>
+        <a:round/>
+      </a:ln>
+    </cs:spPr>
+  </cs:gridlineMinor>
+  <cs:hiLoLine>
+    <cs:lnRef idx="0"/>
+    <cs:fillRef idx="0"/>
+    <cs:effectRef idx="0"/>
+    <cs:fontRef idx="minor">
+      <a:schemeClr val="tx1"/>
+    </cs:fontRef>
+    <cs:spPr>
+      <a:ln w="9525" cap="flat" cmpd="sng" algn="ctr">
+        <a:solidFill>
+          <a:schemeClr val="tx1">
+            <a:lumMod val="75000"/>
+            <a:lumOff val="25000"/>
+          </a:schemeClr>
+        </a:solidFill>
+        <a:round/>
+      </a:ln>
+    </cs:spPr>
+  </cs:hiLoLine>
+  <cs:leaderLine>
+    <cs:lnRef idx="0"/>
+    <cs:fillRef idx="0"/>
+    <cs:effectRef idx="0"/>
+    <cs:fontRef idx="minor">
+      <a:schemeClr val="tx1"/>
+    </cs:fontRef>
+    <cs:spPr>
+      <a:ln w="9525" cap="flat" cmpd="sng" algn="ctr">
+        <a:solidFill>
+          <a:schemeClr val="tx1">
+            <a:lumMod val="35000"/>
+            <a:lumOff val="65000"/>
+          </a:schemeClr>
+        </a:solidFill>
+        <a:round/>
+      </a:ln>
+    </cs:spPr>
+  </cs:leaderLine>
+  <cs:legend>
+    <cs:lnRef idx="0"/>
+    <cs:fillRef idx="0"/>
+    <cs:effectRef idx="0"/>
+    <cs:fontRef idx="minor">
+      <a:schemeClr val="tx1">
+        <a:lumMod val="65000"/>
+        <a:lumOff val="35000"/>
+      </a:schemeClr>
+    </cs:fontRef>
+    <cs:defRPr sz="900" kern="1200"/>
+  </cs:legend>
+  <cs:plotArea mods="allowNoFillOverride allowNoLineOverride">
+    <cs:lnRef idx="0"/>
+    <cs:fillRef idx="0"/>
+    <cs:effectRef idx="0"/>
+    <cs:fontRef idx="minor">
+      <a:schemeClr val="tx1"/>
+    </cs:fontRef>
+  </cs:plotArea>
+  <cs:plotArea3D mods="allowNoFillOverride allowNoLineOverride">
+    <cs:lnRef idx="0"/>
+    <cs:fillRef idx="0"/>
+    <cs:effectRef idx="0"/>
+    <cs:fontRef idx="minor">
+      <a:schemeClr val="tx1"/>
+    </cs:fontRef>
+  </cs:plotArea3D>
+  <cs:seriesAxis>
+    <cs:lnRef idx="0"/>
+    <cs:fillRef idx="0"/>
+    <cs:effectRef idx="0"/>
+    <cs:fontRef idx="minor">
+      <a:schemeClr val="tx1">
+        <a:lumMod val="65000"/>
+        <a:lumOff val="35000"/>
+      </a:schemeClr>
+    </cs:fontRef>
+    <cs:defRPr sz="900" kern="1200"/>
+  </cs:seriesAxis>
+  <cs:seriesLine>
+    <cs:lnRef idx="0"/>
+    <cs:fillRef idx="0"/>
+    <cs:effectRef idx="0"/>
+    <cs:fontRef idx="minor">
+      <a:schemeClr val="tx1"/>
+    </cs:fontRef>
+    <cs:spPr>
+      <a:ln w="9525" cap="flat" cmpd="sng" algn="ctr">
+        <a:solidFill>
+          <a:schemeClr val="tx1">
+            <a:lumMod val="35000"/>
+            <a:lumOff val="65000"/>
+          </a:schemeClr>
+        </a:solidFill>
+        <a:round/>
+      </a:ln>
+    </cs:spPr>
+  </cs:seriesLine>
+  <cs:title>
+    <cs:lnRef idx="0"/>
+    <cs:fillRef idx="0"/>
+    <cs:effectRef idx="0"/>
+    <cs:fontRef idx="minor">
+      <a:schemeClr val="tx1">
+        <a:lumMod val="65000"/>
+        <a:lumOff val="35000"/>
+      </a:schemeClr>
+    </cs:fontRef>
+    <cs:defRPr sz="1400" b="0" kern="1200" spc="0" baseline="0"/>
+  </cs:title>
+  <cs:trendline>
+    <cs:lnRef idx="0">
+      <cs:styleClr val="auto"/>
+    </cs:lnRef>
+    <cs:fillRef idx="0"/>
+    <cs:effectRef idx="0"/>
+    <cs:fontRef idx="minor">
+      <a:schemeClr val="tx1"/>
+    </cs:fontRef>
+    <cs:spPr>
+      <a:ln w="19050" cap="rnd">
+        <a:solidFill>
+          <a:schemeClr val="phClr"/>
+        </a:solidFill>
+        <a:prstDash val="sysDot"/>
+      </a:ln>
+    </cs:spPr>
+  </cs:trendline>
+  <cs:trendlineLabel>
+    <cs:lnRef idx="0"/>
+    <cs:fillRef idx="0"/>
+    <cs:effectRef idx="0"/>
+    <cs:fontRef idx="minor">
+      <a:schemeClr val="tx1">
+        <a:lumMod val="65000"/>
+        <a:lumOff val="35000"/>
+      </a:schemeClr>
+    </cs:fontRef>
+    <cs:defRPr sz="900" kern="1200"/>
+  </cs:trendlineLabel>
+  <cs:upBar>
+    <cs:lnRef idx="0"/>
+    <cs:fillRef idx="0"/>
+    <cs:effectRef idx="0"/>
+    <cs:fontRef idx="minor">
+      <a:schemeClr val="dk1"/>
+    </cs:fontRef>
+    <cs:spPr>
+      <a:solidFill>
+        <a:schemeClr val="lt1"/>
+      </a:solidFill>
+      <a:ln w="9525">
+        <a:solidFill>
+          <a:schemeClr val="tx1">
+            <a:lumMod val="15000"/>
+            <a:lumOff val="85000"/>
+          </a:schemeClr>
+        </a:solidFill>
+      </a:ln>
+    </cs:spPr>
+  </cs:upBar>
+  <cs:valueAxis>
+    <cs:lnRef idx="0"/>
+    <cs:fillRef idx="0"/>
+    <cs:effectRef idx="0"/>
+    <cs:fontRef idx="minor">
+      <a:schemeClr val="tx1">
+        <a:lumMod val="65000"/>
+        <a:lumOff val="35000"/>
+      </a:schemeClr>
+    </cs:fontRef>
+    <cs:defRPr sz="900" kern="1200"/>
+  </cs:valueAxis>
+  <cs:wall>
+    <cs:lnRef idx="0"/>
+    <cs:fillRef idx="0"/>
+    <cs:effectRef idx="0"/>
+    <cs:fontRef idx="minor">
+      <a:schemeClr val="tx1"/>
+    </cs:fontRef>
+    <cs:spPr>
+      <a:noFill/>
+      <a:ln>
+        <a:noFill/>
+      </a:ln>
+    </cs:spPr>
+  </cs:wall>
+</cs:chartStyle>
+</file>
+
+<file path=ppt/charts/style2.xml><?xml version="1.0" encoding="utf-8"?>
+<cs:chartStyle xmlns:cs="http://schemas.microsoft.com/office/drawing/2012/chartStyle" xmlns:a="http://schemas.openxmlformats.org/drawingml/2006/main" id="332">
+  <cs:axisTitle>
+    <cs:lnRef idx="0"/>
+    <cs:fillRef idx="0"/>
+    <cs:effectRef idx="0"/>
+    <cs:fontRef idx="minor">
+      <a:schemeClr val="tx1">
+        <a:lumMod val="65000"/>
+        <a:lumOff val="35000"/>
+      </a:schemeClr>
+    </cs:fontRef>
+    <cs:defRPr sz="1000" kern="1200"/>
+  </cs:axisTitle>
+  <cs:categoryAxis>
+    <cs:lnRef idx="0"/>
+    <cs:fillRef idx="0"/>
+    <cs:effectRef idx="0"/>
+    <cs:fontRef idx="minor">
+      <a:schemeClr val="tx1">
+        <a:lumMod val="65000"/>
+        <a:lumOff val="35000"/>
+      </a:schemeClr>
+    </cs:fontRef>
+    <cs:spPr>
+      <a:ln w="9525" cap="flat" cmpd="sng" algn="ctr">
+        <a:solidFill>
+          <a:schemeClr val="tx1">
+            <a:lumMod val="15000"/>
+            <a:lumOff val="85000"/>
+          </a:schemeClr>
+        </a:solidFill>
+        <a:round/>
+      </a:ln>
+    </cs:spPr>
+    <cs:defRPr sz="900" kern="1200"/>
+  </cs:categoryAxis>
+  <cs:chartArea mods="allowNoFillOverride allowNoLineOverride">
+    <cs:lnRef idx="0"/>
+    <cs:fillRef idx="0"/>
+    <cs:effectRef idx="0"/>
+    <cs:fontRef idx="minor">
+      <a:schemeClr val="tx1"/>
+    </cs:fontRef>
+    <cs:spPr>
+      <a:solidFill>
+        <a:schemeClr val="bg1"/>
+      </a:solidFill>
+      <a:ln w="9525" cap="flat" cmpd="sng" algn="ctr">
+        <a:solidFill>
+          <a:schemeClr val="tx1">
+            <a:lumMod val="15000"/>
+            <a:lumOff val="85000"/>
+          </a:schemeClr>
+        </a:solidFill>
+        <a:round/>
+      </a:ln>
+    </cs:spPr>
+    <cs:defRPr sz="1000" kern="1200"/>
+  </cs:chartArea>
+  <cs:dataLabel>
+    <cs:lnRef idx="0"/>
+    <cs:fillRef idx="0"/>
+    <cs:effectRef idx="0"/>
+    <cs:fontRef idx="minor">
+      <a:schemeClr val="tx1">
+        <a:lumMod val="75000"/>
+        <a:lumOff val="25000"/>
+      </a:schemeClr>
+    </cs:fontRef>
+    <cs:defRPr sz="900" kern="1200"/>
+  </cs:dataLabel>
+  <cs:dataLabelCallout>
+    <cs:lnRef idx="0"/>
+    <cs:fillRef idx="0"/>
+    <cs:effectRef idx="0"/>
+    <cs:fontRef idx="minor">
+      <a:schemeClr val="dk1">
+        <a:lumMod val="65000"/>
+        <a:lumOff val="35000"/>
+      </a:schemeClr>
+    </cs:fontRef>
+    <cs:spPr>
+      <a:solidFill>
+        <a:schemeClr val="lt1"/>
+      </a:solidFill>
+      <a:ln>
+        <a:solidFill>
+          <a:schemeClr val="dk1">
+            <a:lumMod val="25000"/>
+            <a:lumOff val="75000"/>
+          </a:schemeClr>
+        </a:solidFill>
+      </a:ln>
+    </cs:spPr>
+    <cs:defRPr sz="900" kern="1200"/>
+    <cs:bodyPr rot="0" spcFirstLastPara="1" vertOverflow="clip" horzOverflow="clip" vert="horz" wrap="square" lIns="36576" tIns="18288" rIns="36576" bIns="18288" anchor="ctr" anchorCtr="1">
+      <a:spAutoFit/>
+    </cs:bodyPr>
+  </cs:dataLabelCallout>
+  <cs:dataPoint>
+    <cs:lnRef idx="0"/>
+    <cs:fillRef idx="1">
+      <cs:styleClr val="auto"/>
+    </cs:fillRef>
+    <cs:effectRef idx="0"/>
+    <cs:fontRef idx="minor">
+      <a:schemeClr val="tx1"/>
+    </cs:fontRef>
+  </cs:dataPoint>
+  <cs:dataPoint3D>
+    <cs:lnRef idx="0"/>
+    <cs:fillRef idx="1">
+      <cs:styleClr val="auto"/>
+    </cs:fillRef>
+    <cs:effectRef idx="0"/>
+    <cs:fontRef idx="minor">
+      <a:schemeClr val="tx1"/>
+    </cs:fontRef>
+  </cs:dataPoint3D>
+  <cs:dataPointLine>
+    <cs:lnRef idx="0">
+      <cs:styleClr val="auto"/>
+    </cs:lnRef>
+    <cs:fillRef idx="1"/>
+    <cs:effectRef idx="0"/>
+    <cs:fontRef idx="minor">
+      <a:schemeClr val="tx1"/>
+    </cs:fontRef>
+    <cs:spPr>
+      <a:ln w="28575" cap="rnd">
+        <a:solidFill>
+          <a:schemeClr val="phClr"/>
+        </a:solidFill>
+        <a:round/>
+      </a:ln>
+    </cs:spPr>
+  </cs:dataPointLine>
+  <cs:dataPointMarker>
+    <cs:lnRef idx="0">
+      <cs:styleClr val="auto"/>
+    </cs:lnRef>
+    <cs:fillRef idx="1">
+      <cs:styleClr val="auto"/>
+    </cs:fillRef>
+    <cs:effectRef idx="0"/>
+    <cs:fontRef idx="minor">
+      <a:schemeClr val="tx1"/>
+    </cs:fontRef>
+    <cs:spPr>
+      <a:ln w="9525">
+        <a:solidFill>
+          <a:schemeClr val="phClr"/>
+        </a:solidFill>
+      </a:ln>
+    </cs:spPr>
+  </cs:dataPointMarker>
+  <cs:dataPointMarkerLayout symbol="circle" size="5"/>
+  <cs:dataPointWireframe>
+    <cs:lnRef idx="0">
+      <cs:styleClr val="auto"/>
+    </cs:lnRef>
+    <cs:fillRef idx="1"/>
+    <cs:effectRef idx="0"/>
+    <cs:fontRef idx="minor">
+      <a:schemeClr val="tx1"/>
+    </cs:fontRef>
+    <cs:spPr>
+      <a:ln w="9525" cap="rnd">
+        <a:solidFill>
+          <a:schemeClr val="phClr"/>
+        </a:solidFill>
+        <a:round/>
+      </a:ln>
+    </cs:spPr>
+  </cs:dataPointWireframe>
+  <cs:dataTable>
+    <cs:lnRef idx="0"/>
+    <cs:fillRef idx="0"/>
+    <cs:effectRef idx="0"/>
+    <cs:fontRef idx="minor">
+      <a:schemeClr val="tx1">
+        <a:lumMod val="65000"/>
+        <a:lumOff val="35000"/>
+      </a:schemeClr>
+    </cs:fontRef>
+    <cs:spPr>
+      <a:noFill/>
+      <a:ln w="9525" cap="flat" cmpd="sng" algn="ctr">
+        <a:solidFill>
+          <a:schemeClr val="tx1">
+            <a:lumMod val="15000"/>
+            <a:lumOff val="85000"/>
+          </a:schemeClr>
+        </a:solidFill>
+        <a:round/>
+      </a:ln>
+    </cs:spPr>
+    <cs:defRPr sz="900" kern="1200"/>
+  </cs:dataTable>
+  <cs:downBar>
+    <cs:lnRef idx="0"/>
+    <cs:fillRef idx="0"/>
+    <cs:effectRef idx="0"/>
+    <cs:fontRef idx="minor">
+      <a:schemeClr val="dk1"/>
+    </cs:fontRef>
+    <cs:spPr>
+      <a:solidFill>
+        <a:schemeClr val="dk1">
+          <a:lumMod val="65000"/>
+          <a:lumOff val="35000"/>
+        </a:schemeClr>
+      </a:solidFill>
+      <a:ln w="9525">
+        <a:solidFill>
+          <a:schemeClr val="tx1">
+            <a:lumMod val="65000"/>
+            <a:lumOff val="35000"/>
+          </a:schemeClr>
+        </a:solidFill>
+      </a:ln>
+    </cs:spPr>
+  </cs:downBar>
+  <cs:dropLine>
+    <cs:lnRef idx="0"/>
+    <cs:fillRef idx="0"/>
+    <cs:effectRef idx="0"/>
+    <cs:fontRef idx="minor">
+      <a:schemeClr val="tx1"/>
+    </cs:fontRef>
+    <cs:spPr>
+      <a:ln w="9525" cap="flat" cmpd="sng" algn="ctr">
+        <a:solidFill>
+          <a:schemeClr val="tx1">
+            <a:lumMod val="35000"/>
+            <a:lumOff val="65000"/>
+          </a:schemeClr>
+        </a:solidFill>
+        <a:round/>
+      </a:ln>
+    </cs:spPr>
+  </cs:dropLine>
+  <cs:errorBar>
+    <cs:lnRef idx="0"/>
+    <cs:fillRef idx="0"/>
+    <cs:effectRef idx="0"/>
+    <cs:fontRef idx="minor">
+      <a:schemeClr val="tx1"/>
+    </cs:fontRef>
+    <cs:spPr>
+      <a:ln w="9525" cap="flat" cmpd="sng" algn="ctr">
+        <a:solidFill>
+          <a:schemeClr val="tx1">
+            <a:lumMod val="65000"/>
+            <a:lumOff val="35000"/>
+          </a:schemeClr>
+        </a:solidFill>
+        <a:round/>
+      </a:ln>
+    </cs:spPr>
+  </cs:errorBar>
+  <cs:floor>
+    <cs:lnRef idx="0"/>
+    <cs:fillRef idx="0"/>
+    <cs:effectRef idx="0"/>
+    <cs:fontRef idx="minor">
+      <a:schemeClr val="tx1"/>
+    </cs:fontRef>
+    <cs:spPr>
+      <a:noFill/>
+      <a:ln>
+        <a:noFill/>
+      </a:ln>
+    </cs:spPr>
+  </cs:floor>
+  <cs:gridlineMajor>
+    <cs:lnRef idx="0"/>
+    <cs:fillRef idx="0"/>
+    <cs:effectRef idx="0"/>
+    <cs:fontRef idx="minor">
+      <a:schemeClr val="tx1"/>
+    </cs:fontRef>
+    <cs:spPr>
+      <a:ln w="9525" cap="flat" cmpd="sng" algn="ctr">
+        <a:solidFill>
+          <a:schemeClr val="tx1">
+            <a:lumMod val="15000"/>
+            <a:lumOff val="85000"/>
+          </a:schemeClr>
+        </a:solidFill>
+        <a:round/>
+      </a:ln>
+    </cs:spPr>
+  </cs:gridlineMajor>
+  <cs:gridlineMinor>
+    <cs:lnRef idx="0"/>
+    <cs:fillRef idx="0"/>
+    <cs:effectRef idx="0"/>
+    <cs:fontRef idx="minor">
+      <a:schemeClr val="tx1"/>
+    </cs:fontRef>
+    <cs:spPr>
+      <a:ln w="9525" cap="flat" cmpd="sng" algn="ctr">
+        <a:solidFill>
+          <a:schemeClr val="tx1">
+            <a:lumMod val="5000"/>
+            <a:lumOff val="95000"/>
+          </a:schemeClr>
+        </a:solidFill>
+        <a:round/>
+      </a:ln>
+    </cs:spPr>
+  </cs:gridlineMinor>
+  <cs:hiLoLine>
+    <cs:lnRef idx="0"/>
+    <cs:fillRef idx="0"/>
+    <cs:effectRef idx="0"/>
+    <cs:fontRef idx="minor">
+      <a:schemeClr val="tx1"/>
+    </cs:fontRef>
+    <cs:spPr>
+      <a:ln w="9525" cap="flat" cmpd="sng" algn="ctr">
+        <a:solidFill>
+          <a:schemeClr val="tx1">
+            <a:lumMod val="75000"/>
+            <a:lumOff val="25000"/>
+          </a:schemeClr>
+        </a:solidFill>
+        <a:round/>
+      </a:ln>
+    </cs:spPr>
+  </cs:hiLoLine>
+  <cs:leaderLine>
+    <cs:lnRef idx="0"/>
+    <cs:fillRef idx="0"/>
+    <cs:effectRef idx="0"/>
+    <cs:fontRef idx="minor">
+      <a:schemeClr val="tx1"/>
+    </cs:fontRef>
+    <cs:spPr>
+      <a:ln w="9525" cap="flat" cmpd="sng" algn="ctr">
+        <a:solidFill>
+          <a:schemeClr val="tx1">
+            <a:lumMod val="35000"/>
+            <a:lumOff val="65000"/>
+          </a:schemeClr>
+        </a:solidFill>
+        <a:round/>
+      </a:ln>
+    </cs:spPr>
+  </cs:leaderLine>
+  <cs:legend>
+    <cs:lnRef idx="0"/>
+    <cs:fillRef idx="0"/>
+    <cs:effectRef idx="0"/>
+    <cs:fontRef idx="minor">
+      <a:schemeClr val="tx1">
+        <a:lumMod val="65000"/>
+        <a:lumOff val="35000"/>
+      </a:schemeClr>
+    </cs:fontRef>
+    <cs:defRPr sz="900" kern="1200"/>
+  </cs:legend>
+  <cs:plotArea mods="allowNoFillOverride allowNoLineOverride">
+    <cs:lnRef idx="0"/>
+    <cs:fillRef idx="0"/>
+    <cs:effectRef idx="0"/>
+    <cs:fontRef idx="minor">
+      <a:schemeClr val="tx1"/>
+    </cs:fontRef>
+  </cs:plotArea>
+  <cs:plotArea3D mods="allowNoFillOverride allowNoLineOverride">
+    <cs:lnRef idx="0"/>
+    <cs:fillRef idx="0"/>
+    <cs:effectRef idx="0"/>
+    <cs:fontRef idx="minor">
+      <a:schemeClr val="tx1"/>
+    </cs:fontRef>
+  </cs:plotArea3D>
+  <cs:seriesAxis>
+    <cs:lnRef idx="0"/>
+    <cs:fillRef idx="0"/>
+    <cs:effectRef idx="0"/>
+    <cs:fontRef idx="minor">
+      <a:schemeClr val="tx1">
+        <a:lumMod val="65000"/>
+        <a:lumOff val="35000"/>
+      </a:schemeClr>
+    </cs:fontRef>
+    <cs:defRPr sz="900" kern="1200"/>
+  </cs:seriesAxis>
+  <cs:seriesLine>
+    <cs:lnRef idx="0"/>
+    <cs:fillRef idx="0"/>
+    <cs:effectRef idx="0"/>
+    <cs:fontRef idx="minor">
+      <a:schemeClr val="tx1"/>
+    </cs:fontRef>
+    <cs:spPr>
+      <a:ln w="9525" cap="flat" cmpd="sng" algn="ctr">
+        <a:solidFill>
+          <a:schemeClr val="tx1">
+            <a:lumMod val="35000"/>
+            <a:lumOff val="65000"/>
+          </a:schemeClr>
+        </a:solidFill>
+        <a:round/>
+      </a:ln>
+    </cs:spPr>
+  </cs:seriesLine>
+  <cs:title>
+    <cs:lnRef idx="0"/>
+    <cs:fillRef idx="0"/>
+    <cs:effectRef idx="0"/>
+    <cs:fontRef idx="minor">
+      <a:schemeClr val="tx1">
+        <a:lumMod val="65000"/>
+        <a:lumOff val="35000"/>
+      </a:schemeClr>
+    </cs:fontRef>
+    <cs:defRPr sz="1400" b="0" kern="1200" spc="0" baseline="0"/>
+  </cs:title>
+  <cs:trendline>
+    <cs:lnRef idx="0">
+      <cs:styleClr val="auto"/>
+    </cs:lnRef>
+    <cs:fillRef idx="0"/>
+    <cs:effectRef idx="0"/>
+    <cs:fontRef idx="minor">
+      <a:schemeClr val="tx1"/>
+    </cs:fontRef>
+    <cs:spPr>
+      <a:ln w="19050" cap="rnd">
+        <a:solidFill>
+          <a:schemeClr val="phClr"/>
+        </a:solidFill>
+        <a:prstDash val="sysDot"/>
+      </a:ln>
+    </cs:spPr>
+  </cs:trendline>
+  <cs:trendlineLabel>
+    <cs:lnRef idx="0"/>
+    <cs:fillRef idx="0"/>
+    <cs:effectRef idx="0"/>
+    <cs:fontRef idx="minor">
+      <a:schemeClr val="tx1">
+        <a:lumMod val="65000"/>
+        <a:lumOff val="35000"/>
+      </a:schemeClr>
+    </cs:fontRef>
+    <cs:defRPr sz="900" kern="1200"/>
+  </cs:trendlineLabel>
+  <cs:upBar>
+    <cs:lnRef idx="0"/>
+    <cs:fillRef idx="0"/>
+    <cs:effectRef idx="0"/>
+    <cs:fontRef idx="minor">
+      <a:schemeClr val="dk1"/>
+    </cs:fontRef>
+    <cs:spPr>
+      <a:solidFill>
+        <a:schemeClr val="lt1"/>
+      </a:solidFill>
+      <a:ln w="9525">
+        <a:solidFill>
+          <a:schemeClr val="tx1">
+            <a:lumMod val="15000"/>
+            <a:lumOff val="85000"/>
+          </a:schemeClr>
+        </a:solidFill>
+      </a:ln>
+    </cs:spPr>
+  </cs:upBar>
+  <cs:valueAxis>
+    <cs:lnRef idx="0"/>
+    <cs:fillRef idx="0"/>
+    <cs:effectRef idx="0"/>
+    <cs:fontRef idx="minor">
+      <a:schemeClr val="tx1">
+        <a:lumMod val="65000"/>
+        <a:lumOff val="35000"/>
+      </a:schemeClr>
+    </cs:fontRef>
+    <cs:defRPr sz="900" kern="1200"/>
+  </cs:valueAxis>
+  <cs:wall>
+    <cs:lnRef idx="0"/>
+    <cs:fillRef idx="0"/>
+    <cs:effectRef idx="0"/>
+    <cs:fontRef idx="minor">
+      <a:schemeClr val="tx1"/>
+    </cs:fontRef>
+    <cs:spPr>
+      <a:noFill/>
+      <a:ln>
+        <a:noFill/>
+      </a:ln>
+    </cs:spPr>
+  </cs:wall>
+</cs:chartStyle>
+</file>
+
+<file path=ppt/charts/style3.xml><?xml version="1.0" encoding="utf-8"?>
+<cs:chartStyle xmlns:cs="http://schemas.microsoft.com/office/drawing/2012/chartStyle" xmlns:a="http://schemas.openxmlformats.org/drawingml/2006/main" id="227">
+  <cs:axisTitle>
+    <cs:lnRef idx="0"/>
+    <cs:fillRef idx="0"/>
+    <cs:effectRef idx="0"/>
+    <cs:fontRef idx="minor">
+      <a:schemeClr val="tx1">
+        <a:lumMod val="65000"/>
+        <a:lumOff val="35000"/>
+      </a:schemeClr>
+    </cs:fontRef>
+    <cs:defRPr sz="1000" kern="1200"/>
+  </cs:axisTitle>
+  <cs:categoryAxis>
+    <cs:lnRef idx="0"/>
+    <cs:fillRef idx="0"/>
+    <cs:effectRef idx="0"/>
+    <cs:fontRef idx="minor">
+      <a:schemeClr val="tx1">
+        <a:lumMod val="65000"/>
+        <a:lumOff val="35000"/>
+      </a:schemeClr>
+    </cs:fontRef>
+    <cs:spPr>
+      <a:ln w="9525" cap="flat" cmpd="sng" algn="ctr">
+        <a:solidFill>
+          <a:schemeClr val="tx1">
+            <a:lumMod val="15000"/>
+            <a:lumOff val="85000"/>
+          </a:schemeClr>
+        </a:solidFill>
+        <a:round/>
+      </a:ln>
+    </cs:spPr>
+    <cs:defRPr sz="900" kern="1200"/>
+  </cs:categoryAxis>
+  <cs:chartArea mods="allowNoFillOverride allowNoLineOverride">
+    <cs:lnRef idx="0"/>
+    <cs:fillRef idx="0"/>
+    <cs:effectRef idx="0"/>
+    <cs:fontRef idx="minor">
+      <a:schemeClr val="tx1"/>
+    </cs:fontRef>
+    <cs:spPr>
+      <a:solidFill>
+        <a:schemeClr val="bg1"/>
+      </a:solidFill>
+      <a:ln w="9525" cap="flat" cmpd="sng" algn="ctr">
+        <a:solidFill>
+          <a:schemeClr val="tx1">
+            <a:lumMod val="15000"/>
+            <a:lumOff val="85000"/>
+          </a:schemeClr>
+        </a:solidFill>
+        <a:round/>
+      </a:ln>
+    </cs:spPr>
+    <cs:defRPr sz="1000" kern="1200"/>
+  </cs:chartArea>
+  <cs:dataLabel>
+    <cs:lnRef idx="0"/>
+    <cs:fillRef idx="0"/>
+    <cs:effectRef idx="0"/>
+    <cs:fontRef idx="minor">
+      <a:schemeClr val="tx1">
+        <a:lumMod val="75000"/>
+        <a:lumOff val="25000"/>
+      </a:schemeClr>
+    </cs:fontRef>
+    <cs:defRPr sz="900" kern="1200"/>
+  </cs:dataLabel>
+  <cs:dataLabelCallout>
+    <cs:lnRef idx="0"/>
+    <cs:fillRef idx="0"/>
+    <cs:effectRef idx="0"/>
+    <cs:fontRef idx="minor">
+      <a:schemeClr val="dk1">
+        <a:lumMod val="65000"/>
+        <a:lumOff val="35000"/>
+      </a:schemeClr>
+    </cs:fontRef>
+    <cs:spPr>
+      <a:solidFill>
+        <a:schemeClr val="lt1"/>
+      </a:solidFill>
+      <a:ln>
+        <a:solidFill>
+          <a:schemeClr val="dk1">
+            <a:lumMod val="25000"/>
+            <a:lumOff val="75000"/>
+          </a:schemeClr>
+        </a:solidFill>
+      </a:ln>
+    </cs:spPr>
+    <cs:defRPr sz="900" kern="1200"/>
+    <cs:bodyPr rot="0" spcFirstLastPara="1" vertOverflow="clip" horzOverflow="clip" vert="horz" wrap="square" lIns="36576" tIns="18288" rIns="36576" bIns="18288" anchor="ctr" anchorCtr="1">
+      <a:spAutoFit/>
+    </cs:bodyPr>
+  </cs:dataLabelCallout>
+  <cs:dataPoint>
+    <cs:lnRef idx="0"/>
+    <cs:fillRef idx="1">
+      <cs:styleClr val="auto"/>
+    </cs:fillRef>
+    <cs:effectRef idx="0"/>
+    <cs:fontRef idx="minor">
+      <a:schemeClr val="tx1"/>
+    </cs:fontRef>
+    <cs:spPr>
+      <a:solidFill>
+        <a:schemeClr val="phClr"/>
+      </a:solidFill>
+    </cs:spPr>
+  </cs:dataPoint>
+  <cs:dataPoint3D>
+    <cs:lnRef idx="0"/>
+    <cs:fillRef idx="1">
+      <cs:styleClr val="auto"/>
+    </cs:fillRef>
+    <cs:effectRef idx="0"/>
+    <cs:fontRef idx="minor">
+      <a:schemeClr val="tx1"/>
+    </cs:fontRef>
+    <cs:spPr>
+      <a:solidFill>
+        <a:schemeClr val="phClr"/>
+      </a:solidFill>
+    </cs:spPr>
+  </cs:dataPoint3D>
+  <cs:dataPointLine>
+    <cs:lnRef idx="0">
+      <cs:styleClr val="auto"/>
+    </cs:lnRef>
+    <cs:fillRef idx="1"/>
+    <cs:effectRef idx="0"/>
+    <cs:fontRef idx="minor">
+      <a:schemeClr val="tx1"/>
+    </cs:fontRef>
+    <cs:spPr>
+      <a:ln w="28575" cap="rnd">
+        <a:solidFill>
+          <a:schemeClr val="phClr"/>
+        </a:solidFill>
+        <a:round/>
+      </a:ln>
+    </cs:spPr>
+  </cs:dataPointLine>
+  <cs:dataPointMarker>
+    <cs:lnRef idx="0">
+      <cs:styleClr val="auto"/>
+    </cs:lnRef>
+    <cs:fillRef idx="1">
+      <cs:styleClr val="auto"/>
+    </cs:fillRef>
+    <cs:effectRef idx="0"/>
+    <cs:fontRef idx="minor">
+      <a:schemeClr val="tx1"/>
+    </cs:fontRef>
+    <cs:spPr>
+      <a:solidFill>
+        <a:schemeClr val="phClr"/>
+      </a:solidFill>
+      <a:ln w="9525">
+        <a:solidFill>
+          <a:schemeClr val="phClr"/>
+        </a:solidFill>
+      </a:ln>
+    </cs:spPr>
+  </cs:dataPointMarker>
+  <cs:dataPointMarkerLayout symbol="circle" size="5"/>
+  <cs:dataPointWireframe>
+    <cs:lnRef idx="0">
+      <cs:styleClr val="auto"/>
+    </cs:lnRef>
+    <cs:fillRef idx="1"/>
+    <cs:effectRef idx="0"/>
+    <cs:fontRef idx="minor">
+      <a:schemeClr val="tx1"/>
+    </cs:fontRef>
+    <cs:spPr>
+      <a:ln w="9525" cap="rnd">
+        <a:solidFill>
+          <a:schemeClr val="phClr"/>
+        </a:solidFill>
+        <a:round/>
+      </a:ln>
+    </cs:spPr>
+  </cs:dataPointWireframe>
+  <cs:dataTable>
+    <cs:lnRef idx="0"/>
+    <cs:fillRef idx="0"/>
+    <cs:effectRef idx="0"/>
+    <cs:fontRef idx="minor">
+      <a:schemeClr val="tx1">
+        <a:lumMod val="65000"/>
+        <a:lumOff val="35000"/>
+      </a:schemeClr>
+    </cs:fontRef>
+    <cs:spPr>
+      <a:noFill/>
+      <a:ln w="9525" cap="flat" cmpd="sng" algn="ctr">
+        <a:solidFill>
+          <a:schemeClr val="tx1">
+            <a:lumMod val="15000"/>
+            <a:lumOff val="85000"/>
+          </a:schemeClr>
+        </a:solidFill>
+        <a:round/>
+      </a:ln>
+    </cs:spPr>
+    <cs:defRPr sz="900" kern="1200"/>
+  </cs:dataTable>
+  <cs:downBar>
+    <cs:lnRef idx="0"/>
+    <cs:fillRef idx="0"/>
+    <cs:effectRef idx="0"/>
+    <cs:fontRef idx="minor">
+      <a:schemeClr val="dk1"/>
+    </cs:fontRef>
+    <cs:spPr>
+      <a:solidFill>
+        <a:schemeClr val="dk1">
+          <a:lumMod val="65000"/>
+          <a:lumOff val="35000"/>
+        </a:schemeClr>
+      </a:solidFill>
+      <a:ln w="9525">
+        <a:solidFill>
+          <a:schemeClr val="tx1">
+            <a:lumMod val="65000"/>
+            <a:lumOff val="35000"/>
+          </a:schemeClr>
+        </a:solidFill>
+      </a:ln>
+    </cs:spPr>
+  </cs:downBar>
+  <cs:dropLine>
+    <cs:lnRef idx="0"/>
+    <cs:fillRef idx="0"/>
+    <cs:effectRef idx="0"/>
+    <cs:fontRef idx="minor">
+      <a:schemeClr val="tx1"/>
+    </cs:fontRef>
+    <cs:spPr>
+      <a:ln w="9525" cap="flat" cmpd="sng" algn="ctr">
+        <a:solidFill>
+          <a:schemeClr val="tx1">
+            <a:lumMod val="35000"/>
+            <a:lumOff val="65000"/>
+          </a:schemeClr>
+        </a:solidFill>
+        <a:round/>
+      </a:ln>
+    </cs:spPr>
+  </cs:dropLine>
+  <cs:errorBar>
+    <cs:lnRef idx="0"/>
+    <cs:fillRef idx="0"/>
+    <cs:effectRef idx="0"/>
+    <cs:fontRef idx="minor">
+      <a:schemeClr val="tx1"/>
+    </cs:fontRef>
+    <cs:spPr>
+      <a:ln w="9525" cap="flat" cmpd="sng" algn="ctr">
+        <a:solidFill>
+          <a:schemeClr val="tx1">
+            <a:lumMod val="65000"/>
+            <a:lumOff val="35000"/>
+          </a:schemeClr>
+        </a:solidFill>
+        <a:round/>
+      </a:ln>
+    </cs:spPr>
+  </cs:errorBar>
+  <cs:floor>
+    <cs:lnRef idx="0"/>
+    <cs:fillRef idx="0"/>
+    <cs:effectRef idx="0"/>
+    <cs:fontRef idx="minor">
+      <a:schemeClr val="tx1"/>
+    </cs:fontRef>
+    <cs:spPr>
+      <a:noFill/>
+      <a:ln>
+        <a:noFill/>
+      </a:ln>
+    </cs:spPr>
+  </cs:floor>
+  <cs:gridlineMajor>
+    <cs:lnRef idx="0"/>
+    <cs:fillRef idx="0"/>
+    <cs:effectRef idx="0"/>
+    <cs:fontRef idx="minor">
+      <a:schemeClr val="tx1"/>
+    </cs:fontRef>
+    <cs:spPr>
+      <a:ln w="9525" cap="flat" cmpd="sng" algn="ctr">
+        <a:solidFill>
+          <a:schemeClr val="tx1">
+            <a:lumMod val="15000"/>
+            <a:lumOff val="85000"/>
+          </a:schemeClr>
+        </a:solidFill>
+        <a:round/>
+      </a:ln>
+    </cs:spPr>
+  </cs:gridlineMajor>
+  <cs:gridlineMinor>
+    <cs:lnRef idx="0"/>
+    <cs:fillRef idx="0"/>
+    <cs:effectRef idx="0"/>
+    <cs:fontRef idx="minor">
+      <a:schemeClr val="tx1"/>
+    </cs:fontRef>
+    <cs:spPr>
+      <a:ln w="9525" cap="flat" cmpd="sng" algn="ctr">
+        <a:solidFill>
+          <a:schemeClr val="tx1">
+            <a:lumMod val="5000"/>
+            <a:lumOff val="95000"/>
+          </a:schemeClr>
+        </a:solidFill>
+        <a:round/>
+      </a:ln>
+    </cs:spPr>
+  </cs:gridlineMinor>
+  <cs:hiLoLine>
+    <cs:lnRef idx="0"/>
+    <cs:fillRef idx="0"/>
+    <cs:effectRef idx="0"/>
+    <cs:fontRef idx="minor">
+      <a:schemeClr val="tx1"/>
+    </cs:fontRef>
+    <cs:spPr>
+      <a:ln w="9525" cap="flat" cmpd="sng" algn="ctr">
+        <a:solidFill>
+          <a:schemeClr val="tx1">
+            <a:lumMod val="75000"/>
+            <a:lumOff val="25000"/>
+          </a:schemeClr>
+        </a:solidFill>
+        <a:round/>
+      </a:ln>
+    </cs:spPr>
+  </cs:hiLoLine>
+  <cs:leaderLine>
+    <cs:lnRef idx="0"/>
+    <cs:fillRef idx="0"/>
+    <cs:effectRef idx="0"/>
+    <cs:fontRef idx="minor">
+      <a:schemeClr val="tx1"/>
+    </cs:fontRef>
+    <cs:spPr>
+      <a:ln w="9525" cap="flat" cmpd="sng" algn="ctr">
+        <a:solidFill>
+          <a:schemeClr val="tx1">
+            <a:lumMod val="35000"/>
+            <a:lumOff val="65000"/>
+          </a:schemeClr>
+        </a:solidFill>
+        <a:round/>
+      </a:ln>
+    </cs:spPr>
+  </cs:leaderLine>
+  <cs:legend>
+    <cs:lnRef idx="0"/>
+    <cs:fillRef idx="0"/>
+    <cs:effectRef idx="0"/>
+    <cs:fontRef idx="minor">
+      <a:schemeClr val="tx1">
+        <a:lumMod val="65000"/>
+        <a:lumOff val="35000"/>
+      </a:schemeClr>
+    </cs:fontRef>
+    <cs:defRPr sz="900" kern="1200"/>
+  </cs:legend>
+  <cs:plotArea mods="allowNoFillOverride allowNoLineOverride">
+    <cs:lnRef idx="0"/>
+    <cs:fillRef idx="0"/>
+    <cs:effectRef idx="0"/>
+    <cs:fontRef idx="minor">
+      <a:schemeClr val="tx1"/>
+    </cs:fontRef>
+  </cs:plotArea>
+  <cs:plotArea3D mods="allowNoFillOverride allowNoLineOverride">
+    <cs:lnRef idx="0"/>
+    <cs:fillRef idx="0"/>
+    <cs:effectRef idx="0"/>
+    <cs:fontRef idx="minor">
+      <a:schemeClr val="tx1"/>
+    </cs:fontRef>
+  </cs:plotArea3D>
+  <cs:seriesAxis>
+    <cs:lnRef idx="0"/>
+    <cs:fillRef idx="0"/>
+    <cs:effectRef idx="0"/>
+    <cs:fontRef idx="minor">
+      <a:schemeClr val="tx1">
+        <a:lumMod val="65000"/>
+        <a:lumOff val="35000"/>
+      </a:schemeClr>
+    </cs:fontRef>
+    <cs:defRPr sz="900" kern="1200"/>
+  </cs:seriesAxis>
+  <cs:seriesLine>
+    <cs:lnRef idx="0"/>
+    <cs:fillRef idx="0"/>
+    <cs:effectRef idx="0"/>
+    <cs:fontRef idx="minor">
+      <a:schemeClr val="tx1"/>
+    </cs:fontRef>
+    <cs:spPr>
+      <a:ln w="9525" cap="flat" cmpd="sng" algn="ctr">
+        <a:solidFill>
+          <a:schemeClr val="tx1">
+            <a:lumMod val="35000"/>
+            <a:lumOff val="65000"/>
+          </a:schemeClr>
+        </a:solidFill>
+        <a:round/>
+      </a:ln>
+    </cs:spPr>
+  </cs:seriesLine>
+  <cs:title>
+    <cs:lnRef idx="0"/>
+    <cs:fillRef idx="0"/>
+    <cs:effectRef idx="0"/>
+    <cs:fontRef idx="minor">
+      <a:schemeClr val="tx1">
+        <a:lumMod val="65000"/>
+        <a:lumOff val="35000"/>
+      </a:schemeClr>
+    </cs:fontRef>
+    <cs:defRPr sz="1400" b="0" kern="1200" spc="0" baseline="0"/>
+  </cs:title>
+  <cs:trendline>
+    <cs:lnRef idx="0">
+      <cs:styleClr val="auto"/>
+    </cs:lnRef>
+    <cs:fillRef idx="0"/>
+    <cs:effectRef idx="0"/>
+    <cs:fontRef idx="minor">
+      <a:schemeClr val="tx1"/>
+    </cs:fontRef>
+    <cs:spPr>
+      <a:ln w="19050" cap="rnd">
+        <a:solidFill>
+          <a:schemeClr val="phClr"/>
+        </a:solidFill>
+        <a:prstDash val="sysDot"/>
+      </a:ln>
+    </cs:spPr>
+  </cs:trendline>
+  <cs:trendlineLabel>
+    <cs:lnRef idx="0"/>
+    <cs:fillRef idx="0"/>
+    <cs:effectRef idx="0"/>
+    <cs:fontRef idx="minor">
+      <a:schemeClr val="tx1">
+        <a:lumMod val="65000"/>
+        <a:lumOff val="35000"/>
+      </a:schemeClr>
+    </cs:fontRef>
+    <cs:defRPr sz="900" kern="1200"/>
+  </cs:trendlineLabel>
+  <cs:upBar>
+    <cs:lnRef idx="0"/>
+    <cs:fillRef idx="0"/>
+    <cs:effectRef idx="0"/>
+    <cs:fontRef idx="minor">
+      <a:schemeClr val="dk1"/>
+    </cs:fontRef>
+    <cs:spPr>
+      <a:solidFill>
+        <a:schemeClr val="lt1"/>
+      </a:solidFill>
+      <a:ln w="9525">
+        <a:solidFill>
+          <a:schemeClr val="tx1">
+            <a:lumMod val="15000"/>
+            <a:lumOff val="85000"/>
+          </a:schemeClr>
+        </a:solidFill>
+      </a:ln>
+    </cs:spPr>
+  </cs:upBar>
+  <cs:valueAxis>
+    <cs:lnRef idx="0"/>
+    <cs:fillRef idx="0"/>
+    <cs:effectRef idx="0"/>
+    <cs:fontRef idx="minor">
+      <a:schemeClr val="tx1">
+        <a:lumMod val="65000"/>
+        <a:lumOff val="35000"/>
+      </a:schemeClr>
+    </cs:fontRef>
+    <cs:defRPr sz="900" kern="1200"/>
+  </cs:valueAxis>
+  <cs:wall>
+    <cs:lnRef idx="0"/>
+    <cs:fillRef idx="0"/>
+    <cs:effectRef idx="0"/>
+    <cs:fontRef idx="minor">
+      <a:schemeClr val="tx1"/>
+    </cs:fontRef>
+    <cs:spPr>
+      <a:noFill/>
+      <a:ln>
+        <a:noFill/>
+      </a:ln>
+    </cs:spPr>
+  </cs:wall>
+</cs:chartStyle>
+</file>
+
+<file path=ppt/charts/style4.xml><?xml version="1.0" encoding="utf-8"?>
+<cs:chartStyle xmlns:cs="http://schemas.microsoft.com/office/drawing/2012/chartStyle" xmlns:a="http://schemas.openxmlformats.org/drawingml/2006/main" id="332">
+  <cs:axisTitle>
+    <cs:lnRef idx="0"/>
+    <cs:fillRef idx="0"/>
+    <cs:effectRef idx="0"/>
+    <cs:fontRef idx="minor">
+      <a:schemeClr val="tx1">
+        <a:lumMod val="65000"/>
+        <a:lumOff val="35000"/>
+      </a:schemeClr>
+    </cs:fontRef>
+    <cs:defRPr sz="1330" kern="1200"/>
+  </cs:axisTitle>
+  <cs:categoryAxis>
+    <cs:lnRef idx="0"/>
+    <cs:fillRef idx="0"/>
+    <cs:effectRef idx="0"/>
+    <cs:fontRef idx="minor">
+      <a:schemeClr val="tx1">
+        <a:lumMod val="65000"/>
+        <a:lumOff val="35000"/>
+      </a:schemeClr>
+    </cs:fontRef>
+    <cs:spPr>
+      <a:ln w="9525" cap="flat" cmpd="sng" algn="ctr">
+        <a:solidFill>
+          <a:schemeClr val="tx1">
+            <a:lumMod val="15000"/>
+            <a:lumOff val="85000"/>
+          </a:schemeClr>
+        </a:solidFill>
+        <a:round/>
+      </a:ln>
+    </cs:spPr>
+    <cs:defRPr sz="1197" kern="1200"/>
+  </cs:categoryAxis>
+  <cs:chartArea mods="allowNoFillOverride allowNoLineOverride">
+    <cs:lnRef idx="0"/>
+    <cs:fillRef idx="0"/>
+    <cs:effectRef idx="0"/>
+    <cs:fontRef idx="minor">
+      <a:schemeClr val="tx1"/>
+    </cs:fontRef>
+    <cs:spPr>
+      <a:solidFill>
+        <a:schemeClr val="bg1"/>
+      </a:solidFill>
+      <a:ln w="9525" cap="flat" cmpd="sng" algn="ctr">
+        <a:solidFill>
+          <a:schemeClr val="tx1">
+            <a:lumMod val="15000"/>
+            <a:lumOff val="85000"/>
+          </a:schemeClr>
+        </a:solidFill>
+        <a:round/>
+      </a:ln>
+    </cs:spPr>
+    <cs:defRPr sz="1330" kern="1200"/>
+  </cs:chartArea>
+  <cs:dataLabel>
+    <cs:lnRef idx="0"/>
+    <cs:fillRef idx="0"/>
+    <cs:effectRef idx="0"/>
+    <cs:fontRef idx="minor">
+      <a:schemeClr val="tx1">
+        <a:lumMod val="75000"/>
+        <a:lumOff val="25000"/>
+      </a:schemeClr>
+    </cs:fontRef>
+    <cs:defRPr sz="1197" kern="1200"/>
+  </cs:dataLabel>
+  <cs:dataLabelCallout>
+    <cs:lnRef idx="0"/>
+    <cs:fillRef idx="0"/>
+    <cs:effectRef idx="0"/>
+    <cs:fontRef idx="minor">
+      <a:schemeClr val="dk1">
+        <a:lumMod val="65000"/>
+        <a:lumOff val="35000"/>
+      </a:schemeClr>
+    </cs:fontRef>
+    <cs:spPr>
+      <a:solidFill>
+        <a:schemeClr val="lt1"/>
+      </a:solidFill>
+      <a:ln>
+        <a:solidFill>
+          <a:schemeClr val="dk1">
+            <a:lumMod val="25000"/>
+            <a:lumOff val="75000"/>
+          </a:schemeClr>
+        </a:solidFill>
+      </a:ln>
+    </cs:spPr>
+    <cs:defRPr sz="1197" kern="1200"/>
+    <cs:bodyPr rot="0" spcFirstLastPara="1" vertOverflow="clip" horzOverflow="clip" vert="horz" wrap="square" lIns="36576" tIns="18288" rIns="36576" bIns="18288" anchor="ctr" anchorCtr="1">
+      <a:spAutoFit/>
+    </cs:bodyPr>
+  </cs:dataLabelCallout>
+  <cs:dataPoint>
+    <cs:lnRef idx="0"/>
+    <cs:fillRef idx="1">
+      <cs:styleClr val="auto"/>
+    </cs:fillRef>
+    <cs:effectRef idx="0"/>
+    <cs:fontRef idx="minor">
+      <a:schemeClr val="tx1"/>
+    </cs:fontRef>
+  </cs:dataPoint>
+  <cs:dataPoint3D>
+    <cs:lnRef idx="0"/>
+    <cs:fillRef idx="1">
+      <cs:styleClr val="auto"/>
+    </cs:fillRef>
+    <cs:effectRef idx="0"/>
+    <cs:fontRef idx="minor">
+      <a:schemeClr val="tx1"/>
+    </cs:fontRef>
+  </cs:dataPoint3D>
+  <cs:dataPointLine>
+    <cs:lnRef idx="0">
+      <cs:styleClr val="auto"/>
+    </cs:lnRef>
+    <cs:fillRef idx="1"/>
+    <cs:effectRef idx="0"/>
+    <cs:fontRef idx="minor">
+      <a:schemeClr val="tx1"/>
+    </cs:fontRef>
+    <cs:spPr>
+      <a:ln w="28575" cap="rnd">
+        <a:solidFill>
+          <a:schemeClr val="phClr"/>
+        </a:solidFill>
+        <a:round/>
+      </a:ln>
+    </cs:spPr>
+  </cs:dataPointLine>
+  <cs:dataPointMarker>
+    <cs:lnRef idx="0">
+      <cs:styleClr val="auto"/>
+    </cs:lnRef>
+    <cs:fillRef idx="1">
+      <cs:styleClr val="auto"/>
+    </cs:fillRef>
+    <cs:effectRef idx="0"/>
+    <cs:fontRef idx="minor">
+      <a:schemeClr val="tx1"/>
+    </cs:fontRef>
+    <cs:spPr>
+      <a:ln w="9525">
+        <a:solidFill>
+          <a:schemeClr val="phClr"/>
+        </a:solidFill>
+      </a:ln>
+    </cs:spPr>
+  </cs:dataPointMarker>
+  <cs:dataPointMarkerLayout symbol="circle" size="5"/>
+  <cs:dataPointWireframe>
+    <cs:lnRef idx="0">
+      <cs:styleClr val="auto"/>
+    </cs:lnRef>
+    <cs:fillRef idx="1"/>
+    <cs:effectRef idx="0"/>
+    <cs:fontRef idx="minor">
+      <a:schemeClr val="tx1"/>
+    </cs:fontRef>
+    <cs:spPr>
+      <a:ln w="9525" cap="rnd">
+        <a:solidFill>
+          <a:schemeClr val="phClr"/>
+        </a:solidFill>
+        <a:round/>
+      </a:ln>
+    </cs:spPr>
+  </cs:dataPointWireframe>
+  <cs:dataTable>
+    <cs:lnRef idx="0"/>
+    <cs:fillRef idx="0"/>
+    <cs:effectRef idx="0"/>
+    <cs:fontRef idx="minor">
+      <a:schemeClr val="tx1">
+        <a:lumMod val="65000"/>
+        <a:lumOff val="35000"/>
+      </a:schemeClr>
+    </cs:fontRef>
+    <cs:spPr>
+      <a:noFill/>
+      <a:ln w="9525" cap="flat" cmpd="sng" algn="ctr">
+        <a:solidFill>
+          <a:schemeClr val="tx1">
+            <a:lumMod val="15000"/>
+            <a:lumOff val="85000"/>
+          </a:schemeClr>
+        </a:solidFill>
+        <a:round/>
+      </a:ln>
+    </cs:spPr>
+    <cs:defRPr sz="1197" kern="1200"/>
+  </cs:dataTable>
+  <cs:downBar>
+    <cs:lnRef idx="0"/>
+    <cs:fillRef idx="0"/>
+    <cs:effectRef idx="0"/>
+    <cs:fontRef idx="minor">
+      <a:schemeClr val="dk1"/>
+    </cs:fontRef>
+    <cs:spPr>
+      <a:solidFill>
+        <a:schemeClr val="dk1">
+          <a:lumMod val="65000"/>
+          <a:lumOff val="35000"/>
+        </a:schemeClr>
+      </a:solidFill>
+      <a:ln w="9525">
+        <a:solidFill>
+          <a:schemeClr val="tx1">
+            <a:lumMod val="65000"/>
+            <a:lumOff val="35000"/>
+          </a:schemeClr>
+        </a:solidFill>
+      </a:ln>
+    </cs:spPr>
+  </cs:downBar>
+  <cs:dropLine>
+    <cs:lnRef idx="0"/>
+    <cs:fillRef idx="0"/>
+    <cs:effectRef idx="0"/>
+    <cs:fontRef idx="minor">
+      <a:schemeClr val="tx1"/>
+    </cs:fontRef>
+    <cs:spPr>
+      <a:ln w="9525" cap="flat" cmpd="sng" algn="ctr">
+        <a:solidFill>
+          <a:schemeClr val="tx1">
+            <a:lumMod val="35000"/>
+            <a:lumOff val="65000"/>
+          </a:schemeClr>
+        </a:solidFill>
+        <a:round/>
+      </a:ln>
+    </cs:spPr>
+  </cs:dropLine>
+  <cs:errorBar>
+    <cs:lnRef idx="0"/>
+    <cs:fillRef idx="0"/>
+    <cs:effectRef idx="0"/>
+    <cs:fontRef idx="minor">
+      <a:schemeClr val="tx1"/>
+    </cs:fontRef>
+    <cs:spPr>
+      <a:ln w="9525" cap="flat" cmpd="sng" algn="ctr">
+        <a:solidFill>
+          <a:schemeClr val="tx1">
+            <a:lumMod val="65000"/>
+            <a:lumOff val="35000"/>
+          </a:schemeClr>
+        </a:solidFill>
+        <a:round/>
+      </a:ln>
+    </cs:spPr>
+  </cs:errorBar>
+  <cs:floor>
+    <cs:lnRef idx="0"/>
+    <cs:fillRef idx="0"/>
+    <cs:effectRef idx="0"/>
+    <cs:fontRef idx="minor">
+      <a:schemeClr val="tx1"/>
+    </cs:fontRef>
+    <cs:spPr>
+      <a:noFill/>
+      <a:ln>
+        <a:noFill/>
+      </a:ln>
+    </cs:spPr>
+  </cs:floor>
+  <cs:gridlineMajor>
+    <cs:lnRef idx="0"/>
+    <cs:fillRef idx="0"/>
+    <cs:effectRef idx="0"/>
+    <cs:fontRef idx="minor">
+      <a:schemeClr val="tx1"/>
+    </cs:fontRef>
+    <cs:spPr>
+      <a:ln w="9525" cap="flat" cmpd="sng" algn="ctr">
+        <a:solidFill>
+          <a:schemeClr val="tx1">
+            <a:lumMod val="15000"/>
+            <a:lumOff val="85000"/>
+          </a:schemeClr>
+        </a:solidFill>
+        <a:round/>
+      </a:ln>
+    </cs:spPr>
+  </cs:gridlineMajor>
+  <cs:gridlineMinor>
+    <cs:lnRef idx="0"/>
+    <cs:fillRef idx="0"/>
+    <cs:effectRef idx="0"/>
+    <cs:fontRef idx="minor">
+      <a:schemeClr val="tx1"/>
+    </cs:fontRef>
+    <cs:spPr>
+      <a:ln w="9525" cap="flat" cmpd="sng" algn="ctr">
+        <a:solidFill>
+          <a:schemeClr val="tx1">
+            <a:lumMod val="5000"/>
+            <a:lumOff val="95000"/>
+          </a:schemeClr>
+        </a:solidFill>
+        <a:round/>
+      </a:ln>
+    </cs:spPr>
+  </cs:gridlineMinor>
+  <cs:hiLoLine>
+    <cs:lnRef idx="0"/>
+    <cs:fillRef idx="0"/>
+    <cs:effectRef idx="0"/>
+    <cs:fontRef idx="minor">
+      <a:schemeClr val="tx1"/>
+    </cs:fontRef>
+    <cs:spPr>
+      <a:ln w="9525" cap="flat" cmpd="sng" algn="ctr">
+        <a:solidFill>
+          <a:schemeClr val="tx1">
+            <a:lumMod val="75000"/>
+            <a:lumOff val="25000"/>
+          </a:schemeClr>
+        </a:solidFill>
+        <a:round/>
+      </a:ln>
+    </cs:spPr>
+  </cs:hiLoLine>
+  <cs:leaderLine>
+    <cs:lnRef idx="0"/>
+    <cs:fillRef idx="0"/>
+    <cs:effectRef idx="0"/>
+    <cs:fontRef idx="minor">
+      <a:schemeClr val="tx1"/>
+    </cs:fontRef>
+    <cs:spPr>
+      <a:ln w="9525" cap="flat" cmpd="sng" algn="ctr">
+        <a:solidFill>
+          <a:schemeClr val="tx1">
+            <a:lumMod val="35000"/>
+            <a:lumOff val="65000"/>
+          </a:schemeClr>
+        </a:solidFill>
+        <a:round/>
+      </a:ln>
+    </cs:spPr>
+  </cs:leaderLine>
+  <cs:legend>
+    <cs:lnRef idx="0"/>
+    <cs:fillRef idx="0"/>
+    <cs:effectRef idx="0"/>
+    <cs:fontRef idx="minor">
+      <a:schemeClr val="tx1">
+        <a:lumMod val="65000"/>
+        <a:lumOff val="35000"/>
+      </a:schemeClr>
+    </cs:fontRef>
+    <cs:defRPr sz="1197" kern="1200"/>
+  </cs:legend>
+  <cs:plotArea mods="allowNoFillOverride allowNoLineOverride">
+    <cs:lnRef idx="0"/>
+    <cs:fillRef idx="0"/>
+    <cs:effectRef idx="0"/>
+    <cs:fontRef idx="minor">
+      <a:schemeClr val="tx1"/>
+    </cs:fontRef>
+  </cs:plotArea>
+  <cs:plotArea3D mods="allowNoFillOverride allowNoLineOverride">
+    <cs:lnRef idx="0"/>
+    <cs:fillRef idx="0"/>
+    <cs:effectRef idx="0"/>
+    <cs:fontRef idx="minor">
+      <a:schemeClr val="tx1"/>
+    </cs:fontRef>
+  </cs:plotArea3D>
+  <cs:seriesAxis>
+    <cs:lnRef idx="0"/>
+    <cs:fillRef idx="0"/>
+    <cs:effectRef idx="0"/>
+    <cs:fontRef idx="minor">
+      <a:schemeClr val="tx1">
+        <a:lumMod val="65000"/>
+        <a:lumOff val="35000"/>
+      </a:schemeClr>
+    </cs:fontRef>
+    <cs:defRPr sz="1197" kern="1200"/>
+  </cs:seriesAxis>
+  <cs:seriesLine>
+    <cs:lnRef idx="0"/>
+    <cs:fillRef idx="0"/>
+    <cs:effectRef idx="0"/>
+    <cs:fontRef idx="minor">
+      <a:schemeClr val="tx1"/>
+    </cs:fontRef>
+    <cs:spPr>
+      <a:ln w="9525" cap="flat" cmpd="sng" algn="ctr">
+        <a:solidFill>
+          <a:schemeClr val="tx1">
+            <a:lumMod val="35000"/>
+            <a:lumOff val="65000"/>
+          </a:schemeClr>
+        </a:solidFill>
+        <a:round/>
+      </a:ln>
+    </cs:spPr>
+  </cs:seriesLine>
+  <cs:title>
+    <cs:lnRef idx="0"/>
+    <cs:fillRef idx="0"/>
+    <cs:effectRef idx="0"/>
+    <cs:fontRef idx="minor">
+      <a:schemeClr val="tx1">
+        <a:lumMod val="65000"/>
+        <a:lumOff val="35000"/>
+      </a:schemeClr>
+    </cs:fontRef>
+    <cs:defRPr sz="1862" b="0" kern="1200" spc="0" baseline="0"/>
+  </cs:title>
+  <cs:trendline>
+    <cs:lnRef idx="0">
+      <cs:styleClr val="auto"/>
+    </cs:lnRef>
+    <cs:fillRef idx="0"/>
+    <cs:effectRef idx="0"/>
+    <cs:fontRef idx="minor">
+      <a:schemeClr val="tx1"/>
+    </cs:fontRef>
+    <cs:spPr>
+      <a:ln w="19050" cap="rnd">
+        <a:solidFill>
+          <a:schemeClr val="phClr"/>
+        </a:solidFill>
+        <a:prstDash val="sysDot"/>
+      </a:ln>
+    </cs:spPr>
+  </cs:trendline>
+  <cs:trendlineLabel>
+    <cs:lnRef idx="0"/>
+    <cs:fillRef idx="0"/>
+    <cs:effectRef idx="0"/>
+    <cs:fontRef idx="minor">
+      <a:schemeClr val="tx1">
+        <a:lumMod val="65000"/>
+        <a:lumOff val="35000"/>
+      </a:schemeClr>
+    </cs:fontRef>
+    <cs:defRPr sz="1197" kern="1200"/>
+  </cs:trendlineLabel>
+  <cs:upBar>
+    <cs:lnRef idx="0"/>
+    <cs:fillRef idx="0"/>
+    <cs:effectRef idx="0"/>
+    <cs:fontRef idx="minor">
+      <a:schemeClr val="dk1"/>
+    </cs:fontRef>
+    <cs:spPr>
+      <a:solidFill>
+        <a:schemeClr val="lt1"/>
+      </a:solidFill>
+      <a:ln w="9525">
+        <a:solidFill>
+          <a:schemeClr val="tx1">
+            <a:lumMod val="15000"/>
+            <a:lumOff val="85000"/>
+          </a:schemeClr>
+        </a:solidFill>
+      </a:ln>
+    </cs:spPr>
+  </cs:upBar>
+  <cs:valueAxis>
+    <cs:lnRef idx="0"/>
+    <cs:fillRef idx="0"/>
+    <cs:effectRef idx="0"/>
+    <cs:fontRef idx="minor">
+      <a:schemeClr val="tx1">
+        <a:lumMod val="65000"/>
+        <a:lumOff val="35000"/>
+      </a:schemeClr>
+    </cs:fontRef>
+    <cs:defRPr sz="1197" kern="1200"/>
+  </cs:valueAxis>
+  <cs:wall>
+    <cs:lnRef idx="0"/>
+    <cs:fillRef idx="0"/>
+    <cs:effectRef idx="0"/>
+    <cs:fontRef idx="minor">
+      <a:schemeClr val="tx1"/>
+    </cs:fontRef>
+    <cs:spPr>
+      <a:noFill/>
+      <a:ln>
+        <a:noFill/>
+      </a:ln>
+    </cs:spPr>
+  </cs:wall>
+</cs:chartStyle>
 </file>
 
 <file path=ppt/slideLayouts/slideLayout1.xml><?xml version="1.0" encoding="utf-8"?>
@@ -261,7 +4899,7 @@
           <a:p>
             <a:fld id="{42FAA010-A1FB-4218-B9CD-4D5AF1434370}" type="datetimeFigureOut">
               <a:rPr lang="de-DE" smtClean="0"/>
-              <a:t>04.11.2021</a:t>
+              <a:t>22.01.2022</a:t>
             </a:fld>
             <a:endParaRPr lang="de-DE"/>
           </a:p>
@@ -459,7 +5097,7 @@
           <a:p>
             <a:fld id="{42FAA010-A1FB-4218-B9CD-4D5AF1434370}" type="datetimeFigureOut">
               <a:rPr lang="de-DE" smtClean="0"/>
-              <a:t>04.11.2021</a:t>
+              <a:t>22.01.2022</a:t>
             </a:fld>
             <a:endParaRPr lang="de-DE"/>
           </a:p>
@@ -667,7 +5305,7 @@
           <a:p>
             <a:fld id="{42FAA010-A1FB-4218-B9CD-4D5AF1434370}" type="datetimeFigureOut">
               <a:rPr lang="de-DE" smtClean="0"/>
-              <a:t>04.11.2021</a:t>
+              <a:t>22.01.2022</a:t>
             </a:fld>
             <a:endParaRPr lang="de-DE"/>
           </a:p>
@@ -865,7 +5503,7 @@
           <a:p>
             <a:fld id="{42FAA010-A1FB-4218-B9CD-4D5AF1434370}" type="datetimeFigureOut">
               <a:rPr lang="de-DE" smtClean="0"/>
-              <a:t>04.11.2021</a:t>
+              <a:t>22.01.2022</a:t>
             </a:fld>
             <a:endParaRPr lang="de-DE"/>
           </a:p>
@@ -1140,7 +5778,7 @@
           <a:p>
             <a:fld id="{42FAA010-A1FB-4218-B9CD-4D5AF1434370}" type="datetimeFigureOut">
               <a:rPr lang="de-DE" smtClean="0"/>
-              <a:t>04.11.2021</a:t>
+              <a:t>22.01.2022</a:t>
             </a:fld>
             <a:endParaRPr lang="de-DE"/>
           </a:p>
@@ -1405,7 +6043,7 @@
           <a:p>
             <a:fld id="{42FAA010-A1FB-4218-B9CD-4D5AF1434370}" type="datetimeFigureOut">
               <a:rPr lang="de-DE" smtClean="0"/>
-              <a:t>04.11.2021</a:t>
+              <a:t>22.01.2022</a:t>
             </a:fld>
             <a:endParaRPr lang="de-DE"/>
           </a:p>
@@ -1817,7 +6455,7 @@
           <a:p>
             <a:fld id="{42FAA010-A1FB-4218-B9CD-4D5AF1434370}" type="datetimeFigureOut">
               <a:rPr lang="de-DE" smtClean="0"/>
-              <a:t>04.11.2021</a:t>
+              <a:t>22.01.2022</a:t>
             </a:fld>
             <a:endParaRPr lang="de-DE"/>
           </a:p>
@@ -1958,7 +6596,7 @@
           <a:p>
             <a:fld id="{42FAA010-A1FB-4218-B9CD-4D5AF1434370}" type="datetimeFigureOut">
               <a:rPr lang="de-DE" smtClean="0"/>
-              <a:t>04.11.2021</a:t>
+              <a:t>22.01.2022</a:t>
             </a:fld>
             <a:endParaRPr lang="de-DE"/>
           </a:p>
@@ -2071,7 +6709,7 @@
           <a:p>
             <a:fld id="{42FAA010-A1FB-4218-B9CD-4D5AF1434370}" type="datetimeFigureOut">
               <a:rPr lang="de-DE" smtClean="0"/>
-              <a:t>04.11.2021</a:t>
+              <a:t>22.01.2022</a:t>
             </a:fld>
             <a:endParaRPr lang="de-DE"/>
           </a:p>
@@ -2382,7 +7020,7 @@
           <a:p>
             <a:fld id="{42FAA010-A1FB-4218-B9CD-4D5AF1434370}" type="datetimeFigureOut">
               <a:rPr lang="de-DE" smtClean="0"/>
-              <a:t>04.11.2021</a:t>
+              <a:t>22.01.2022</a:t>
             </a:fld>
             <a:endParaRPr lang="de-DE"/>
           </a:p>
@@ -2670,7 +7308,7 @@
           <a:p>
             <a:fld id="{42FAA010-A1FB-4218-B9CD-4D5AF1434370}" type="datetimeFigureOut">
               <a:rPr lang="de-DE" smtClean="0"/>
-              <a:t>04.11.2021</a:t>
+              <a:t>22.01.2022</a:t>
             </a:fld>
             <a:endParaRPr lang="de-DE"/>
           </a:p>
@@ -2911,7 +7549,7 @@
           <a:p>
             <a:fld id="{42FAA010-A1FB-4218-B9CD-4D5AF1434370}" type="datetimeFigureOut">
               <a:rPr lang="de-DE" smtClean="0"/>
-              <a:t>04.11.2021</a:t>
+              <a:t>22.01.2022</a:t>
             </a:fld>
             <a:endParaRPr lang="de-DE"/>
           </a:p>
@@ -6628,6 +11266,1804 @@
 </p:sld>
 </file>
 
+<file path=ppt/slides/slide4.xml><?xml version="1.0" encoding="utf-8"?>
+<p:sld xmlns:a="http://schemas.openxmlformats.org/drawingml/2006/main" xmlns:r="http://schemas.openxmlformats.org/officeDocument/2006/relationships" xmlns:p="http://schemas.openxmlformats.org/presentationml/2006/main">
+  <p:cSld>
+    <p:spTree>
+      <p:nvGrpSpPr>
+        <p:cNvPr id="1" name=""/>
+        <p:cNvGrpSpPr/>
+        <p:nvPr/>
+      </p:nvGrpSpPr>
+      <p:grpSpPr>
+        <a:xfrm>
+          <a:off x="0" y="0"/>
+          <a:ext cx="0" cy="0"/>
+          <a:chOff x="0" y="0"/>
+          <a:chExt cx="0" cy="0"/>
+        </a:xfrm>
+      </p:grpSpPr>
+      <p:graphicFrame>
+        <p:nvGraphicFramePr>
+          <p:cNvPr id="4" name="Diagramm 3">
+            <a:extLst>
+              <a:ext uri="{FF2B5EF4-FFF2-40B4-BE49-F238E27FC236}">
+                <a16:creationId xmlns:a16="http://schemas.microsoft.com/office/drawing/2014/main" id="{231C2324-5306-4665-B4F9-AEC017A52CD0}"/>
+              </a:ext>
+            </a:extLst>
+          </p:cNvPr>
+          <p:cNvGraphicFramePr>
+            <a:graphicFrameLocks/>
+          </p:cNvGraphicFramePr>
+          <p:nvPr>
+            <p:extLst>
+              <p:ext uri="{D42A27DB-BD31-4B8C-83A1-F6EECF244321}">
+                <p14:modId xmlns:p14="http://schemas.microsoft.com/office/powerpoint/2010/main" val="2715109132"/>
+              </p:ext>
+            </p:extLst>
+          </p:nvPr>
+        </p:nvGraphicFramePr>
+        <p:xfrm>
+          <a:off x="1733550" y="652462"/>
+          <a:ext cx="8724900" cy="5553075"/>
+        </p:xfrm>
+        <a:graphic>
+          <a:graphicData uri="http://schemas.openxmlformats.org/drawingml/2006/chart">
+            <c:chart xmlns:c="http://schemas.openxmlformats.org/drawingml/2006/chart" xmlns:r="http://schemas.openxmlformats.org/officeDocument/2006/relationships" r:id="rId2"/>
+          </a:graphicData>
+        </a:graphic>
+      </p:graphicFrame>
+    </p:spTree>
+    <p:extLst>
+      <p:ext uri="{BB962C8B-B14F-4D97-AF65-F5344CB8AC3E}">
+        <p14:creationId xmlns:p14="http://schemas.microsoft.com/office/powerpoint/2010/main" val="3956714925"/>
+      </p:ext>
+    </p:extLst>
+  </p:cSld>
+  <p:clrMapOvr>
+    <a:masterClrMapping/>
+  </p:clrMapOvr>
+</p:sld>
+</file>
+
+<file path=ppt/slides/slide5.xml><?xml version="1.0" encoding="utf-8"?>
+<p:sld xmlns:a="http://schemas.openxmlformats.org/drawingml/2006/main" xmlns:r="http://schemas.openxmlformats.org/officeDocument/2006/relationships" xmlns:p="http://schemas.openxmlformats.org/presentationml/2006/main">
+  <p:cSld>
+    <p:spTree>
+      <p:nvGrpSpPr>
+        <p:cNvPr id="1" name=""/>
+        <p:cNvGrpSpPr/>
+        <p:nvPr/>
+      </p:nvGrpSpPr>
+      <p:grpSpPr>
+        <a:xfrm>
+          <a:off x="0" y="0"/>
+          <a:ext cx="0" cy="0"/>
+          <a:chOff x="0" y="0"/>
+          <a:chExt cx="0" cy="0"/>
+        </a:xfrm>
+      </p:grpSpPr>
+      <p:graphicFrame>
+        <p:nvGraphicFramePr>
+          <p:cNvPr id="5" name="Diagramm 4">
+            <a:extLst>
+              <a:ext uri="{FF2B5EF4-FFF2-40B4-BE49-F238E27FC236}">
+                <a16:creationId xmlns:a16="http://schemas.microsoft.com/office/drawing/2014/main" id="{A4E47F76-BA80-4637-AD44-E26E16EAC243}"/>
+              </a:ext>
+            </a:extLst>
+          </p:cNvPr>
+          <p:cNvGraphicFramePr>
+            <a:graphicFrameLocks/>
+          </p:cNvGraphicFramePr>
+          <p:nvPr>
+            <p:extLst>
+              <p:ext uri="{D42A27DB-BD31-4B8C-83A1-F6EECF244321}">
+                <p14:modId xmlns:p14="http://schemas.microsoft.com/office/powerpoint/2010/main" val="1460112652"/>
+              </p:ext>
+            </p:extLst>
+          </p:nvPr>
+        </p:nvGraphicFramePr>
+        <p:xfrm>
+          <a:off x="1733550" y="652462"/>
+          <a:ext cx="8724900" cy="5553075"/>
+        </p:xfrm>
+        <a:graphic>
+          <a:graphicData uri="http://schemas.openxmlformats.org/drawingml/2006/chart">
+            <c:chart xmlns:c="http://schemas.openxmlformats.org/drawingml/2006/chart" xmlns:r="http://schemas.openxmlformats.org/officeDocument/2006/relationships" r:id="rId2"/>
+          </a:graphicData>
+        </a:graphic>
+      </p:graphicFrame>
+    </p:spTree>
+    <p:extLst>
+      <p:ext uri="{BB962C8B-B14F-4D97-AF65-F5344CB8AC3E}">
+        <p14:creationId xmlns:p14="http://schemas.microsoft.com/office/powerpoint/2010/main" val="4152661755"/>
+      </p:ext>
+    </p:extLst>
+  </p:cSld>
+  <p:clrMapOvr>
+    <a:masterClrMapping/>
+  </p:clrMapOvr>
+</p:sld>
+</file>
+
+<file path=ppt/slides/slide6.xml><?xml version="1.0" encoding="utf-8"?>
+<p:sld xmlns:a="http://schemas.openxmlformats.org/drawingml/2006/main" xmlns:r="http://schemas.openxmlformats.org/officeDocument/2006/relationships" xmlns:p="http://schemas.openxmlformats.org/presentationml/2006/main">
+  <p:cSld>
+    <p:spTree>
+      <p:nvGrpSpPr>
+        <p:cNvPr id="1" name=""/>
+        <p:cNvGrpSpPr/>
+        <p:nvPr/>
+      </p:nvGrpSpPr>
+      <p:grpSpPr>
+        <a:xfrm>
+          <a:off x="0" y="0"/>
+          <a:ext cx="0" cy="0"/>
+          <a:chOff x="0" y="0"/>
+          <a:chExt cx="0" cy="0"/>
+        </a:xfrm>
+      </p:grpSpPr>
+      <p:graphicFrame>
+        <p:nvGraphicFramePr>
+          <p:cNvPr id="4" name="Diagramm 3">
+            <a:extLst>
+              <a:ext uri="{FF2B5EF4-FFF2-40B4-BE49-F238E27FC236}">
+                <a16:creationId xmlns:a16="http://schemas.microsoft.com/office/drawing/2014/main" id="{5DE0BAC4-9C71-4549-9101-0A9ED1D12641}"/>
+              </a:ext>
+            </a:extLst>
+          </p:cNvPr>
+          <p:cNvGraphicFramePr>
+            <a:graphicFrameLocks/>
+          </p:cNvGraphicFramePr>
+          <p:nvPr>
+            <p:extLst>
+              <p:ext uri="{D42A27DB-BD31-4B8C-83A1-F6EECF244321}">
+                <p14:modId xmlns:p14="http://schemas.microsoft.com/office/powerpoint/2010/main" val="1850627196"/>
+              </p:ext>
+            </p:extLst>
+          </p:nvPr>
+        </p:nvGraphicFramePr>
+        <p:xfrm>
+          <a:off x="1352548" y="695324"/>
+          <a:ext cx="9676235" cy="5826773"/>
+        </p:xfrm>
+        <a:graphic>
+          <a:graphicData uri="http://schemas.openxmlformats.org/drawingml/2006/chart">
+            <c:chart xmlns:c="http://schemas.openxmlformats.org/drawingml/2006/chart" xmlns:r="http://schemas.openxmlformats.org/officeDocument/2006/relationships" r:id="rId2"/>
+          </a:graphicData>
+        </a:graphic>
+      </p:graphicFrame>
+    </p:spTree>
+    <p:extLst>
+      <p:ext uri="{BB962C8B-B14F-4D97-AF65-F5344CB8AC3E}">
+        <p14:creationId xmlns:p14="http://schemas.microsoft.com/office/powerpoint/2010/main" val="3964913695"/>
+      </p:ext>
+    </p:extLst>
+  </p:cSld>
+  <p:clrMapOvr>
+    <a:masterClrMapping/>
+  </p:clrMapOvr>
+</p:sld>
+</file>
+
+<file path=ppt/slides/slide7.xml><?xml version="1.0" encoding="utf-8"?>
+<p:sld xmlns:a="http://schemas.openxmlformats.org/drawingml/2006/main" xmlns:r="http://schemas.openxmlformats.org/officeDocument/2006/relationships" xmlns:p="http://schemas.openxmlformats.org/presentationml/2006/main">
+  <p:cSld>
+    <p:spTree>
+      <p:nvGrpSpPr>
+        <p:cNvPr id="1" name=""/>
+        <p:cNvGrpSpPr/>
+        <p:nvPr/>
+      </p:nvGrpSpPr>
+      <p:grpSpPr>
+        <a:xfrm>
+          <a:off x="0" y="0"/>
+          <a:ext cx="0" cy="0"/>
+          <a:chOff x="0" y="0"/>
+          <a:chExt cx="0" cy="0"/>
+        </a:xfrm>
+      </p:grpSpPr>
+      <p:graphicFrame>
+        <p:nvGraphicFramePr>
+          <p:cNvPr id="6" name="Diagramm 5">
+            <a:extLst>
+              <a:ext uri="{FF2B5EF4-FFF2-40B4-BE49-F238E27FC236}">
+                <a16:creationId xmlns:a16="http://schemas.microsoft.com/office/drawing/2014/main" id="{99BA499F-EEB7-48F1-8E6C-DF1C4F6CD35B}"/>
+              </a:ext>
+            </a:extLst>
+          </p:cNvPr>
+          <p:cNvGraphicFramePr/>
+          <p:nvPr>
+            <p:extLst>
+              <p:ext uri="{D42A27DB-BD31-4B8C-83A1-F6EECF244321}">
+                <p14:modId xmlns:p14="http://schemas.microsoft.com/office/powerpoint/2010/main" val="1618643469"/>
+              </p:ext>
+            </p:extLst>
+          </p:nvPr>
+        </p:nvGraphicFramePr>
+        <p:xfrm>
+          <a:off x="2032000" y="719666"/>
+          <a:ext cx="8128000" cy="5418667"/>
+        </p:xfrm>
+        <a:graphic>
+          <a:graphicData uri="http://schemas.openxmlformats.org/drawingml/2006/chart">
+            <c:chart xmlns:c="http://schemas.openxmlformats.org/drawingml/2006/chart" xmlns:r="http://schemas.openxmlformats.org/officeDocument/2006/relationships" r:id="rId2"/>
+          </a:graphicData>
+        </a:graphic>
+      </p:graphicFrame>
+    </p:spTree>
+    <p:extLst>
+      <p:ext uri="{BB962C8B-B14F-4D97-AF65-F5344CB8AC3E}">
+        <p14:creationId xmlns:p14="http://schemas.microsoft.com/office/powerpoint/2010/main" val="2636119480"/>
+      </p:ext>
+    </p:extLst>
+  </p:cSld>
+  <p:clrMapOvr>
+    <a:masterClrMapping/>
+  </p:clrMapOvr>
+</p:sld>
+</file>
+
+<file path=ppt/slides/slide8.xml><?xml version="1.0" encoding="utf-8"?>
+<p:sld xmlns:a="http://schemas.openxmlformats.org/drawingml/2006/main" xmlns:r="http://schemas.openxmlformats.org/officeDocument/2006/relationships" xmlns:p="http://schemas.openxmlformats.org/presentationml/2006/main">
+  <p:cSld>
+    <p:spTree>
+      <p:nvGrpSpPr>
+        <p:cNvPr id="1" name=""/>
+        <p:cNvGrpSpPr/>
+        <p:nvPr/>
+      </p:nvGrpSpPr>
+      <p:grpSpPr>
+        <a:xfrm>
+          <a:off x="0" y="0"/>
+          <a:ext cx="0" cy="0"/>
+          <a:chOff x="0" y="0"/>
+          <a:chExt cx="0" cy="0"/>
+        </a:xfrm>
+      </p:grpSpPr>
+      <p:sp>
+        <p:nvSpPr>
+          <p:cNvPr id="4" name="Pfeil: nach rechts 3">
+            <a:extLst>
+              <a:ext uri="{FF2B5EF4-FFF2-40B4-BE49-F238E27FC236}">
+                <a16:creationId xmlns:a16="http://schemas.microsoft.com/office/drawing/2014/main" id="{D85B04BF-4C4D-413C-BBC2-194151DDBE0E}"/>
+              </a:ext>
+            </a:extLst>
+          </p:cNvPr>
+          <p:cNvSpPr/>
+          <p:nvPr/>
+        </p:nvSpPr>
+        <p:spPr>
+          <a:xfrm>
+            <a:off x="1324948" y="1054360"/>
+            <a:ext cx="8649476" cy="4960136"/>
+          </a:xfrm>
+          <a:prstGeom prst="rightArrow">
+            <a:avLst>
+              <a:gd name="adj1" fmla="val 37378"/>
+              <a:gd name="adj2" fmla="val 63330"/>
+            </a:avLst>
+          </a:prstGeom>
+          <a:solidFill>
+            <a:srgbClr val="7D9AA9"/>
+          </a:solidFill>
+          <a:ln>
+            <a:noFill/>
+          </a:ln>
+        </p:spPr>
+        <p:style>
+          <a:lnRef idx="2">
+            <a:schemeClr val="accent1">
+              <a:shade val="50000"/>
+            </a:schemeClr>
+          </a:lnRef>
+          <a:fillRef idx="1">
+            <a:schemeClr val="accent1"/>
+          </a:fillRef>
+          <a:effectRef idx="0">
+            <a:schemeClr val="accent1"/>
+          </a:effectRef>
+          <a:fontRef idx="minor">
+            <a:schemeClr val="lt1"/>
+          </a:fontRef>
+        </p:style>
+        <p:txBody>
+          <a:bodyPr rtlCol="0" anchor="ctr"/>
+          <a:lstStyle/>
+          <a:p>
+            <a:pPr algn="ctr"/>
+            <a:endParaRPr lang="de-DE"/>
+          </a:p>
+        </p:txBody>
+      </p:sp>
+    </p:spTree>
+    <p:extLst>
+      <p:ext uri="{BB962C8B-B14F-4D97-AF65-F5344CB8AC3E}">
+        <p14:creationId xmlns:p14="http://schemas.microsoft.com/office/powerpoint/2010/main" val="3209307374"/>
+      </p:ext>
+    </p:extLst>
+  </p:cSld>
+  <p:clrMapOvr>
+    <a:masterClrMapping/>
+  </p:clrMapOvr>
+</p:sld>
+</file>
+
+<file path=ppt/slides/slide9.xml><?xml version="1.0" encoding="utf-8"?>
+<p:sld xmlns:a="http://schemas.openxmlformats.org/drawingml/2006/main" xmlns:r="http://schemas.openxmlformats.org/officeDocument/2006/relationships" xmlns:p="http://schemas.openxmlformats.org/presentationml/2006/main">
+  <p:cSld>
+    <p:spTree>
+      <p:nvGrpSpPr>
+        <p:cNvPr id="1" name=""/>
+        <p:cNvGrpSpPr/>
+        <p:nvPr/>
+      </p:nvGrpSpPr>
+      <p:grpSpPr>
+        <a:xfrm>
+          <a:off x="0" y="0"/>
+          <a:ext cx="0" cy="0"/>
+          <a:chOff x="0" y="0"/>
+          <a:chExt cx="0" cy="0"/>
+        </a:xfrm>
+      </p:grpSpPr>
+      <p:grpSp>
+        <p:nvGrpSpPr>
+          <p:cNvPr id="39" name="Gruppieren 38">
+            <a:extLst>
+              <a:ext uri="{FF2B5EF4-FFF2-40B4-BE49-F238E27FC236}">
+                <a16:creationId xmlns:a16="http://schemas.microsoft.com/office/drawing/2014/main" id="{1CB199EF-1EA4-4BF0-9036-C3825617D76F}"/>
+              </a:ext>
+            </a:extLst>
+          </p:cNvPr>
+          <p:cNvGrpSpPr/>
+          <p:nvPr/>
+        </p:nvGrpSpPr>
+        <p:grpSpPr>
+          <a:xfrm>
+            <a:off x="587829" y="1017037"/>
+            <a:ext cx="9955762" cy="5090323"/>
+            <a:chOff x="587829" y="1017037"/>
+            <a:chExt cx="9955762" cy="5090323"/>
+          </a:xfrm>
+        </p:grpSpPr>
+        <p:sp>
+          <p:nvSpPr>
+            <p:cNvPr id="4" name="Rechteck 3">
+              <a:extLst>
+                <a:ext uri="{FF2B5EF4-FFF2-40B4-BE49-F238E27FC236}">
+                  <a16:creationId xmlns:a16="http://schemas.microsoft.com/office/drawing/2014/main" id="{680EC9CC-1EC6-4EEE-9B90-A6588F6E5157}"/>
+                </a:ext>
+              </a:extLst>
+            </p:cNvPr>
+            <p:cNvSpPr/>
+            <p:nvPr/>
+          </p:nvSpPr>
+          <p:spPr>
+            <a:xfrm>
+              <a:off x="1190463" y="1483563"/>
+              <a:ext cx="2452347" cy="718627"/>
+            </a:xfrm>
+            <a:prstGeom prst="rect">
+              <a:avLst/>
+            </a:prstGeom>
+            <a:solidFill>
+              <a:srgbClr val="7D9AA9"/>
+            </a:solidFill>
+            <a:ln>
+              <a:noFill/>
+            </a:ln>
+          </p:spPr>
+          <p:style>
+            <a:lnRef idx="1">
+              <a:schemeClr val="accent1"/>
+            </a:lnRef>
+            <a:fillRef idx="3">
+              <a:schemeClr val="accent1"/>
+            </a:fillRef>
+            <a:effectRef idx="2">
+              <a:schemeClr val="accent1"/>
+            </a:effectRef>
+            <a:fontRef idx="minor">
+              <a:schemeClr val="lt1"/>
+            </a:fontRef>
+          </p:style>
+          <p:txBody>
+            <a:bodyPr rtlCol="0" anchor="ctr"/>
+            <a:lstStyle/>
+            <a:p>
+              <a:pPr algn="ctr"/>
+              <a:r>
+                <a:rPr lang="de-DE" sz="2000" b="1" dirty="0"/>
+                <a:t>ACTS</a:t>
+              </a:r>
+            </a:p>
+          </p:txBody>
+        </p:sp>
+        <p:sp>
+          <p:nvSpPr>
+            <p:cNvPr id="5" name="Rechteck 4">
+              <a:extLst>
+                <a:ext uri="{FF2B5EF4-FFF2-40B4-BE49-F238E27FC236}">
+                  <a16:creationId xmlns:a16="http://schemas.microsoft.com/office/drawing/2014/main" id="{FF72C985-BBC9-41F2-9884-0D90BEA9196C}"/>
+                </a:ext>
+              </a:extLst>
+            </p:cNvPr>
+            <p:cNvSpPr/>
+            <p:nvPr/>
+          </p:nvSpPr>
+          <p:spPr>
+            <a:xfrm>
+              <a:off x="8119825" y="3490144"/>
+              <a:ext cx="1711212" cy="588168"/>
+            </a:xfrm>
+            <a:prstGeom prst="rect">
+              <a:avLst/>
+            </a:prstGeom>
+            <a:solidFill>
+              <a:srgbClr val="E6354F"/>
+            </a:solidFill>
+            <a:ln>
+              <a:noFill/>
+            </a:ln>
+          </p:spPr>
+          <p:style>
+            <a:lnRef idx="1">
+              <a:schemeClr val="accent1"/>
+            </a:lnRef>
+            <a:fillRef idx="3">
+              <a:schemeClr val="accent1"/>
+            </a:fillRef>
+            <a:effectRef idx="2">
+              <a:schemeClr val="accent1"/>
+            </a:effectRef>
+            <a:fontRef idx="minor">
+              <a:schemeClr val="lt1"/>
+            </a:fontRef>
+          </p:style>
+          <p:txBody>
+            <a:bodyPr rtlCol="0" anchor="ctr"/>
+            <a:lstStyle/>
+            <a:p>
+              <a:pPr algn="ctr"/>
+              <a:r>
+                <a:rPr lang="de-DE" sz="2000" dirty="0"/>
+                <a:t>CASA</a:t>
+              </a:r>
+            </a:p>
+          </p:txBody>
+        </p:sp>
+        <p:sp>
+          <p:nvSpPr>
+            <p:cNvPr id="6" name="Rechteck 5">
+              <a:extLst>
+                <a:ext uri="{FF2B5EF4-FFF2-40B4-BE49-F238E27FC236}">
+                  <a16:creationId xmlns:a16="http://schemas.microsoft.com/office/drawing/2014/main" id="{5913FE02-4F47-44D8-B837-03727F44DFEC}"/>
+                </a:ext>
+              </a:extLst>
+            </p:cNvPr>
+            <p:cNvSpPr/>
+            <p:nvPr/>
+          </p:nvSpPr>
+          <p:spPr>
+            <a:xfrm>
+              <a:off x="815614" y="2780769"/>
+              <a:ext cx="1567550" cy="588168"/>
+            </a:xfrm>
+            <a:prstGeom prst="rect">
+              <a:avLst/>
+            </a:prstGeom>
+            <a:solidFill>
+              <a:srgbClr val="F48293"/>
+            </a:solidFill>
+            <a:ln>
+              <a:noFill/>
+            </a:ln>
+          </p:spPr>
+          <p:style>
+            <a:lnRef idx="1">
+              <a:schemeClr val="accent1"/>
+            </a:lnRef>
+            <a:fillRef idx="3">
+              <a:schemeClr val="accent1"/>
+            </a:fillRef>
+            <a:effectRef idx="2">
+              <a:schemeClr val="accent1"/>
+            </a:effectRef>
+            <a:fontRef idx="minor">
+              <a:schemeClr val="lt1"/>
+            </a:fontRef>
+          </p:style>
+          <p:txBody>
+            <a:bodyPr rtlCol="0" anchor="ctr"/>
+            <a:lstStyle/>
+            <a:p>
+              <a:pPr algn="ctr"/>
+              <a:r>
+                <a:rPr lang="de-DE" sz="2000" dirty="0"/>
+                <a:t>IPOG</a:t>
+              </a:r>
+            </a:p>
+          </p:txBody>
+        </p:sp>
+        <p:sp>
+          <p:nvSpPr>
+            <p:cNvPr id="7" name="Rechteck 6">
+              <a:extLst>
+                <a:ext uri="{FF2B5EF4-FFF2-40B4-BE49-F238E27FC236}">
+                  <a16:creationId xmlns:a16="http://schemas.microsoft.com/office/drawing/2014/main" id="{07C0C571-3E64-469F-A05B-12EF9459C0F4}"/>
+                </a:ext>
+              </a:extLst>
+            </p:cNvPr>
+            <p:cNvSpPr/>
+            <p:nvPr/>
+          </p:nvSpPr>
+          <p:spPr>
+            <a:xfrm>
+              <a:off x="4670474" y="1483563"/>
+              <a:ext cx="2452347" cy="750021"/>
+            </a:xfrm>
+            <a:prstGeom prst="rect">
+              <a:avLst/>
+            </a:prstGeom>
+            <a:solidFill>
+              <a:srgbClr val="7D9AA9"/>
+            </a:solidFill>
+            <a:ln>
+              <a:noFill/>
+            </a:ln>
+          </p:spPr>
+          <p:style>
+            <a:lnRef idx="1">
+              <a:schemeClr val="accent1"/>
+            </a:lnRef>
+            <a:fillRef idx="3">
+              <a:schemeClr val="accent1"/>
+            </a:fillRef>
+            <a:effectRef idx="2">
+              <a:schemeClr val="accent1"/>
+            </a:effectRef>
+            <a:fontRef idx="minor">
+              <a:schemeClr val="lt1"/>
+            </a:fontRef>
+          </p:style>
+          <p:txBody>
+            <a:bodyPr rtlCol="0" anchor="ctr"/>
+            <a:lstStyle/>
+            <a:p>
+              <a:pPr algn="ctr"/>
+              <a:r>
+                <a:rPr lang="de-DE" sz="2000" b="1" dirty="0"/>
+                <a:t>PICT</a:t>
+              </a:r>
+            </a:p>
+          </p:txBody>
+        </p:sp>
+        <p:sp>
+          <p:nvSpPr>
+            <p:cNvPr id="8" name="Rechteck 7">
+              <a:extLst>
+                <a:ext uri="{FF2B5EF4-FFF2-40B4-BE49-F238E27FC236}">
+                  <a16:creationId xmlns:a16="http://schemas.microsoft.com/office/drawing/2014/main" id="{F10716EF-A8B1-472D-81E5-6A75E1806808}"/>
+                </a:ext>
+              </a:extLst>
+            </p:cNvPr>
+            <p:cNvSpPr/>
+            <p:nvPr/>
+          </p:nvSpPr>
+          <p:spPr>
+            <a:xfrm>
+              <a:off x="7749257" y="1452168"/>
+              <a:ext cx="2452347" cy="750022"/>
+            </a:xfrm>
+            <a:prstGeom prst="rect">
+              <a:avLst/>
+            </a:prstGeom>
+            <a:solidFill>
+              <a:srgbClr val="7D9AA9"/>
+            </a:solidFill>
+            <a:ln>
+              <a:noFill/>
+            </a:ln>
+          </p:spPr>
+          <p:style>
+            <a:lnRef idx="1">
+              <a:schemeClr val="accent1"/>
+            </a:lnRef>
+            <a:fillRef idx="3">
+              <a:schemeClr val="accent1"/>
+            </a:fillRef>
+            <a:effectRef idx="2">
+              <a:schemeClr val="accent1"/>
+            </a:effectRef>
+            <a:fontRef idx="minor">
+              <a:schemeClr val="lt1"/>
+            </a:fontRef>
+          </p:style>
+          <p:txBody>
+            <a:bodyPr rtlCol="0" anchor="ctr"/>
+            <a:lstStyle/>
+            <a:p>
+              <a:pPr algn="ctr"/>
+              <a:r>
+                <a:rPr lang="de-DE" sz="2000" b="1" dirty="0"/>
+                <a:t>CASA</a:t>
+              </a:r>
+            </a:p>
+          </p:txBody>
+        </p:sp>
+        <p:sp>
+          <p:nvSpPr>
+            <p:cNvPr id="9" name="Rechteck 8">
+              <a:extLst>
+                <a:ext uri="{FF2B5EF4-FFF2-40B4-BE49-F238E27FC236}">
+                  <a16:creationId xmlns:a16="http://schemas.microsoft.com/office/drawing/2014/main" id="{64838533-5A83-4F6E-B778-9133FB931DD2}"/>
+                </a:ext>
+              </a:extLst>
+            </p:cNvPr>
+            <p:cNvSpPr/>
+            <p:nvPr/>
+          </p:nvSpPr>
+          <p:spPr>
+            <a:xfrm>
+              <a:off x="815022" y="3494562"/>
+              <a:ext cx="1567550" cy="588168"/>
+            </a:xfrm>
+            <a:prstGeom prst="rect">
+              <a:avLst/>
+            </a:prstGeom>
+            <a:solidFill>
+              <a:srgbClr val="F48293"/>
+            </a:solidFill>
+            <a:ln>
+              <a:noFill/>
+            </a:ln>
+          </p:spPr>
+          <p:style>
+            <a:lnRef idx="1">
+              <a:schemeClr val="accent1"/>
+            </a:lnRef>
+            <a:fillRef idx="3">
+              <a:schemeClr val="accent1"/>
+            </a:fillRef>
+            <a:effectRef idx="2">
+              <a:schemeClr val="accent1"/>
+            </a:effectRef>
+            <a:fontRef idx="minor">
+              <a:schemeClr val="lt1"/>
+            </a:fontRef>
+          </p:style>
+          <p:txBody>
+            <a:bodyPr rtlCol="0" anchor="ctr"/>
+            <a:lstStyle/>
+            <a:p>
+              <a:pPr algn="ctr"/>
+              <a:r>
+                <a:rPr lang="de-DE" sz="2000" i="1" dirty="0"/>
+                <a:t>IPOG-D</a:t>
+              </a:r>
+            </a:p>
+          </p:txBody>
+        </p:sp>
+        <p:sp>
+          <p:nvSpPr>
+            <p:cNvPr id="10" name="Rechteck 9">
+              <a:extLst>
+                <a:ext uri="{FF2B5EF4-FFF2-40B4-BE49-F238E27FC236}">
+                  <a16:creationId xmlns:a16="http://schemas.microsoft.com/office/drawing/2014/main" id="{22276C61-1F75-4054-A310-92C64A42D07A}"/>
+                </a:ext>
+              </a:extLst>
+            </p:cNvPr>
+            <p:cNvSpPr/>
+            <p:nvPr/>
+          </p:nvSpPr>
+          <p:spPr>
+            <a:xfrm>
+              <a:off x="815023" y="4244920"/>
+              <a:ext cx="1567550" cy="588168"/>
+            </a:xfrm>
+            <a:prstGeom prst="rect">
+              <a:avLst/>
+            </a:prstGeom>
+            <a:solidFill>
+              <a:srgbClr val="F48293"/>
+            </a:solidFill>
+            <a:ln>
+              <a:noFill/>
+            </a:ln>
+          </p:spPr>
+          <p:style>
+            <a:lnRef idx="1">
+              <a:schemeClr val="accent1"/>
+            </a:lnRef>
+            <a:fillRef idx="3">
+              <a:schemeClr val="accent1"/>
+            </a:fillRef>
+            <a:effectRef idx="2">
+              <a:schemeClr val="accent1"/>
+            </a:effectRef>
+            <a:fontRef idx="minor">
+              <a:schemeClr val="lt1"/>
+            </a:fontRef>
+          </p:style>
+          <p:txBody>
+            <a:bodyPr rtlCol="0" anchor="ctr"/>
+            <a:lstStyle/>
+            <a:p>
+              <a:pPr algn="ctr"/>
+              <a:r>
+                <a:rPr lang="de-DE" sz="2000" dirty="0"/>
+                <a:t>IPOG-F</a:t>
+              </a:r>
+            </a:p>
+          </p:txBody>
+        </p:sp>
+        <p:sp>
+          <p:nvSpPr>
+            <p:cNvPr id="11" name="Rechteck 10">
+              <a:extLst>
+                <a:ext uri="{FF2B5EF4-FFF2-40B4-BE49-F238E27FC236}">
+                  <a16:creationId xmlns:a16="http://schemas.microsoft.com/office/drawing/2014/main" id="{D647D654-F0BB-4707-A29D-80EBD6990BCB}"/>
+                </a:ext>
+              </a:extLst>
+            </p:cNvPr>
+            <p:cNvSpPr/>
+            <p:nvPr/>
+          </p:nvSpPr>
+          <p:spPr>
+            <a:xfrm>
+              <a:off x="2581463" y="2780769"/>
+              <a:ext cx="1567550" cy="588168"/>
+            </a:xfrm>
+            <a:prstGeom prst="rect">
+              <a:avLst/>
+            </a:prstGeom>
+            <a:solidFill>
+              <a:srgbClr val="F48293"/>
+            </a:solidFill>
+            <a:ln>
+              <a:noFill/>
+            </a:ln>
+          </p:spPr>
+          <p:style>
+            <a:lnRef idx="1">
+              <a:schemeClr val="accent1"/>
+            </a:lnRef>
+            <a:fillRef idx="3">
+              <a:schemeClr val="accent1"/>
+            </a:fillRef>
+            <a:effectRef idx="2">
+              <a:schemeClr val="accent1"/>
+            </a:effectRef>
+            <a:fontRef idx="minor">
+              <a:schemeClr val="lt1"/>
+            </a:fontRef>
+          </p:style>
+          <p:txBody>
+            <a:bodyPr rtlCol="0" anchor="ctr"/>
+            <a:lstStyle/>
+            <a:p>
+              <a:pPr algn="ctr"/>
+              <a:r>
+                <a:rPr lang="de-DE" sz="2000" i="1" dirty="0"/>
+                <a:t>IPOG-F2</a:t>
+              </a:r>
+            </a:p>
+          </p:txBody>
+        </p:sp>
+        <p:sp>
+          <p:nvSpPr>
+            <p:cNvPr id="12" name="Rechteck 11">
+              <a:extLst>
+                <a:ext uri="{FF2B5EF4-FFF2-40B4-BE49-F238E27FC236}">
+                  <a16:creationId xmlns:a16="http://schemas.microsoft.com/office/drawing/2014/main" id="{827E86BA-3B47-4ECA-9FBC-DF56A088D868}"/>
+                </a:ext>
+              </a:extLst>
+            </p:cNvPr>
+            <p:cNvSpPr/>
+            <p:nvPr/>
+          </p:nvSpPr>
+          <p:spPr>
+            <a:xfrm>
+              <a:off x="2581463" y="4244920"/>
+              <a:ext cx="1567550" cy="588168"/>
+            </a:xfrm>
+            <a:prstGeom prst="rect">
+              <a:avLst/>
+            </a:prstGeom>
+            <a:solidFill>
+              <a:srgbClr val="400F16"/>
+            </a:solidFill>
+            <a:ln>
+              <a:noFill/>
+            </a:ln>
+          </p:spPr>
+          <p:style>
+            <a:lnRef idx="1">
+              <a:schemeClr val="accent1"/>
+            </a:lnRef>
+            <a:fillRef idx="3">
+              <a:schemeClr val="accent1"/>
+            </a:fillRef>
+            <a:effectRef idx="2">
+              <a:schemeClr val="accent1"/>
+            </a:effectRef>
+            <a:fontRef idx="minor">
+              <a:schemeClr val="lt1"/>
+            </a:fontRef>
+          </p:style>
+          <p:txBody>
+            <a:bodyPr rtlCol="0" anchor="ctr"/>
+            <a:lstStyle/>
+            <a:p>
+              <a:pPr algn="ctr"/>
+              <a:r>
+                <a:rPr lang="de-DE" sz="2000" i="1" dirty="0"/>
+                <a:t>Base Choice</a:t>
+              </a:r>
+            </a:p>
+          </p:txBody>
+        </p:sp>
+        <p:sp>
+          <p:nvSpPr>
+            <p:cNvPr id="13" name="Rechteck 12">
+              <a:extLst>
+                <a:ext uri="{FF2B5EF4-FFF2-40B4-BE49-F238E27FC236}">
+                  <a16:creationId xmlns:a16="http://schemas.microsoft.com/office/drawing/2014/main" id="{C9EA633D-9916-43D2-AF62-E7104EE7F36B}"/>
+                </a:ext>
+              </a:extLst>
+            </p:cNvPr>
+            <p:cNvSpPr/>
+            <p:nvPr/>
+          </p:nvSpPr>
+          <p:spPr>
+            <a:xfrm>
+              <a:off x="2581463" y="3512844"/>
+              <a:ext cx="1567550" cy="588168"/>
+            </a:xfrm>
+            <a:prstGeom prst="rect">
+              <a:avLst/>
+            </a:prstGeom>
+            <a:solidFill>
+              <a:srgbClr val="E6354F"/>
+            </a:solidFill>
+            <a:ln>
+              <a:noFill/>
+            </a:ln>
+          </p:spPr>
+          <p:style>
+            <a:lnRef idx="1">
+              <a:schemeClr val="accent1"/>
+            </a:lnRef>
+            <a:fillRef idx="3">
+              <a:schemeClr val="accent1"/>
+            </a:fillRef>
+            <a:effectRef idx="2">
+              <a:schemeClr val="accent1"/>
+            </a:effectRef>
+            <a:fontRef idx="minor">
+              <a:schemeClr val="lt1"/>
+            </a:fontRef>
+          </p:style>
+          <p:txBody>
+            <a:bodyPr rtlCol="0" anchor="ctr"/>
+            <a:lstStyle/>
+            <a:p>
+              <a:pPr algn="ctr"/>
+              <a:r>
+                <a:rPr lang="de-DE" sz="2000" i="1" dirty="0" err="1"/>
+                <a:t>PaintBall</a:t>
+              </a:r>
+              <a:endParaRPr lang="de-DE" sz="2000" i="1" dirty="0"/>
+            </a:p>
+          </p:txBody>
+        </p:sp>
+        <p:sp>
+          <p:nvSpPr>
+            <p:cNvPr id="14" name="Rechteck 13">
+              <a:extLst>
+                <a:ext uri="{FF2B5EF4-FFF2-40B4-BE49-F238E27FC236}">
+                  <a16:creationId xmlns:a16="http://schemas.microsoft.com/office/drawing/2014/main" id="{F522ED69-9D44-4F5B-838D-D8E79C6AD83E}"/>
+                </a:ext>
+              </a:extLst>
+            </p:cNvPr>
+            <p:cNvSpPr/>
+            <p:nvPr/>
+          </p:nvSpPr>
+          <p:spPr>
+            <a:xfrm>
+              <a:off x="5050372" y="3490144"/>
+              <a:ext cx="1711212" cy="588168"/>
+            </a:xfrm>
+            <a:prstGeom prst="rect">
+              <a:avLst/>
+            </a:prstGeom>
+            <a:solidFill>
+              <a:srgbClr val="E6354F"/>
+            </a:solidFill>
+            <a:ln>
+              <a:noFill/>
+            </a:ln>
+          </p:spPr>
+          <p:style>
+            <a:lnRef idx="1">
+              <a:schemeClr val="accent1"/>
+            </a:lnRef>
+            <a:fillRef idx="3">
+              <a:schemeClr val="accent1"/>
+            </a:fillRef>
+            <a:effectRef idx="2">
+              <a:schemeClr val="accent1"/>
+            </a:effectRef>
+            <a:fontRef idx="minor">
+              <a:schemeClr val="lt1"/>
+            </a:fontRef>
+          </p:style>
+          <p:txBody>
+            <a:bodyPr rtlCol="0" anchor="ctr"/>
+            <a:lstStyle/>
+            <a:p>
+              <a:pPr algn="ctr"/>
+              <a:r>
+                <a:rPr lang="de-DE" sz="2000" dirty="0"/>
+                <a:t>AETG (mod.)</a:t>
+              </a:r>
+            </a:p>
+          </p:txBody>
+        </p:sp>
+        <p:sp>
+          <p:nvSpPr>
+            <p:cNvPr id="15" name="Pfeil: nach rechts 14">
+              <a:extLst>
+                <a:ext uri="{FF2B5EF4-FFF2-40B4-BE49-F238E27FC236}">
+                  <a16:creationId xmlns:a16="http://schemas.microsoft.com/office/drawing/2014/main" id="{DE2590C0-EF9A-4056-8F19-3B8F842E35F3}"/>
+                </a:ext>
+              </a:extLst>
+            </p:cNvPr>
+            <p:cNvSpPr/>
+            <p:nvPr/>
+          </p:nvSpPr>
+          <p:spPr>
+            <a:xfrm rot="16200000">
+              <a:off x="2267711" y="2256469"/>
+              <a:ext cx="429208" cy="457201"/>
+            </a:xfrm>
+            <a:prstGeom prst="rightArrow">
+              <a:avLst>
+                <a:gd name="adj1" fmla="val 37378"/>
+                <a:gd name="adj2" fmla="val 63330"/>
+              </a:avLst>
+            </a:prstGeom>
+            <a:gradFill>
+              <a:gsLst>
+                <a:gs pos="0">
+                  <a:srgbClr val="E6354F"/>
+                </a:gs>
+                <a:gs pos="100000">
+                  <a:srgbClr val="7D9AA9"/>
+                </a:gs>
+              </a:gsLst>
+              <a:lin ang="0" scaled="0"/>
+            </a:gradFill>
+            <a:ln>
+              <a:noFill/>
+            </a:ln>
+          </p:spPr>
+          <p:style>
+            <a:lnRef idx="2">
+              <a:schemeClr val="accent1">
+                <a:shade val="50000"/>
+              </a:schemeClr>
+            </a:lnRef>
+            <a:fillRef idx="1">
+              <a:schemeClr val="accent1"/>
+            </a:fillRef>
+            <a:effectRef idx="0">
+              <a:schemeClr val="accent1"/>
+            </a:effectRef>
+            <a:fontRef idx="minor">
+              <a:schemeClr val="lt1"/>
+            </a:fontRef>
+          </p:style>
+          <p:txBody>
+            <a:bodyPr rtlCol="0" anchor="ctr"/>
+            <a:lstStyle/>
+            <a:p>
+              <a:pPr algn="ctr"/>
+              <a:endParaRPr lang="de-DE"/>
+            </a:p>
+          </p:txBody>
+        </p:sp>
+        <p:sp>
+          <p:nvSpPr>
+            <p:cNvPr id="16" name="Pfeil: nach rechts 15">
+              <a:extLst>
+                <a:ext uri="{FF2B5EF4-FFF2-40B4-BE49-F238E27FC236}">
+                  <a16:creationId xmlns:a16="http://schemas.microsoft.com/office/drawing/2014/main" id="{94F9AEBA-8803-49C7-AA2D-B0003A666466}"/>
+                </a:ext>
+              </a:extLst>
+            </p:cNvPr>
+            <p:cNvSpPr/>
+            <p:nvPr/>
+          </p:nvSpPr>
+          <p:spPr>
+            <a:xfrm rot="16200000">
+              <a:off x="5437389" y="2623340"/>
+              <a:ext cx="1031829" cy="457201"/>
+            </a:xfrm>
+            <a:prstGeom prst="rightArrow">
+              <a:avLst>
+                <a:gd name="adj1" fmla="val 37378"/>
+                <a:gd name="adj2" fmla="val 63330"/>
+              </a:avLst>
+            </a:prstGeom>
+            <a:gradFill>
+              <a:gsLst>
+                <a:gs pos="0">
+                  <a:srgbClr val="E6354F"/>
+                </a:gs>
+                <a:gs pos="100000">
+                  <a:srgbClr val="7D9AA9"/>
+                </a:gs>
+              </a:gsLst>
+              <a:lin ang="0" scaled="0"/>
+            </a:gradFill>
+            <a:ln>
+              <a:noFill/>
+            </a:ln>
+          </p:spPr>
+          <p:style>
+            <a:lnRef idx="2">
+              <a:schemeClr val="accent1">
+                <a:shade val="50000"/>
+              </a:schemeClr>
+            </a:lnRef>
+            <a:fillRef idx="1">
+              <a:schemeClr val="accent1"/>
+            </a:fillRef>
+            <a:effectRef idx="0">
+              <a:schemeClr val="accent1"/>
+            </a:effectRef>
+            <a:fontRef idx="minor">
+              <a:schemeClr val="lt1"/>
+            </a:fontRef>
+          </p:style>
+          <p:txBody>
+            <a:bodyPr rtlCol="0" anchor="ctr"/>
+            <a:lstStyle/>
+            <a:p>
+              <a:pPr algn="ctr"/>
+              <a:endParaRPr lang="de-DE"/>
+            </a:p>
+          </p:txBody>
+        </p:sp>
+        <p:sp>
+          <p:nvSpPr>
+            <p:cNvPr id="17" name="Pfeil: nach rechts 16">
+              <a:extLst>
+                <a:ext uri="{FF2B5EF4-FFF2-40B4-BE49-F238E27FC236}">
+                  <a16:creationId xmlns:a16="http://schemas.microsoft.com/office/drawing/2014/main" id="{6BD22C62-08C4-4B26-AF4D-698EE75044CC}"/>
+                </a:ext>
+              </a:extLst>
+            </p:cNvPr>
+            <p:cNvSpPr/>
+            <p:nvPr/>
+          </p:nvSpPr>
+          <p:spPr>
+            <a:xfrm rot="16200000">
+              <a:off x="8502119" y="2623340"/>
+              <a:ext cx="1031829" cy="457201"/>
+            </a:xfrm>
+            <a:prstGeom prst="rightArrow">
+              <a:avLst>
+                <a:gd name="adj1" fmla="val 37378"/>
+                <a:gd name="adj2" fmla="val 63330"/>
+              </a:avLst>
+            </a:prstGeom>
+            <a:gradFill>
+              <a:gsLst>
+                <a:gs pos="0">
+                  <a:srgbClr val="E6354F"/>
+                </a:gs>
+                <a:gs pos="100000">
+                  <a:srgbClr val="7D9AA9"/>
+                </a:gs>
+              </a:gsLst>
+              <a:lin ang="0" scaled="0"/>
+            </a:gradFill>
+            <a:ln>
+              <a:noFill/>
+            </a:ln>
+          </p:spPr>
+          <p:style>
+            <a:lnRef idx="2">
+              <a:schemeClr val="accent1">
+                <a:shade val="50000"/>
+              </a:schemeClr>
+            </a:lnRef>
+            <a:fillRef idx="1">
+              <a:schemeClr val="accent1"/>
+            </a:fillRef>
+            <a:effectRef idx="0">
+              <a:schemeClr val="accent1"/>
+            </a:effectRef>
+            <a:fontRef idx="minor">
+              <a:schemeClr val="lt1"/>
+            </a:fontRef>
+          </p:style>
+          <p:txBody>
+            <a:bodyPr rtlCol="0" anchor="ctr"/>
+            <a:lstStyle/>
+            <a:p>
+              <a:pPr algn="ctr"/>
+              <a:endParaRPr lang="de-DE"/>
+            </a:p>
+          </p:txBody>
+        </p:sp>
+        <p:sp>
+          <p:nvSpPr>
+            <p:cNvPr id="18" name="Rechteck 17">
+              <a:extLst>
+                <a:ext uri="{FF2B5EF4-FFF2-40B4-BE49-F238E27FC236}">
+                  <a16:creationId xmlns:a16="http://schemas.microsoft.com/office/drawing/2014/main" id="{E30054C7-3D33-4DEB-928D-C272A5C7BE75}"/>
+                </a:ext>
+              </a:extLst>
+            </p:cNvPr>
+            <p:cNvSpPr/>
+            <p:nvPr/>
+          </p:nvSpPr>
+          <p:spPr>
+            <a:xfrm>
+              <a:off x="587829" y="1017037"/>
+              <a:ext cx="9955762" cy="4133461"/>
+            </a:xfrm>
+            <a:prstGeom prst="rect">
+              <a:avLst/>
+            </a:prstGeom>
+            <a:noFill/>
+            <a:ln w="38100">
+              <a:solidFill>
+                <a:srgbClr val="7D9AA9"/>
+              </a:solidFill>
+              <a:prstDash val="sysDash"/>
+            </a:ln>
+          </p:spPr>
+          <p:style>
+            <a:lnRef idx="2">
+              <a:schemeClr val="accent1">
+                <a:shade val="50000"/>
+              </a:schemeClr>
+            </a:lnRef>
+            <a:fillRef idx="1">
+              <a:schemeClr val="accent1"/>
+            </a:fillRef>
+            <a:effectRef idx="0">
+              <a:schemeClr val="accent1"/>
+            </a:effectRef>
+            <a:fontRef idx="minor">
+              <a:schemeClr val="lt1"/>
+            </a:fontRef>
+          </p:style>
+          <p:txBody>
+            <a:bodyPr rtlCol="0" anchor="ctr"/>
+            <a:lstStyle/>
+            <a:p>
+              <a:pPr algn="ctr"/>
+              <a:endParaRPr lang="de-DE"/>
+            </a:p>
+          </p:txBody>
+        </p:sp>
+        <p:cxnSp>
+          <p:nvCxnSpPr>
+            <p:cNvPr id="21" name="Gerader Verbinder 20">
+              <a:extLst>
+                <a:ext uri="{FF2B5EF4-FFF2-40B4-BE49-F238E27FC236}">
+                  <a16:creationId xmlns:a16="http://schemas.microsoft.com/office/drawing/2014/main" id="{1481F84C-35DB-4810-9089-6AC0C9D495F8}"/>
+                </a:ext>
+              </a:extLst>
+            </p:cNvPr>
+            <p:cNvCxnSpPr>
+              <a:cxnSpLocks/>
+            </p:cNvCxnSpPr>
+            <p:nvPr/>
+          </p:nvCxnSpPr>
+          <p:spPr>
+            <a:xfrm>
+              <a:off x="4413380" y="1045029"/>
+              <a:ext cx="0" cy="4105469"/>
+            </a:xfrm>
+            <a:prstGeom prst="line">
+              <a:avLst/>
+            </a:prstGeom>
+            <a:ln w="44450">
+              <a:solidFill>
+                <a:srgbClr val="7D9AA9"/>
+              </a:solidFill>
+              <a:prstDash val="sysDash"/>
+            </a:ln>
+          </p:spPr>
+          <p:style>
+            <a:lnRef idx="1">
+              <a:schemeClr val="accent1"/>
+            </a:lnRef>
+            <a:fillRef idx="0">
+              <a:schemeClr val="accent1"/>
+            </a:fillRef>
+            <a:effectRef idx="0">
+              <a:schemeClr val="accent1"/>
+            </a:effectRef>
+            <a:fontRef idx="minor">
+              <a:schemeClr val="tx1"/>
+            </a:fontRef>
+          </p:style>
+        </p:cxnSp>
+        <p:cxnSp>
+          <p:nvCxnSpPr>
+            <p:cNvPr id="22" name="Gerader Verbinder 21">
+              <a:extLst>
+                <a:ext uri="{FF2B5EF4-FFF2-40B4-BE49-F238E27FC236}">
+                  <a16:creationId xmlns:a16="http://schemas.microsoft.com/office/drawing/2014/main" id="{996C593E-D8A8-4154-814D-C57ECE0E33E1}"/>
+                </a:ext>
+              </a:extLst>
+            </p:cNvPr>
+            <p:cNvCxnSpPr>
+              <a:cxnSpLocks/>
+            </p:cNvCxnSpPr>
+            <p:nvPr/>
+          </p:nvCxnSpPr>
+          <p:spPr>
+            <a:xfrm>
+              <a:off x="7408507" y="1017037"/>
+              <a:ext cx="0" cy="4133461"/>
+            </a:xfrm>
+            <a:prstGeom prst="line">
+              <a:avLst/>
+            </a:prstGeom>
+            <a:ln w="44450">
+              <a:solidFill>
+                <a:srgbClr val="7D9AA9"/>
+              </a:solidFill>
+              <a:prstDash val="sysDash"/>
+            </a:ln>
+          </p:spPr>
+          <p:style>
+            <a:lnRef idx="1">
+              <a:schemeClr val="accent1"/>
+            </a:lnRef>
+            <a:fillRef idx="0">
+              <a:schemeClr val="accent1"/>
+            </a:fillRef>
+            <a:effectRef idx="0">
+              <a:schemeClr val="accent1"/>
+            </a:effectRef>
+            <a:fontRef idx="minor">
+              <a:schemeClr val="tx1"/>
+            </a:fontRef>
+          </p:style>
+        </p:cxnSp>
+        <p:grpSp>
+          <p:nvGrpSpPr>
+            <p:cNvPr id="29" name="Gruppieren 28">
+              <a:extLst>
+                <a:ext uri="{FF2B5EF4-FFF2-40B4-BE49-F238E27FC236}">
+                  <a16:creationId xmlns:a16="http://schemas.microsoft.com/office/drawing/2014/main" id="{3793F62F-7E9F-4CFB-9E1D-DEB210854218}"/>
+                </a:ext>
+              </a:extLst>
+            </p:cNvPr>
+            <p:cNvGrpSpPr/>
+            <p:nvPr/>
+          </p:nvGrpSpPr>
+          <p:grpSpPr>
+            <a:xfrm>
+              <a:off x="842967" y="5132669"/>
+              <a:ext cx="3476991" cy="719259"/>
+              <a:chOff x="872784" y="5401391"/>
+              <a:chExt cx="3476991" cy="719259"/>
+            </a:xfrm>
+          </p:grpSpPr>
+          <p:sp>
+            <p:nvSpPr>
+              <p:cNvPr id="27" name="Rechteck 26">
+                <a:extLst>
+                  <a:ext uri="{FF2B5EF4-FFF2-40B4-BE49-F238E27FC236}">
+                    <a16:creationId xmlns:a16="http://schemas.microsoft.com/office/drawing/2014/main" id="{4299297F-26C0-484E-B53C-87FA085E599C}"/>
+                  </a:ext>
+                </a:extLst>
+              </p:cNvPr>
+              <p:cNvSpPr/>
+              <p:nvPr/>
+            </p:nvSpPr>
+            <p:spPr>
+              <a:xfrm>
+                <a:off x="872784" y="5681079"/>
+                <a:ext cx="190906" cy="159884"/>
+              </a:xfrm>
+              <a:prstGeom prst="rect">
+                <a:avLst/>
+              </a:prstGeom>
+              <a:solidFill>
+                <a:srgbClr val="F48293"/>
+              </a:solidFill>
+              <a:ln>
+                <a:noFill/>
+              </a:ln>
+            </p:spPr>
+            <p:style>
+              <a:lnRef idx="1">
+                <a:schemeClr val="accent1"/>
+              </a:lnRef>
+              <a:fillRef idx="3">
+                <a:schemeClr val="accent1"/>
+              </a:fillRef>
+              <a:effectRef idx="2">
+                <a:schemeClr val="accent1"/>
+              </a:effectRef>
+              <a:fontRef idx="minor">
+                <a:schemeClr val="lt1"/>
+              </a:fontRef>
+            </p:style>
+            <p:txBody>
+              <a:bodyPr rtlCol="0" anchor="ctr"/>
+              <a:lstStyle/>
+              <a:p>
+                <a:pPr algn="ctr"/>
+                <a:endParaRPr lang="de-DE" sz="2000" dirty="0"/>
+              </a:p>
+            </p:txBody>
+          </p:sp>
+          <p:sp>
+            <p:nvSpPr>
+              <p:cNvPr id="28" name="Rechteck 27">
+                <a:extLst>
+                  <a:ext uri="{FF2B5EF4-FFF2-40B4-BE49-F238E27FC236}">
+                    <a16:creationId xmlns:a16="http://schemas.microsoft.com/office/drawing/2014/main" id="{C0E850B4-93B6-4461-94F4-5472D9A6DC4A}"/>
+                  </a:ext>
+                </a:extLst>
+              </p:cNvPr>
+              <p:cNvSpPr/>
+              <p:nvPr/>
+            </p:nvSpPr>
+            <p:spPr>
+              <a:xfrm>
+                <a:off x="1033554" y="5401391"/>
+                <a:ext cx="3316221" cy="719259"/>
+              </a:xfrm>
+              <a:prstGeom prst="rect">
+                <a:avLst/>
+              </a:prstGeom>
+              <a:noFill/>
+              <a:ln>
+                <a:noFill/>
+              </a:ln>
+            </p:spPr>
+            <p:style>
+              <a:lnRef idx="1">
+                <a:schemeClr val="accent1"/>
+              </a:lnRef>
+              <a:fillRef idx="3">
+                <a:schemeClr val="accent1"/>
+              </a:fillRef>
+              <a:effectRef idx="2">
+                <a:schemeClr val="accent1"/>
+              </a:effectRef>
+              <a:fontRef idx="minor">
+                <a:schemeClr val="lt1"/>
+              </a:fontRef>
+            </p:style>
+            <p:txBody>
+              <a:bodyPr rtlCol="0" anchor="ctr"/>
+              <a:lstStyle/>
+              <a:p>
+                <a:r>
+                  <a:rPr lang="de-DE" sz="1400" dirty="0">
+                    <a:solidFill>
+                      <a:schemeClr val="tx1"/>
+                    </a:solidFill>
+                  </a:rPr>
+                  <a:t>= Parameter-basierte Algorithmen</a:t>
+                </a:r>
+                <a:r>
+                  <a:rPr lang="de-DE" sz="1400" dirty="0"/>
+                  <a:t>-F</a:t>
+                </a:r>
+              </a:p>
+            </p:txBody>
+          </p:sp>
+        </p:grpSp>
+        <p:grpSp>
+          <p:nvGrpSpPr>
+            <p:cNvPr id="30" name="Gruppieren 29">
+              <a:extLst>
+                <a:ext uri="{FF2B5EF4-FFF2-40B4-BE49-F238E27FC236}">
+                  <a16:creationId xmlns:a16="http://schemas.microsoft.com/office/drawing/2014/main" id="{1392E7FB-E913-45FB-991A-1A34833C6BD5}"/>
+                </a:ext>
+              </a:extLst>
+            </p:cNvPr>
+            <p:cNvGrpSpPr/>
+            <p:nvPr/>
+          </p:nvGrpSpPr>
+          <p:grpSpPr>
+            <a:xfrm>
+              <a:off x="842967" y="5388101"/>
+              <a:ext cx="3476991" cy="719259"/>
+              <a:chOff x="872784" y="5401391"/>
+              <a:chExt cx="3476991" cy="719259"/>
+            </a:xfrm>
+          </p:grpSpPr>
+          <p:sp>
+            <p:nvSpPr>
+              <p:cNvPr id="31" name="Rechteck 30">
+                <a:extLst>
+                  <a:ext uri="{FF2B5EF4-FFF2-40B4-BE49-F238E27FC236}">
+                    <a16:creationId xmlns:a16="http://schemas.microsoft.com/office/drawing/2014/main" id="{A87F3001-6537-4FBA-99EF-11CFD0A75D3D}"/>
+                  </a:ext>
+                </a:extLst>
+              </p:cNvPr>
+              <p:cNvSpPr/>
+              <p:nvPr/>
+            </p:nvSpPr>
+            <p:spPr>
+              <a:xfrm>
+                <a:off x="872784" y="5681079"/>
+                <a:ext cx="190906" cy="159884"/>
+              </a:xfrm>
+              <a:prstGeom prst="rect">
+                <a:avLst/>
+              </a:prstGeom>
+              <a:solidFill>
+                <a:srgbClr val="E6354F"/>
+              </a:solidFill>
+              <a:ln>
+                <a:noFill/>
+              </a:ln>
+            </p:spPr>
+            <p:style>
+              <a:lnRef idx="1">
+                <a:schemeClr val="accent1"/>
+              </a:lnRef>
+              <a:fillRef idx="3">
+                <a:schemeClr val="accent1"/>
+              </a:fillRef>
+              <a:effectRef idx="2">
+                <a:schemeClr val="accent1"/>
+              </a:effectRef>
+              <a:fontRef idx="minor">
+                <a:schemeClr val="lt1"/>
+              </a:fontRef>
+            </p:style>
+            <p:txBody>
+              <a:bodyPr rtlCol="0" anchor="ctr"/>
+              <a:lstStyle/>
+              <a:p>
+                <a:pPr algn="ctr"/>
+                <a:endParaRPr lang="de-DE" sz="2000" dirty="0"/>
+              </a:p>
+            </p:txBody>
+          </p:sp>
+          <p:sp>
+            <p:nvSpPr>
+              <p:cNvPr id="32" name="Rechteck 31">
+                <a:extLst>
+                  <a:ext uri="{FF2B5EF4-FFF2-40B4-BE49-F238E27FC236}">
+                    <a16:creationId xmlns:a16="http://schemas.microsoft.com/office/drawing/2014/main" id="{FA981CB7-E5D3-46B6-8E53-9A40367C6DF9}"/>
+                  </a:ext>
+                </a:extLst>
+              </p:cNvPr>
+              <p:cNvSpPr/>
+              <p:nvPr/>
+            </p:nvSpPr>
+            <p:spPr>
+              <a:xfrm>
+                <a:off x="1033554" y="5401391"/>
+                <a:ext cx="3316221" cy="719259"/>
+              </a:xfrm>
+              <a:prstGeom prst="rect">
+                <a:avLst/>
+              </a:prstGeom>
+              <a:noFill/>
+              <a:ln>
+                <a:noFill/>
+              </a:ln>
+            </p:spPr>
+            <p:style>
+              <a:lnRef idx="1">
+                <a:schemeClr val="accent1"/>
+              </a:lnRef>
+              <a:fillRef idx="3">
+                <a:schemeClr val="accent1"/>
+              </a:fillRef>
+              <a:effectRef idx="2">
+                <a:schemeClr val="accent1"/>
+              </a:effectRef>
+              <a:fontRef idx="minor">
+                <a:schemeClr val="lt1"/>
+              </a:fontRef>
+            </p:style>
+            <p:txBody>
+              <a:bodyPr rtlCol="0" anchor="ctr"/>
+              <a:lstStyle/>
+              <a:p>
+                <a:r>
+                  <a:rPr lang="de-DE" sz="1400" dirty="0">
+                    <a:solidFill>
+                      <a:schemeClr val="tx1"/>
+                    </a:solidFill>
+                  </a:rPr>
+                  <a:t>= Test-basierte Algorithmen</a:t>
+                </a:r>
+                <a:r>
+                  <a:rPr lang="de-DE" sz="1400" dirty="0"/>
+                  <a:t>-F</a:t>
+                </a:r>
+              </a:p>
+            </p:txBody>
+          </p:sp>
+        </p:grpSp>
+        <p:grpSp>
+          <p:nvGrpSpPr>
+            <p:cNvPr id="33" name="Gruppieren 32">
+              <a:extLst>
+                <a:ext uri="{FF2B5EF4-FFF2-40B4-BE49-F238E27FC236}">
+                  <a16:creationId xmlns:a16="http://schemas.microsoft.com/office/drawing/2014/main" id="{536CE73A-7ABE-427E-BC67-C3FC7D5170E8}"/>
+                </a:ext>
+              </a:extLst>
+            </p:cNvPr>
+            <p:cNvGrpSpPr/>
+            <p:nvPr/>
+          </p:nvGrpSpPr>
+          <p:grpSpPr>
+            <a:xfrm>
+              <a:off x="3758738" y="5150498"/>
+              <a:ext cx="3509571" cy="719259"/>
+              <a:chOff x="872784" y="5420302"/>
+              <a:chExt cx="3509571" cy="719259"/>
+            </a:xfrm>
+          </p:grpSpPr>
+          <p:sp>
+            <p:nvSpPr>
+              <p:cNvPr id="34" name="Rechteck 33">
+                <a:extLst>
+                  <a:ext uri="{FF2B5EF4-FFF2-40B4-BE49-F238E27FC236}">
+                    <a16:creationId xmlns:a16="http://schemas.microsoft.com/office/drawing/2014/main" id="{AC26EB4B-CF7D-45E1-BCE4-EFDBA69DE627}"/>
+                  </a:ext>
+                </a:extLst>
+              </p:cNvPr>
+              <p:cNvSpPr/>
+              <p:nvPr/>
+            </p:nvSpPr>
+            <p:spPr>
+              <a:xfrm>
+                <a:off x="872784" y="5681079"/>
+                <a:ext cx="190906" cy="159884"/>
+              </a:xfrm>
+              <a:prstGeom prst="rect">
+                <a:avLst/>
+              </a:prstGeom>
+              <a:solidFill>
+                <a:srgbClr val="7D9AA9"/>
+              </a:solidFill>
+              <a:ln>
+                <a:noFill/>
+              </a:ln>
+            </p:spPr>
+            <p:style>
+              <a:lnRef idx="1">
+                <a:schemeClr val="accent1"/>
+              </a:lnRef>
+              <a:fillRef idx="3">
+                <a:schemeClr val="accent1"/>
+              </a:fillRef>
+              <a:effectRef idx="2">
+                <a:schemeClr val="accent1"/>
+              </a:effectRef>
+              <a:fontRef idx="minor">
+                <a:schemeClr val="lt1"/>
+              </a:fontRef>
+            </p:style>
+            <p:txBody>
+              <a:bodyPr rtlCol="0" anchor="ctr"/>
+              <a:lstStyle/>
+              <a:p>
+                <a:pPr algn="ctr"/>
+                <a:endParaRPr lang="de-DE" sz="2000" dirty="0"/>
+              </a:p>
+            </p:txBody>
+          </p:sp>
+          <p:sp>
+            <p:nvSpPr>
+              <p:cNvPr id="35" name="Rechteck 34">
+                <a:extLst>
+                  <a:ext uri="{FF2B5EF4-FFF2-40B4-BE49-F238E27FC236}">
+                    <a16:creationId xmlns:a16="http://schemas.microsoft.com/office/drawing/2014/main" id="{66694946-DAC3-49C7-B30C-8F7BAA62ABDC}"/>
+                  </a:ext>
+                </a:extLst>
+              </p:cNvPr>
+              <p:cNvSpPr/>
+              <p:nvPr/>
+            </p:nvSpPr>
+            <p:spPr>
+              <a:xfrm>
+                <a:off x="1066134" y="5420302"/>
+                <a:ext cx="3316221" cy="719259"/>
+              </a:xfrm>
+              <a:prstGeom prst="rect">
+                <a:avLst/>
+              </a:prstGeom>
+              <a:noFill/>
+              <a:ln>
+                <a:noFill/>
+              </a:ln>
+            </p:spPr>
+            <p:style>
+              <a:lnRef idx="1">
+                <a:schemeClr val="accent1"/>
+              </a:lnRef>
+              <a:fillRef idx="3">
+                <a:schemeClr val="accent1"/>
+              </a:fillRef>
+              <a:effectRef idx="2">
+                <a:schemeClr val="accent1"/>
+              </a:effectRef>
+              <a:fontRef idx="minor">
+                <a:schemeClr val="lt1"/>
+              </a:fontRef>
+            </p:style>
+            <p:txBody>
+              <a:bodyPr rtlCol="0" anchor="ctr"/>
+              <a:lstStyle/>
+              <a:p>
+                <a:r>
+                  <a:rPr lang="de-DE" sz="1400" dirty="0">
+                    <a:solidFill>
+                      <a:schemeClr val="tx1"/>
+                    </a:solidFill>
+                  </a:rPr>
+                  <a:t>= Tools</a:t>
+                </a:r>
+                <a:endParaRPr lang="de-DE" sz="1400" dirty="0"/>
+              </a:p>
+            </p:txBody>
+          </p:sp>
+        </p:grpSp>
+        <p:grpSp>
+          <p:nvGrpSpPr>
+            <p:cNvPr id="36" name="Gruppieren 35">
+              <a:extLst>
+                <a:ext uri="{FF2B5EF4-FFF2-40B4-BE49-F238E27FC236}">
+                  <a16:creationId xmlns:a16="http://schemas.microsoft.com/office/drawing/2014/main" id="{E310FC01-05F4-40A2-B079-CE5702ABE797}"/>
+                </a:ext>
+              </a:extLst>
+            </p:cNvPr>
+            <p:cNvGrpSpPr/>
+            <p:nvPr/>
+          </p:nvGrpSpPr>
+          <p:grpSpPr>
+            <a:xfrm>
+              <a:off x="3758739" y="5387019"/>
+              <a:ext cx="4181609" cy="719259"/>
+              <a:chOff x="872785" y="5401391"/>
+              <a:chExt cx="3476990" cy="719259"/>
+            </a:xfrm>
+          </p:grpSpPr>
+          <p:sp>
+            <p:nvSpPr>
+              <p:cNvPr id="37" name="Rechteck 36">
+                <a:extLst>
+                  <a:ext uri="{FF2B5EF4-FFF2-40B4-BE49-F238E27FC236}">
+                    <a16:creationId xmlns:a16="http://schemas.microsoft.com/office/drawing/2014/main" id="{3FD93886-EC19-4AF6-BC63-5CB11C85289E}"/>
+                  </a:ext>
+                </a:extLst>
+              </p:cNvPr>
+              <p:cNvSpPr/>
+              <p:nvPr/>
+            </p:nvSpPr>
+            <p:spPr>
+              <a:xfrm>
+                <a:off x="872785" y="5681079"/>
+                <a:ext cx="158738" cy="159884"/>
+              </a:xfrm>
+              <a:prstGeom prst="rect">
+                <a:avLst/>
+              </a:prstGeom>
+              <a:solidFill>
+                <a:srgbClr val="400F16"/>
+              </a:solidFill>
+              <a:ln>
+                <a:noFill/>
+              </a:ln>
+            </p:spPr>
+            <p:style>
+              <a:lnRef idx="1">
+                <a:schemeClr val="accent1"/>
+              </a:lnRef>
+              <a:fillRef idx="3">
+                <a:schemeClr val="accent1"/>
+              </a:fillRef>
+              <a:effectRef idx="2">
+                <a:schemeClr val="accent1"/>
+              </a:effectRef>
+              <a:fontRef idx="minor">
+                <a:schemeClr val="lt1"/>
+              </a:fontRef>
+            </p:style>
+            <p:txBody>
+              <a:bodyPr rtlCol="0" anchor="ctr"/>
+              <a:lstStyle/>
+              <a:p>
+                <a:pPr algn="ctr"/>
+                <a:endParaRPr lang="de-DE" sz="2000" dirty="0"/>
+              </a:p>
+            </p:txBody>
+          </p:sp>
+          <p:sp>
+            <p:nvSpPr>
+              <p:cNvPr id="38" name="Rechteck 37">
+                <a:extLst>
+                  <a:ext uri="{FF2B5EF4-FFF2-40B4-BE49-F238E27FC236}">
+                    <a16:creationId xmlns:a16="http://schemas.microsoft.com/office/drawing/2014/main" id="{5E5EF276-DC25-44D0-BEDC-405AC1D39A26}"/>
+                  </a:ext>
+                </a:extLst>
+              </p:cNvPr>
+              <p:cNvSpPr/>
+              <p:nvPr/>
+            </p:nvSpPr>
+            <p:spPr>
+              <a:xfrm>
+                <a:off x="1033554" y="5401391"/>
+                <a:ext cx="3316221" cy="719259"/>
+              </a:xfrm>
+              <a:prstGeom prst="rect">
+                <a:avLst/>
+              </a:prstGeom>
+              <a:noFill/>
+              <a:ln>
+                <a:noFill/>
+              </a:ln>
+            </p:spPr>
+            <p:style>
+              <a:lnRef idx="1">
+                <a:schemeClr val="accent1"/>
+              </a:lnRef>
+              <a:fillRef idx="3">
+                <a:schemeClr val="accent1"/>
+              </a:fillRef>
+              <a:effectRef idx="2">
+                <a:schemeClr val="accent1"/>
+              </a:effectRef>
+              <a:fontRef idx="minor">
+                <a:schemeClr val="lt1"/>
+              </a:fontRef>
+            </p:style>
+            <p:txBody>
+              <a:bodyPr rtlCol="0" anchor="ctr"/>
+              <a:lstStyle/>
+              <a:p>
+                <a:r>
+                  <a:rPr lang="de-DE" sz="1400" dirty="0">
+                    <a:solidFill>
+                      <a:schemeClr val="tx1"/>
+                    </a:solidFill>
+                  </a:rPr>
+                  <a:t>= Sonstige Algorithmen (keine t-fache Abdeckung)</a:t>
+                </a:r>
+                <a:endParaRPr lang="de-DE" sz="1400" dirty="0"/>
+              </a:p>
+            </p:txBody>
+          </p:sp>
+        </p:grpSp>
+      </p:grpSp>
+    </p:spTree>
+    <p:extLst>
+      <p:ext uri="{BB962C8B-B14F-4D97-AF65-F5344CB8AC3E}">
+        <p14:creationId xmlns:p14="http://schemas.microsoft.com/office/powerpoint/2010/main" val="1207580292"/>
+      </p:ext>
+    </p:extLst>
+  </p:cSld>
+  <p:clrMapOvr>
+    <a:masterClrMapping/>
+  </p:clrMapOvr>
+</p:sld>
+</file>
+
 <file path=ppt/theme/theme1.xml><?xml version="1.0" encoding="utf-8"?>
 <a:theme xmlns:a="http://schemas.openxmlformats.org/drawingml/2006/main" name="Office">
   <a:themeElements>
